--- a/PC-LAP/Wine quality classification using Artificial Neural Network.pptx
+++ b/PC-LAP/Wine quality classification using Artificial Neural Network.pptx
@@ -5,7 +5,7 @@
     <p:sldMasterId id="2147483648" r:id="rId1"/>
   </p:sldMasterIdLst>
   <p:notesMasterIdLst>
-    <p:notesMasterId r:id="rId29"/>
+    <p:notesMasterId r:id="rId38"/>
   </p:notesMasterIdLst>
   <p:sldIdLst>
     <p:sldId id="256" r:id="rId2"/>
@@ -35,6 +35,15 @@
     <p:sldId id="291" r:id="rId26"/>
     <p:sldId id="292" r:id="rId27"/>
     <p:sldId id="278" r:id="rId28"/>
+    <p:sldId id="293" r:id="rId29"/>
+    <p:sldId id="294" r:id="rId30"/>
+    <p:sldId id="295" r:id="rId31"/>
+    <p:sldId id="296" r:id="rId32"/>
+    <p:sldId id="297" r:id="rId33"/>
+    <p:sldId id="302" r:id="rId34"/>
+    <p:sldId id="299" r:id="rId35"/>
+    <p:sldId id="298" r:id="rId36"/>
+    <p:sldId id="303" r:id="rId37"/>
   </p:sldIdLst>
   <p:sldSz cx="12192000" cy="6858000"/>
   <p:notesSz cx="6858000" cy="9144000"/>
@@ -12186,7 +12195,7 @@
           </a:ln>
           <a:extLst>
             <a:ext uri="{C572A759-6A51-4108-AA02-DFA0A04FC94B}">
-              <ma14:wrappingTextBoxFlag xmlns="" xmlns:m="http://schemas.openxmlformats.org/officeDocument/2006/math" xmlns:a14="http://schemas.microsoft.com/office/drawing/2010/main" xmlns:ma14="http://schemas.microsoft.com/office/mac/drawingml/2011/main" val="1"/>
+              <ma14:wrappingTextBoxFlag xmlns:ma14="http://schemas.microsoft.com/office/mac/drawingml/2011/main" xmlns:a14="http://schemas.microsoft.com/office/drawing/2010/main" xmlns:m="http://schemas.openxmlformats.org/officeDocument/2006/math" xmlns="" val="1"/>
             </a:ext>
           </a:extLst>
         </p:spPr>
@@ -12312,7 +12321,7 @@
           </a:ln>
           <a:extLst>
             <a:ext uri="{C572A759-6A51-4108-AA02-DFA0A04FC94B}">
-              <ma14:wrappingTextBoxFlag xmlns="" xmlns:m="http://schemas.openxmlformats.org/officeDocument/2006/math" xmlns:a14="http://schemas.microsoft.com/office/drawing/2010/main" xmlns:ma14="http://schemas.microsoft.com/office/mac/drawingml/2011/main" val="1"/>
+              <ma14:wrappingTextBoxFlag xmlns:ma14="http://schemas.microsoft.com/office/mac/drawingml/2011/main" xmlns:a14="http://schemas.microsoft.com/office/drawing/2010/main" xmlns:m="http://schemas.openxmlformats.org/officeDocument/2006/math" xmlns="" val="1"/>
             </a:ext>
           </a:extLst>
         </p:spPr>
@@ -13168,7 +13177,7 @@
           </a:ln>
           <a:extLst>
             <a:ext uri="{C572A759-6A51-4108-AA02-DFA0A04FC94B}">
-              <ma14:wrappingTextBoxFlag xmlns="" xmlns:m="http://schemas.openxmlformats.org/officeDocument/2006/math" xmlns:a14="http://schemas.microsoft.com/office/drawing/2010/main" xmlns:ma14="http://schemas.microsoft.com/office/mac/drawingml/2011/main" val="1"/>
+              <ma14:wrappingTextBoxFlag xmlns:ma14="http://schemas.microsoft.com/office/mac/drawingml/2011/main" xmlns:a14="http://schemas.microsoft.com/office/drawing/2010/main" xmlns:m="http://schemas.openxmlformats.org/officeDocument/2006/math" xmlns="" val="1"/>
             </a:ext>
           </a:extLst>
         </p:spPr>
@@ -13282,7 +13291,7 @@
           </a:ln>
           <a:extLst>
             <a:ext uri="{C572A759-6A51-4108-AA02-DFA0A04FC94B}">
-              <ma14:wrappingTextBoxFlag xmlns="" xmlns:m="http://schemas.openxmlformats.org/officeDocument/2006/math" xmlns:a14="http://schemas.microsoft.com/office/drawing/2010/main" xmlns:ma14="http://schemas.microsoft.com/office/mac/drawingml/2011/main" val="1"/>
+              <ma14:wrappingTextBoxFlag xmlns:ma14="http://schemas.microsoft.com/office/mac/drawingml/2011/main" xmlns:a14="http://schemas.microsoft.com/office/drawing/2010/main" xmlns:m="http://schemas.openxmlformats.org/officeDocument/2006/math" xmlns="" val="1"/>
             </a:ext>
           </a:extLst>
         </p:spPr>
@@ -13559,7 +13568,7 @@
           </a:ln>
           <a:extLst>
             <a:ext uri="{C572A759-6A51-4108-AA02-DFA0A04FC94B}">
-              <ma14:wrappingTextBoxFlag xmlns="" xmlns:m="http://schemas.openxmlformats.org/officeDocument/2006/math" xmlns:a14="http://schemas.microsoft.com/office/drawing/2010/main" xmlns:ma14="http://schemas.microsoft.com/office/mac/drawingml/2011/main" val="1"/>
+              <ma14:wrappingTextBoxFlag xmlns:ma14="http://schemas.microsoft.com/office/mac/drawingml/2011/main" xmlns:a14="http://schemas.microsoft.com/office/drawing/2010/main" xmlns:m="http://schemas.openxmlformats.org/officeDocument/2006/math" xmlns="" val="1"/>
             </a:ext>
           </a:extLst>
         </p:spPr>
@@ -14907,7 +14916,7 @@
           </a:ln>
           <a:extLst>
             <a:ext uri="{C572A759-6A51-4108-AA02-DFA0A04FC94B}">
-              <ma14:wrappingTextBoxFlag xmlns="" xmlns:m="http://schemas.openxmlformats.org/officeDocument/2006/math" xmlns:a14="http://schemas.microsoft.com/office/drawing/2010/main" xmlns:ma14="http://schemas.microsoft.com/office/mac/drawingml/2011/main" val="1"/>
+              <ma14:wrappingTextBoxFlag xmlns:ma14="http://schemas.microsoft.com/office/mac/drawingml/2011/main" xmlns:a14="http://schemas.microsoft.com/office/drawing/2010/main" xmlns:m="http://schemas.openxmlformats.org/officeDocument/2006/math" xmlns="" val="1"/>
             </a:ext>
           </a:extLst>
         </p:spPr>
@@ -16784,7 +16793,7 @@
           </a:ln>
           <a:extLst>
             <a:ext uri="{C572A759-6A51-4108-AA02-DFA0A04FC94B}">
-              <ma14:wrappingTextBoxFlag xmlns="" xmlns:m="http://schemas.openxmlformats.org/officeDocument/2006/math" xmlns:a14="http://schemas.microsoft.com/office/drawing/2010/main" xmlns:ma14="http://schemas.microsoft.com/office/mac/drawingml/2011/main" val="1"/>
+              <ma14:wrappingTextBoxFlag xmlns:ma14="http://schemas.microsoft.com/office/mac/drawingml/2011/main" xmlns:a14="http://schemas.microsoft.com/office/drawing/2010/main" xmlns:m="http://schemas.openxmlformats.org/officeDocument/2006/math" xmlns="" val="1"/>
             </a:ext>
           </a:extLst>
         </p:spPr>
@@ -17113,7 +17122,7 @@
           </a:ln>
           <a:extLst>
             <a:ext uri="{C572A759-6A51-4108-AA02-DFA0A04FC94B}">
-              <ma14:wrappingTextBoxFlag xmlns="" xmlns:m="http://schemas.openxmlformats.org/officeDocument/2006/math" xmlns:a14="http://schemas.microsoft.com/office/drawing/2010/main" xmlns:ma14="http://schemas.microsoft.com/office/mac/drawingml/2011/main" val="1"/>
+              <ma14:wrappingTextBoxFlag xmlns:ma14="http://schemas.microsoft.com/office/mac/drawingml/2011/main" xmlns:a14="http://schemas.microsoft.com/office/drawing/2010/main" xmlns:m="http://schemas.openxmlformats.org/officeDocument/2006/math" xmlns="" val="1"/>
             </a:ext>
           </a:extLst>
         </p:spPr>
@@ -19443,7 +19452,7 @@
           </a:ln>
           <a:extLst>
             <a:ext uri="{C572A759-6A51-4108-AA02-DFA0A04FC94B}">
-              <ma14:wrappingTextBoxFlag xmlns="" xmlns:m="http://schemas.openxmlformats.org/officeDocument/2006/math" xmlns:a14="http://schemas.microsoft.com/office/drawing/2010/main" xmlns:ma14="http://schemas.microsoft.com/office/mac/drawingml/2011/main" val="1"/>
+              <ma14:wrappingTextBoxFlag xmlns:ma14="http://schemas.microsoft.com/office/mac/drawingml/2011/main" xmlns:a14="http://schemas.microsoft.com/office/drawing/2010/main" xmlns:m="http://schemas.openxmlformats.org/officeDocument/2006/math" xmlns="" val="1"/>
             </a:ext>
           </a:extLst>
         </p:spPr>
@@ -20546,7 +20555,7 @@
           </a:ln>
           <a:extLst>
             <a:ext uri="{C572A759-6A51-4108-AA02-DFA0A04FC94B}">
-              <ma14:wrappingTextBoxFlag xmlns="" xmlns:m="http://schemas.openxmlformats.org/officeDocument/2006/math" xmlns:a14="http://schemas.microsoft.com/office/drawing/2010/main" xmlns:ma14="http://schemas.microsoft.com/office/mac/drawingml/2011/main" val="1"/>
+              <ma14:wrappingTextBoxFlag xmlns:ma14="http://schemas.microsoft.com/office/mac/drawingml/2011/main" xmlns:a14="http://schemas.microsoft.com/office/drawing/2010/main" xmlns:m="http://schemas.openxmlformats.org/officeDocument/2006/math" xmlns="" val="1"/>
             </a:ext>
           </a:extLst>
         </p:spPr>
@@ -23077,7 +23086,7 @@
           </a:ln>
           <a:extLst>
             <a:ext uri="{C572A759-6A51-4108-AA02-DFA0A04FC94B}">
-              <ma14:wrappingTextBoxFlag xmlns="" xmlns:m="http://schemas.openxmlformats.org/officeDocument/2006/math" xmlns:a14="http://schemas.microsoft.com/office/drawing/2010/main" xmlns:ma14="http://schemas.microsoft.com/office/mac/drawingml/2011/main" val="1"/>
+              <ma14:wrappingTextBoxFlag xmlns:ma14="http://schemas.microsoft.com/office/mac/drawingml/2011/main" xmlns:a14="http://schemas.microsoft.com/office/drawing/2010/main" xmlns:m="http://schemas.openxmlformats.org/officeDocument/2006/math" xmlns="" val="1"/>
             </a:ext>
           </a:extLst>
         </p:spPr>
@@ -23598,7 +23607,7 @@
           </a:ln>
           <a:extLst>
             <a:ext uri="{C572A759-6A51-4108-AA02-DFA0A04FC94B}">
-              <ma14:wrappingTextBoxFlag xmlns="" xmlns:m="http://schemas.openxmlformats.org/officeDocument/2006/math" xmlns:a14="http://schemas.microsoft.com/office/drawing/2010/main" xmlns:ma14="http://schemas.microsoft.com/office/mac/drawingml/2011/main" val="1"/>
+              <ma14:wrappingTextBoxFlag xmlns:ma14="http://schemas.microsoft.com/office/mac/drawingml/2011/main" xmlns:a14="http://schemas.microsoft.com/office/drawing/2010/main" xmlns:m="http://schemas.openxmlformats.org/officeDocument/2006/math" xmlns="" val="1"/>
             </a:ext>
           </a:extLst>
         </p:spPr>
@@ -23971,7 +23980,7 @@
           </a:ln>
           <a:extLst>
             <a:ext uri="{C572A759-6A51-4108-AA02-DFA0A04FC94B}">
-              <ma14:wrappingTextBoxFlag xmlns="" xmlns:m="http://schemas.openxmlformats.org/officeDocument/2006/math" xmlns:a14="http://schemas.microsoft.com/office/drawing/2010/main" xmlns:ma14="http://schemas.microsoft.com/office/mac/drawingml/2011/main" val="1"/>
+              <ma14:wrappingTextBoxFlag xmlns:ma14="http://schemas.microsoft.com/office/mac/drawingml/2011/main" xmlns:a14="http://schemas.microsoft.com/office/drawing/2010/main" xmlns:m="http://schemas.openxmlformats.org/officeDocument/2006/math" xmlns="" val="1"/>
             </a:ext>
           </a:extLst>
         </p:spPr>
@@ -24280,7 +24289,7 @@
           </a:ln>
           <a:extLst>
             <a:ext uri="{C572A759-6A51-4108-AA02-DFA0A04FC94B}">
-              <ma14:wrappingTextBoxFlag xmlns="" xmlns:m="http://schemas.openxmlformats.org/officeDocument/2006/math" xmlns:a14="http://schemas.microsoft.com/office/drawing/2010/main" xmlns:ma14="http://schemas.microsoft.com/office/mac/drawingml/2011/main" val="1"/>
+              <ma14:wrappingTextBoxFlag xmlns:ma14="http://schemas.microsoft.com/office/mac/drawingml/2011/main" xmlns:a14="http://schemas.microsoft.com/office/drawing/2010/main" xmlns:m="http://schemas.openxmlformats.org/officeDocument/2006/math" xmlns="" val="1"/>
             </a:ext>
           </a:extLst>
         </p:spPr>
@@ -24759,7 +24768,7 @@
           </a:ln>
           <a:extLst>
             <a:ext uri="{C572A759-6A51-4108-AA02-DFA0A04FC94B}">
-              <ma14:wrappingTextBoxFlag xmlns="" xmlns:m="http://schemas.openxmlformats.org/officeDocument/2006/math" xmlns:a14="http://schemas.microsoft.com/office/drawing/2010/main" xmlns:ma14="http://schemas.microsoft.com/office/mac/drawingml/2011/main" val="1"/>
+              <ma14:wrappingTextBoxFlag xmlns:ma14="http://schemas.microsoft.com/office/mac/drawingml/2011/main" xmlns:a14="http://schemas.microsoft.com/office/drawing/2010/main" xmlns:m="http://schemas.openxmlformats.org/officeDocument/2006/math" xmlns="" val="1"/>
             </a:ext>
           </a:extLst>
         </p:spPr>
@@ -25048,7 +25057,7 @@
           </a:ln>
           <a:extLst>
             <a:ext uri="{C572A759-6A51-4108-AA02-DFA0A04FC94B}">
-              <ma14:wrappingTextBoxFlag xmlns="" xmlns:m="http://schemas.openxmlformats.org/officeDocument/2006/math" xmlns:a14="http://schemas.microsoft.com/office/drawing/2010/main" xmlns:ma14="http://schemas.microsoft.com/office/mac/drawingml/2011/main" val="1"/>
+              <ma14:wrappingTextBoxFlag xmlns:ma14="http://schemas.microsoft.com/office/mac/drawingml/2011/main" xmlns:a14="http://schemas.microsoft.com/office/drawing/2010/main" xmlns:m="http://schemas.openxmlformats.org/officeDocument/2006/math" xmlns="" val="1"/>
             </a:ext>
           </a:extLst>
         </p:spPr>
@@ -25337,7 +25346,7 @@
           </a:ln>
           <a:extLst>
             <a:ext uri="{C572A759-6A51-4108-AA02-DFA0A04FC94B}">
-              <ma14:wrappingTextBoxFlag xmlns="" xmlns:m="http://schemas.openxmlformats.org/officeDocument/2006/math" xmlns:a14="http://schemas.microsoft.com/office/drawing/2010/main" xmlns:ma14="http://schemas.microsoft.com/office/mac/drawingml/2011/main" val="1"/>
+              <ma14:wrappingTextBoxFlag xmlns:ma14="http://schemas.microsoft.com/office/mac/drawingml/2011/main" xmlns:a14="http://schemas.microsoft.com/office/drawing/2010/main" xmlns:m="http://schemas.openxmlformats.org/officeDocument/2006/math" xmlns="" val="1"/>
             </a:ext>
           </a:extLst>
         </p:spPr>
@@ -25948,7 +25957,7 @@
           </a:ln>
           <a:extLst>
             <a:ext uri="{C572A759-6A51-4108-AA02-DFA0A04FC94B}">
-              <ma14:wrappingTextBoxFlag xmlns="" xmlns:m="http://schemas.openxmlformats.org/officeDocument/2006/math" xmlns:a14="http://schemas.microsoft.com/office/drawing/2010/main" xmlns:ma14="http://schemas.microsoft.com/office/mac/drawingml/2011/main" val="1"/>
+              <ma14:wrappingTextBoxFlag xmlns:ma14="http://schemas.microsoft.com/office/mac/drawingml/2011/main" xmlns:a14="http://schemas.microsoft.com/office/drawing/2010/main" xmlns:m="http://schemas.openxmlformats.org/officeDocument/2006/math" xmlns="" val="1"/>
             </a:ext>
           </a:extLst>
         </p:spPr>
@@ -26384,7 +26393,7 @@
           </a:ln>
           <a:extLst>
             <a:ext uri="{C572A759-6A51-4108-AA02-DFA0A04FC94B}">
-              <ma14:wrappingTextBoxFlag xmlns="" xmlns:m="http://schemas.openxmlformats.org/officeDocument/2006/math" xmlns:a14="http://schemas.microsoft.com/office/drawing/2010/main" xmlns:ma14="http://schemas.microsoft.com/office/mac/drawingml/2011/main" val="1"/>
+              <ma14:wrappingTextBoxFlag xmlns:ma14="http://schemas.microsoft.com/office/mac/drawingml/2011/main" xmlns:a14="http://schemas.microsoft.com/office/drawing/2010/main" xmlns:m="http://schemas.openxmlformats.org/officeDocument/2006/math" xmlns="" val="1"/>
             </a:ext>
           </a:extLst>
         </p:spPr>
@@ -26729,7 +26738,7 @@
           </a:ln>
           <a:extLst>
             <a:ext uri="{C572A759-6A51-4108-AA02-DFA0A04FC94B}">
-              <ma14:wrappingTextBoxFlag xmlns="" xmlns:m="http://schemas.openxmlformats.org/officeDocument/2006/math" xmlns:a14="http://schemas.microsoft.com/office/drawing/2010/main" xmlns:ma14="http://schemas.microsoft.com/office/mac/drawingml/2011/main" val="1"/>
+              <ma14:wrappingTextBoxFlag xmlns:ma14="http://schemas.microsoft.com/office/mac/drawingml/2011/main" xmlns:a14="http://schemas.microsoft.com/office/drawing/2010/main" xmlns:m="http://schemas.openxmlformats.org/officeDocument/2006/math" xmlns="" val="1"/>
             </a:ext>
           </a:extLst>
         </p:spPr>
@@ -26755,6 +26764,7 @@
           </a:lstStyle>
           <a:p>
             <a:r>
+              <a:rPr dirty="0"/>
               <a:t>Milestone</a:t>
             </a:r>
           </a:p>
@@ -26860,11 +26870,11 @@
               </a:defRPr>
             </a:pPr>
             <a:r>
-              <a:rPr b="1"/>
+              <a:rPr b="1" dirty="0"/>
               <a:t>Presentation 2 </a:t>
             </a:r>
             <a:r>
-              <a:rPr>
+              <a:rPr dirty="0">
                 <a:solidFill>
                   <a:srgbClr val="A22D1B"/>
                 </a:solidFill>
@@ -26872,10 +26882,11 @@
               <a:t>(20.05.2025)</a:t>
             </a:r>
             <a:r>
+              <a:rPr dirty="0"/>
               <a:t> Multilayer prescription, function, back propagation etc</a:t>
             </a:r>
             <a:r>
-              <a:rPr b="1"/>
+              <a:rPr b="1" dirty="0"/>
               <a:t>.</a:t>
             </a:r>
           </a:p>
@@ -26959,7 +26970,7 @@
         <p:fade/>
       </p:transition>
     </mc:Choice>
-    <mc:Fallback xmlns="" xmlns:m="http://schemas.openxmlformats.org/officeDocument/2006/math" xmlns:a14="http://schemas.microsoft.com/office/drawing/2010/main">
+    <mc:Fallback xmlns:a14="http://schemas.microsoft.com/office/drawing/2010/main" xmlns:m="http://schemas.openxmlformats.org/officeDocument/2006/math" xmlns="">
       <p:transition spd="med">
         <p:fade/>
       </p:transition>
@@ -27041,7 +27052,7 @@
           </a:ln>
           <a:extLst>
             <a:ext uri="{C572A759-6A51-4108-AA02-DFA0A04FC94B}">
-              <ma14:wrappingTextBoxFlag xmlns="" xmlns:m="http://schemas.openxmlformats.org/officeDocument/2006/math" xmlns:a14="http://schemas.microsoft.com/office/drawing/2010/main" xmlns:ma14="http://schemas.microsoft.com/office/mac/drawingml/2011/main" val="1"/>
+              <ma14:wrappingTextBoxFlag xmlns:ma14="http://schemas.microsoft.com/office/mac/drawingml/2011/main" xmlns:a14="http://schemas.microsoft.com/office/drawing/2010/main" xmlns:m="http://schemas.openxmlformats.org/officeDocument/2006/math" xmlns="" val="1"/>
             </a:ext>
           </a:extLst>
         </p:spPr>
@@ -27571,7 +27582,7 @@
           </a:ln>
           <a:extLst>
             <a:ext uri="{C572A759-6A51-4108-AA02-DFA0A04FC94B}">
-              <ma14:wrappingTextBoxFlag xmlns="" xmlns:m="http://schemas.openxmlformats.org/officeDocument/2006/math" xmlns:a14="http://schemas.microsoft.com/office/drawing/2010/main" xmlns:ma14="http://schemas.microsoft.com/office/mac/drawingml/2011/main" val="1"/>
+              <ma14:wrappingTextBoxFlag xmlns:ma14="http://schemas.microsoft.com/office/mac/drawingml/2011/main" xmlns:a14="http://schemas.microsoft.com/office/drawing/2010/main" xmlns:m="http://schemas.openxmlformats.org/officeDocument/2006/math" xmlns="" val="1"/>
             </a:ext>
           </a:extLst>
         </p:spPr>
@@ -28361,7 +28372,7 @@
           </a:ln>
           <a:extLst>
             <a:ext uri="{C572A759-6A51-4108-AA02-DFA0A04FC94B}">
-              <ma14:wrappingTextBoxFlag xmlns="" xmlns:m="http://schemas.openxmlformats.org/officeDocument/2006/math" xmlns:a14="http://schemas.microsoft.com/office/drawing/2010/main" xmlns:ma14="http://schemas.microsoft.com/office/mac/drawingml/2011/main" val="1"/>
+              <ma14:wrappingTextBoxFlag xmlns:ma14="http://schemas.microsoft.com/office/mac/drawingml/2011/main" xmlns:a14="http://schemas.microsoft.com/office/drawing/2010/main" xmlns:m="http://schemas.openxmlformats.org/officeDocument/2006/math" xmlns="" val="1"/>
             </a:ext>
           </a:extLst>
         </p:spPr>
@@ -29066,7 +29077,7 @@
           </a:ln>
           <a:extLst>
             <a:ext uri="{C572A759-6A51-4108-AA02-DFA0A04FC94B}">
-              <ma14:wrappingTextBoxFlag xmlns="" xmlns:m="http://schemas.openxmlformats.org/officeDocument/2006/math" xmlns:a14="http://schemas.microsoft.com/office/drawing/2010/main" xmlns:ma14="http://schemas.microsoft.com/office/mac/drawingml/2011/main" val="1"/>
+              <ma14:wrappingTextBoxFlag xmlns:ma14="http://schemas.microsoft.com/office/mac/drawingml/2011/main" xmlns:a14="http://schemas.microsoft.com/office/drawing/2010/main" xmlns:m="http://schemas.openxmlformats.org/officeDocument/2006/math" xmlns="" val="1"/>
             </a:ext>
           </a:extLst>
         </p:spPr>
@@ -31860,7 +31871,7 @@
           </a:ln>
           <a:extLst>
             <a:ext uri="{C572A759-6A51-4108-AA02-DFA0A04FC94B}">
-              <ma14:wrappingTextBoxFlag xmlns="" xmlns:m="http://schemas.openxmlformats.org/officeDocument/2006/math" xmlns:a14="http://schemas.microsoft.com/office/drawing/2010/main" xmlns:ma14="http://schemas.microsoft.com/office/mac/drawingml/2011/main" val="1"/>
+              <ma14:wrappingTextBoxFlag xmlns:ma14="http://schemas.microsoft.com/office/mac/drawingml/2011/main" xmlns:a14="http://schemas.microsoft.com/office/drawing/2010/main" xmlns:m="http://schemas.openxmlformats.org/officeDocument/2006/math" xmlns="" val="1"/>
             </a:ext>
           </a:extLst>
         </p:spPr>
@@ -32842,7 +32853,7 @@
           </a:ln>
           <a:extLst>
             <a:ext uri="{C572A759-6A51-4108-AA02-DFA0A04FC94B}">
-              <ma14:wrappingTextBoxFlag xmlns="" xmlns:m="http://schemas.openxmlformats.org/officeDocument/2006/math" xmlns:a14="http://schemas.microsoft.com/office/drawing/2010/main" xmlns:ma14="http://schemas.microsoft.com/office/mac/drawingml/2011/main" val="1"/>
+              <ma14:wrappingTextBoxFlag xmlns:ma14="http://schemas.microsoft.com/office/mac/drawingml/2011/main" xmlns:a14="http://schemas.microsoft.com/office/drawing/2010/main" xmlns:m="http://schemas.openxmlformats.org/officeDocument/2006/math" xmlns="" val="1"/>
             </a:ext>
           </a:extLst>
         </p:spPr>
@@ -33524,6 +33535,2507 @@
 </p:sld>
 </file>
 
+<file path=ppt/slides/slide28.xml><?xml version="1.0" encoding="utf-8"?>
+<p:sld xmlns:a="http://schemas.openxmlformats.org/drawingml/2006/main" xmlns:r="http://schemas.openxmlformats.org/officeDocument/2006/relationships" xmlns:p="http://schemas.openxmlformats.org/presentationml/2006/main">
+  <p:cSld>
+    <p:spTree>
+      <p:nvGrpSpPr>
+        <p:cNvPr id="1" name=""/>
+        <p:cNvGrpSpPr/>
+        <p:nvPr/>
+      </p:nvGrpSpPr>
+      <p:grpSpPr>
+        <a:xfrm>
+          <a:off x="0" y="0"/>
+          <a:ext cx="0" cy="0"/>
+          <a:chOff x="0" y="0"/>
+          <a:chExt cx="0" cy="0"/>
+        </a:xfrm>
+      </p:grpSpPr>
+      <p:sp>
+        <p:nvSpPr>
+          <p:cNvPr id="4" name="Text Placeholder 3">
+            <a:extLst>
+              <a:ext uri="{FF2B5EF4-FFF2-40B4-BE49-F238E27FC236}">
+                <a16:creationId xmlns:a16="http://schemas.microsoft.com/office/drawing/2014/main" id="{E2F59934-FC24-7381-A719-71BC1122BD16}"/>
+              </a:ext>
+            </a:extLst>
+          </p:cNvPr>
+          <p:cNvSpPr>
+            <a:spLocks noGrp="1"/>
+          </p:cNvSpPr>
+          <p:nvPr>
+            <p:ph type="body" sz="quarter" idx="22"/>
+          </p:nvPr>
+        </p:nvSpPr>
+        <p:spPr>
+          <a:xfrm>
+            <a:off x="1804582" y="72543"/>
+            <a:ext cx="10280612" cy="659439"/>
+          </a:xfrm>
+        </p:spPr>
+        <p:txBody>
+          <a:bodyPr/>
+          <a:lstStyle/>
+          <a:p>
+            <a:pPr marL="0" indent="0">
+              <a:buNone/>
+            </a:pPr>
+            <a:r>
+              <a:rPr lang="pl-PL" b="1" dirty="0"/>
+              <a:t>P</a:t>
+            </a:r>
+            <a:r>
+              <a:rPr lang="en-GB" b="1" dirty="0"/>
+              <a:t>ROJECT GOAL</a:t>
+            </a:r>
+          </a:p>
+        </p:txBody>
+      </p:sp>
+      <p:grpSp>
+        <p:nvGrpSpPr>
+          <p:cNvPr id="5" name="Group 4">
+            <a:extLst>
+              <a:ext uri="{FF2B5EF4-FFF2-40B4-BE49-F238E27FC236}">
+                <a16:creationId xmlns:a16="http://schemas.microsoft.com/office/drawing/2014/main" id="{F368067F-8EE8-365A-F6C9-CBF60A32B6E7}"/>
+              </a:ext>
+            </a:extLst>
+          </p:cNvPr>
+          <p:cNvGrpSpPr/>
+          <p:nvPr/>
+        </p:nvGrpSpPr>
+        <p:grpSpPr>
+          <a:xfrm>
+            <a:off x="2236452" y="3276270"/>
+            <a:ext cx="4536606" cy="2752209"/>
+            <a:chOff x="4968685" y="2802875"/>
+            <a:chExt cx="3701185" cy="2258693"/>
+          </a:xfrm>
+        </p:grpSpPr>
+        <p:pic>
+          <p:nvPicPr>
+            <p:cNvPr id="6" name="Picture 27" descr="Picture 27">
+              <a:extLst>
+                <a:ext uri="{FF2B5EF4-FFF2-40B4-BE49-F238E27FC236}">
+                  <a16:creationId xmlns:a16="http://schemas.microsoft.com/office/drawing/2014/main" id="{5A1C80B1-06F5-24D9-FD4F-614997F07717}"/>
+                </a:ext>
+              </a:extLst>
+            </p:cNvPr>
+            <p:cNvPicPr>
+              <a:picLocks noChangeAspect="1"/>
+            </p:cNvPicPr>
+            <p:nvPr/>
+          </p:nvPicPr>
+          <p:blipFill>
+            <a:blip r:embed="rId2"/>
+            <a:srcRect l="9425" t="615" r="8442" b="21524"/>
+            <a:stretch>
+              <a:fillRect/>
+            </a:stretch>
+          </p:blipFill>
+          <p:spPr>
+            <a:xfrm>
+              <a:off x="4968685" y="2802875"/>
+              <a:ext cx="3701185" cy="2249154"/>
+            </a:xfrm>
+            <a:prstGeom prst="rect">
+              <a:avLst/>
+            </a:prstGeom>
+            <a:ln w="12700">
+              <a:miter lim="400000"/>
+            </a:ln>
+          </p:spPr>
+        </p:pic>
+        <p:sp>
+          <p:nvSpPr>
+            <p:cNvPr id="7" name="TextBox 6">
+              <a:extLst>
+                <a:ext uri="{FF2B5EF4-FFF2-40B4-BE49-F238E27FC236}">
+                  <a16:creationId xmlns:a16="http://schemas.microsoft.com/office/drawing/2014/main" id="{868FE0CA-2E25-B54F-7217-66BBBFD462CD}"/>
+                </a:ext>
+              </a:extLst>
+            </p:cNvPr>
+            <p:cNvSpPr txBox="1"/>
+            <p:nvPr/>
+          </p:nvSpPr>
+          <p:spPr>
+            <a:xfrm>
+              <a:off x="4968685" y="3901877"/>
+              <a:ext cx="469029" cy="430885"/>
+            </a:xfrm>
+            <a:prstGeom prst="rect">
+              <a:avLst/>
+            </a:prstGeom>
+            <a:noFill/>
+            <a:ln w="12700" cap="flat">
+              <a:noFill/>
+              <a:miter lim="400000"/>
+            </a:ln>
+            <a:effectLst/>
+            <a:sp3d/>
+          </p:spPr>
+          <p:style>
+            <a:lnRef idx="0">
+              <a:scrgbClr r="0" g="0" b="0"/>
+            </a:lnRef>
+            <a:fillRef idx="0">
+              <a:scrgbClr r="0" g="0" b="0"/>
+            </a:fillRef>
+            <a:effectRef idx="0">
+              <a:scrgbClr r="0" g="0" b="0"/>
+            </a:effectRef>
+            <a:fontRef idx="none"/>
+          </p:style>
+          <p:txBody>
+            <a:bodyPr rot="0" spcFirstLastPara="1" vertOverflow="overflow" horzOverflow="overflow" vert="horz" wrap="square" lIns="45719" tIns="45719" rIns="45719" bIns="45719" numCol="1" spcCol="38100" rtlCol="0" anchor="t">
+              <a:spAutoFit/>
+            </a:bodyPr>
+            <a:lstStyle/>
+            <a:p>
+              <a:pPr marL="0" marR="0" indent="0" algn="l" defTabSz="914400" rtl="0" fontAlgn="auto" latinLnBrk="0" hangingPunct="0">
+                <a:lnSpc>
+                  <a:spcPct val="100000"/>
+                </a:lnSpc>
+                <a:spcBef>
+                  <a:spcPts val="0"/>
+                </a:spcBef>
+                <a:spcAft>
+                  <a:spcPts val="0"/>
+                </a:spcAft>
+                <a:buClrTx/>
+                <a:buSzTx/>
+                <a:buFontTx/>
+                <a:buNone/>
+                <a:tabLst/>
+              </a:pPr>
+              <a:r>
+                <a:rPr kumimoji="0" lang="pl-PL" sz="2200" b="0" i="0" u="none" strike="noStrike" cap="none" spc="0" normalizeH="0" baseline="0" dirty="0">
+                  <a:ln>
+                    <a:noFill/>
+                  </a:ln>
+                  <a:solidFill>
+                    <a:srgbClr val="000000"/>
+                  </a:solidFill>
+                  <a:effectLst/>
+                  <a:uFillTx/>
+                  <a:latin typeface="+mj-lt"/>
+                  <a:ea typeface="Trebuchet MS"/>
+                  <a:cs typeface="Trebuchet MS"/>
+                  <a:sym typeface="Trebuchet MS"/>
+                </a:rPr>
+                <a:t>…</a:t>
+              </a:r>
+              <a:endParaRPr kumimoji="0" lang="en-GB" sz="2200" b="0" i="0" u="none" strike="noStrike" cap="none" spc="0" normalizeH="0" baseline="0" dirty="0">
+                <a:ln>
+                  <a:noFill/>
+                </a:ln>
+                <a:solidFill>
+                  <a:srgbClr val="000000"/>
+                </a:solidFill>
+                <a:effectLst/>
+                <a:uFillTx/>
+                <a:latin typeface="+mj-lt"/>
+                <a:ea typeface="Trebuchet MS"/>
+                <a:cs typeface="Trebuchet MS"/>
+                <a:sym typeface="Trebuchet MS"/>
+              </a:endParaRPr>
+            </a:p>
+          </p:txBody>
+        </p:sp>
+        <p:sp>
+          <p:nvSpPr>
+            <p:cNvPr id="8" name="Oval 7">
+              <a:extLst>
+                <a:ext uri="{FF2B5EF4-FFF2-40B4-BE49-F238E27FC236}">
+                  <a16:creationId xmlns:a16="http://schemas.microsoft.com/office/drawing/2014/main" id="{D87EF0E5-51C9-C2FD-4746-678EF530823F}"/>
+                </a:ext>
+              </a:extLst>
+            </p:cNvPr>
+            <p:cNvSpPr/>
+            <p:nvPr/>
+          </p:nvSpPr>
+          <p:spPr>
+            <a:xfrm>
+              <a:off x="5349837" y="3276247"/>
+              <a:ext cx="360000" cy="360000"/>
+            </a:xfrm>
+            <a:prstGeom prst="ellipse">
+              <a:avLst/>
+            </a:prstGeom>
+            <a:solidFill>
+              <a:srgbClr val="00B0F0"/>
+            </a:solidFill>
+            <a:ln w="25400" cap="flat">
+              <a:solidFill>
+                <a:srgbClr val="002060"/>
+              </a:solidFill>
+              <a:prstDash val="solid"/>
+              <a:round/>
+            </a:ln>
+            <a:effectLst>
+              <a:outerShdw blurRad="38100" dist="23000" dir="5400000" rotWithShape="0">
+                <a:srgbClr val="000000">
+                  <a:alpha val="35000"/>
+                </a:srgbClr>
+              </a:outerShdw>
+            </a:effectLst>
+            <a:sp3d/>
+          </p:spPr>
+          <p:style>
+            <a:lnRef idx="0">
+              <a:scrgbClr r="0" g="0" b="0"/>
+            </a:lnRef>
+            <a:fillRef idx="0">
+              <a:scrgbClr r="0" g="0" b="0"/>
+            </a:fillRef>
+            <a:effectRef idx="0">
+              <a:scrgbClr r="0" g="0" b="0"/>
+            </a:effectRef>
+            <a:fontRef idx="none"/>
+          </p:style>
+          <p:txBody>
+            <a:bodyPr rot="0" spcFirstLastPara="1" vertOverflow="overflow" horzOverflow="overflow" vert="horz" wrap="square" lIns="45719" tIns="45719" rIns="45719" bIns="45719" numCol="1" spcCol="38100" rtlCol="0" anchor="ctr">
+              <a:spAutoFit/>
+            </a:bodyPr>
+            <a:lstStyle/>
+            <a:p>
+              <a:pPr marL="0" marR="0" indent="0" algn="l" defTabSz="914400" rtl="0" fontAlgn="auto" latinLnBrk="0" hangingPunct="0">
+                <a:lnSpc>
+                  <a:spcPct val="100000"/>
+                </a:lnSpc>
+                <a:spcBef>
+                  <a:spcPts val="0"/>
+                </a:spcBef>
+                <a:spcAft>
+                  <a:spcPts val="0"/>
+                </a:spcAft>
+                <a:buClrTx/>
+                <a:buSzTx/>
+                <a:buFontTx/>
+                <a:buNone/>
+                <a:tabLst/>
+              </a:pPr>
+              <a:endParaRPr kumimoji="0" lang="en-GB" sz="1800" b="0" i="0" u="none" strike="noStrike" cap="none" spc="0" normalizeH="0" baseline="0">
+                <a:ln>
+                  <a:noFill/>
+                </a:ln>
+                <a:solidFill>
+                  <a:srgbClr val="000000"/>
+                </a:solidFill>
+                <a:effectLst/>
+                <a:uFillTx/>
+                <a:latin typeface="Trebuchet MS"/>
+                <a:ea typeface="Trebuchet MS"/>
+                <a:cs typeface="Trebuchet MS"/>
+                <a:sym typeface="Trebuchet MS"/>
+              </a:endParaRPr>
+            </a:p>
+          </p:txBody>
+        </p:sp>
+        <p:sp>
+          <p:nvSpPr>
+            <p:cNvPr id="9" name="Oval 8">
+              <a:extLst>
+                <a:ext uri="{FF2B5EF4-FFF2-40B4-BE49-F238E27FC236}">
+                  <a16:creationId xmlns:a16="http://schemas.microsoft.com/office/drawing/2014/main" id="{288E9275-3614-8E68-1664-A06C1985A717}"/>
+                </a:ext>
+              </a:extLst>
+            </p:cNvPr>
+            <p:cNvSpPr/>
+            <p:nvPr/>
+          </p:nvSpPr>
+          <p:spPr>
+            <a:xfrm>
+              <a:off x="7916362" y="3486273"/>
+              <a:ext cx="360000" cy="360000"/>
+            </a:xfrm>
+            <a:prstGeom prst="ellipse">
+              <a:avLst/>
+            </a:prstGeom>
+            <a:solidFill>
+              <a:srgbClr val="0070C0"/>
+            </a:solidFill>
+            <a:ln w="25400" cap="flat">
+              <a:solidFill>
+                <a:srgbClr val="002060"/>
+              </a:solidFill>
+              <a:prstDash val="solid"/>
+              <a:round/>
+            </a:ln>
+            <a:effectLst>
+              <a:outerShdw blurRad="38100" dist="23000" dir="5400000" rotWithShape="0">
+                <a:srgbClr val="000000">
+                  <a:alpha val="35000"/>
+                </a:srgbClr>
+              </a:outerShdw>
+            </a:effectLst>
+            <a:sp3d/>
+          </p:spPr>
+          <p:style>
+            <a:lnRef idx="0">
+              <a:scrgbClr r="0" g="0" b="0"/>
+            </a:lnRef>
+            <a:fillRef idx="0">
+              <a:scrgbClr r="0" g="0" b="0"/>
+            </a:fillRef>
+            <a:effectRef idx="0">
+              <a:scrgbClr r="0" g="0" b="0"/>
+            </a:effectRef>
+            <a:fontRef idx="none"/>
+          </p:style>
+          <p:txBody>
+            <a:bodyPr rot="0" spcFirstLastPara="1" vertOverflow="overflow" horzOverflow="overflow" vert="horz" wrap="square" lIns="45719" tIns="45719" rIns="45719" bIns="45719" numCol="1" spcCol="38100" rtlCol="0" anchor="ctr">
+              <a:spAutoFit/>
+            </a:bodyPr>
+            <a:lstStyle/>
+            <a:p>
+              <a:pPr marL="0" marR="0" indent="0" algn="l" defTabSz="914400" rtl="0" fontAlgn="auto" latinLnBrk="0" hangingPunct="0">
+                <a:lnSpc>
+                  <a:spcPct val="100000"/>
+                </a:lnSpc>
+                <a:spcBef>
+                  <a:spcPts val="0"/>
+                </a:spcBef>
+                <a:spcAft>
+                  <a:spcPts val="0"/>
+                </a:spcAft>
+                <a:buClrTx/>
+                <a:buSzTx/>
+                <a:buFontTx/>
+                <a:buNone/>
+                <a:tabLst/>
+              </a:pPr>
+              <a:endParaRPr kumimoji="0" lang="en-GB" sz="1800" b="0" i="0" u="none" strike="noStrike" cap="none" spc="0" normalizeH="0" baseline="0">
+                <a:ln>
+                  <a:noFill/>
+                </a:ln>
+                <a:solidFill>
+                  <a:srgbClr val="000000"/>
+                </a:solidFill>
+                <a:effectLst/>
+                <a:uFillTx/>
+                <a:latin typeface="Trebuchet MS"/>
+                <a:ea typeface="Trebuchet MS"/>
+                <a:cs typeface="Trebuchet MS"/>
+                <a:sym typeface="Trebuchet MS"/>
+              </a:endParaRPr>
+            </a:p>
+          </p:txBody>
+        </p:sp>
+        <p:sp>
+          <p:nvSpPr>
+            <p:cNvPr id="10" name="Oval 9">
+              <a:extLst>
+                <a:ext uri="{FF2B5EF4-FFF2-40B4-BE49-F238E27FC236}">
+                  <a16:creationId xmlns:a16="http://schemas.microsoft.com/office/drawing/2014/main" id="{919EC608-8BBD-5D81-169A-6082F4FDB088}"/>
+                </a:ext>
+              </a:extLst>
+            </p:cNvPr>
+            <p:cNvSpPr/>
+            <p:nvPr/>
+          </p:nvSpPr>
+          <p:spPr>
+            <a:xfrm>
+              <a:off x="7911388" y="4048919"/>
+              <a:ext cx="360000" cy="360000"/>
+            </a:xfrm>
+            <a:prstGeom prst="ellipse">
+              <a:avLst/>
+            </a:prstGeom>
+            <a:solidFill>
+              <a:srgbClr val="0070C0"/>
+            </a:solidFill>
+            <a:ln w="25400" cap="flat">
+              <a:solidFill>
+                <a:srgbClr val="002060"/>
+              </a:solidFill>
+              <a:prstDash val="solid"/>
+              <a:round/>
+            </a:ln>
+            <a:effectLst>
+              <a:outerShdw blurRad="38100" dist="23000" dir="5400000" rotWithShape="0">
+                <a:srgbClr val="000000">
+                  <a:alpha val="35000"/>
+                </a:srgbClr>
+              </a:outerShdw>
+            </a:effectLst>
+            <a:sp3d/>
+          </p:spPr>
+          <p:style>
+            <a:lnRef idx="0">
+              <a:scrgbClr r="0" g="0" b="0"/>
+            </a:lnRef>
+            <a:fillRef idx="0">
+              <a:scrgbClr r="0" g="0" b="0"/>
+            </a:fillRef>
+            <a:effectRef idx="0">
+              <a:scrgbClr r="0" g="0" b="0"/>
+            </a:effectRef>
+            <a:fontRef idx="none"/>
+          </p:style>
+          <p:txBody>
+            <a:bodyPr rot="0" spcFirstLastPara="1" vertOverflow="overflow" horzOverflow="overflow" vert="horz" wrap="square" lIns="45719" tIns="45719" rIns="45719" bIns="45719" numCol="1" spcCol="38100" rtlCol="0" anchor="ctr">
+              <a:spAutoFit/>
+            </a:bodyPr>
+            <a:lstStyle/>
+            <a:p>
+              <a:pPr marL="0" marR="0" indent="0" algn="l" defTabSz="914400" rtl="0" fontAlgn="auto" latinLnBrk="0" hangingPunct="0">
+                <a:lnSpc>
+                  <a:spcPct val="100000"/>
+                </a:lnSpc>
+                <a:spcBef>
+                  <a:spcPts val="0"/>
+                </a:spcBef>
+                <a:spcAft>
+                  <a:spcPts val="0"/>
+                </a:spcAft>
+                <a:buClrTx/>
+                <a:buSzTx/>
+                <a:buFontTx/>
+                <a:buNone/>
+                <a:tabLst/>
+              </a:pPr>
+              <a:endParaRPr kumimoji="0" lang="en-GB" sz="1800" b="0" i="0" u="none" strike="noStrike" cap="none" spc="0" normalizeH="0" baseline="0">
+                <a:ln>
+                  <a:noFill/>
+                </a:ln>
+                <a:solidFill>
+                  <a:srgbClr val="000000"/>
+                </a:solidFill>
+                <a:effectLst/>
+                <a:uFillTx/>
+                <a:latin typeface="Trebuchet MS"/>
+                <a:ea typeface="Trebuchet MS"/>
+                <a:cs typeface="Trebuchet MS"/>
+                <a:sym typeface="Trebuchet MS"/>
+              </a:endParaRPr>
+            </a:p>
+          </p:txBody>
+        </p:sp>
+        <p:sp>
+          <p:nvSpPr>
+            <p:cNvPr id="11" name="Oval 10">
+              <a:extLst>
+                <a:ext uri="{FF2B5EF4-FFF2-40B4-BE49-F238E27FC236}">
+                  <a16:creationId xmlns:a16="http://schemas.microsoft.com/office/drawing/2014/main" id="{41EC8B63-E911-B88B-041F-3808923799D4}"/>
+                </a:ext>
+              </a:extLst>
+            </p:cNvPr>
+            <p:cNvSpPr/>
+            <p:nvPr/>
+          </p:nvSpPr>
+          <p:spPr>
+            <a:xfrm>
+              <a:off x="5334013" y="3745465"/>
+              <a:ext cx="360000" cy="360000"/>
+            </a:xfrm>
+            <a:prstGeom prst="ellipse">
+              <a:avLst/>
+            </a:prstGeom>
+            <a:solidFill>
+              <a:srgbClr val="00B0F0"/>
+            </a:solidFill>
+            <a:ln w="25400" cap="flat">
+              <a:solidFill>
+                <a:srgbClr val="002060"/>
+              </a:solidFill>
+              <a:prstDash val="solid"/>
+              <a:round/>
+            </a:ln>
+            <a:effectLst>
+              <a:outerShdw blurRad="38100" dist="23000" dir="5400000" rotWithShape="0">
+                <a:srgbClr val="000000">
+                  <a:alpha val="35000"/>
+                </a:srgbClr>
+              </a:outerShdw>
+            </a:effectLst>
+            <a:sp3d/>
+          </p:spPr>
+          <p:style>
+            <a:lnRef idx="0">
+              <a:scrgbClr r="0" g="0" b="0"/>
+            </a:lnRef>
+            <a:fillRef idx="0">
+              <a:scrgbClr r="0" g="0" b="0"/>
+            </a:fillRef>
+            <a:effectRef idx="0">
+              <a:scrgbClr r="0" g="0" b="0"/>
+            </a:effectRef>
+            <a:fontRef idx="none"/>
+          </p:style>
+          <p:txBody>
+            <a:bodyPr rot="0" spcFirstLastPara="1" vertOverflow="overflow" horzOverflow="overflow" vert="horz" wrap="square" lIns="45719" tIns="45719" rIns="45719" bIns="45719" numCol="1" spcCol="38100" rtlCol="0" anchor="ctr">
+              <a:spAutoFit/>
+            </a:bodyPr>
+            <a:lstStyle/>
+            <a:p>
+              <a:pPr marL="0" marR="0" indent="0" algn="l" defTabSz="914400" rtl="0" fontAlgn="auto" latinLnBrk="0" hangingPunct="0">
+                <a:lnSpc>
+                  <a:spcPct val="100000"/>
+                </a:lnSpc>
+                <a:spcBef>
+                  <a:spcPts val="0"/>
+                </a:spcBef>
+                <a:spcAft>
+                  <a:spcPts val="0"/>
+                </a:spcAft>
+                <a:buClrTx/>
+                <a:buSzTx/>
+                <a:buFontTx/>
+                <a:buNone/>
+                <a:tabLst/>
+              </a:pPr>
+              <a:endParaRPr kumimoji="0" lang="en-GB" sz="1800" b="0" i="0" u="none" strike="noStrike" cap="none" spc="0" normalizeH="0" baseline="0">
+                <a:ln>
+                  <a:noFill/>
+                </a:ln>
+                <a:solidFill>
+                  <a:srgbClr val="000000"/>
+                </a:solidFill>
+                <a:effectLst/>
+                <a:uFillTx/>
+                <a:latin typeface="Trebuchet MS"/>
+                <a:ea typeface="Trebuchet MS"/>
+                <a:cs typeface="Trebuchet MS"/>
+                <a:sym typeface="Trebuchet MS"/>
+              </a:endParaRPr>
+            </a:p>
+          </p:txBody>
+        </p:sp>
+        <p:sp>
+          <p:nvSpPr>
+            <p:cNvPr id="12" name="Oval 11">
+              <a:extLst>
+                <a:ext uri="{FF2B5EF4-FFF2-40B4-BE49-F238E27FC236}">
+                  <a16:creationId xmlns:a16="http://schemas.microsoft.com/office/drawing/2014/main" id="{23A71632-A2E1-9DB2-CA64-76FBC12F02DF}"/>
+                </a:ext>
+              </a:extLst>
+            </p:cNvPr>
+            <p:cNvSpPr/>
+            <p:nvPr/>
+          </p:nvSpPr>
+          <p:spPr>
+            <a:xfrm>
+              <a:off x="5334013" y="4247917"/>
+              <a:ext cx="360000" cy="360000"/>
+            </a:xfrm>
+            <a:prstGeom prst="ellipse">
+              <a:avLst/>
+            </a:prstGeom>
+            <a:solidFill>
+              <a:srgbClr val="00B0F0"/>
+            </a:solidFill>
+            <a:ln w="25400" cap="flat">
+              <a:solidFill>
+                <a:srgbClr val="002060"/>
+              </a:solidFill>
+              <a:prstDash val="solid"/>
+              <a:round/>
+            </a:ln>
+            <a:effectLst>
+              <a:outerShdw blurRad="38100" dist="23000" dir="5400000" rotWithShape="0">
+                <a:srgbClr val="000000">
+                  <a:alpha val="35000"/>
+                </a:srgbClr>
+              </a:outerShdw>
+            </a:effectLst>
+            <a:sp3d/>
+          </p:spPr>
+          <p:style>
+            <a:lnRef idx="0">
+              <a:scrgbClr r="0" g="0" b="0"/>
+            </a:lnRef>
+            <a:fillRef idx="0">
+              <a:scrgbClr r="0" g="0" b="0"/>
+            </a:fillRef>
+            <a:effectRef idx="0">
+              <a:scrgbClr r="0" g="0" b="0"/>
+            </a:effectRef>
+            <a:fontRef idx="none"/>
+          </p:style>
+          <p:txBody>
+            <a:bodyPr rot="0" spcFirstLastPara="1" vertOverflow="overflow" horzOverflow="overflow" vert="horz" wrap="square" lIns="45719" tIns="45719" rIns="45719" bIns="45719" numCol="1" spcCol="38100" rtlCol="0" anchor="ctr">
+              <a:spAutoFit/>
+            </a:bodyPr>
+            <a:lstStyle/>
+            <a:p>
+              <a:pPr marL="0" marR="0" indent="0" algn="l" defTabSz="914400" rtl="0" fontAlgn="auto" latinLnBrk="0" hangingPunct="0">
+                <a:lnSpc>
+                  <a:spcPct val="100000"/>
+                </a:lnSpc>
+                <a:spcBef>
+                  <a:spcPts val="0"/>
+                </a:spcBef>
+                <a:spcAft>
+                  <a:spcPts val="0"/>
+                </a:spcAft>
+                <a:buClrTx/>
+                <a:buSzTx/>
+                <a:buFontTx/>
+                <a:buNone/>
+                <a:tabLst/>
+              </a:pPr>
+              <a:endParaRPr kumimoji="0" lang="en-GB" sz="1800" b="0" i="0" u="none" strike="noStrike" cap="none" spc="0" normalizeH="0" baseline="0">
+                <a:ln>
+                  <a:noFill/>
+                </a:ln>
+                <a:solidFill>
+                  <a:srgbClr val="000000"/>
+                </a:solidFill>
+                <a:effectLst/>
+                <a:uFillTx/>
+                <a:latin typeface="Trebuchet MS"/>
+                <a:ea typeface="Trebuchet MS"/>
+                <a:cs typeface="Trebuchet MS"/>
+                <a:sym typeface="Trebuchet MS"/>
+              </a:endParaRPr>
+            </a:p>
+          </p:txBody>
+        </p:sp>
+        <p:sp>
+          <p:nvSpPr>
+            <p:cNvPr id="13" name="Oval 12">
+              <a:extLst>
+                <a:ext uri="{FF2B5EF4-FFF2-40B4-BE49-F238E27FC236}">
+                  <a16:creationId xmlns:a16="http://schemas.microsoft.com/office/drawing/2014/main" id="{6733FB69-5682-F7D3-A13B-F2FBD08B3262}"/>
+                </a:ext>
+              </a:extLst>
+            </p:cNvPr>
+            <p:cNvSpPr/>
+            <p:nvPr/>
+          </p:nvSpPr>
+          <p:spPr>
+            <a:xfrm>
+              <a:off x="6262272" y="2802875"/>
+              <a:ext cx="360000" cy="360000"/>
+            </a:xfrm>
+            <a:prstGeom prst="ellipse">
+              <a:avLst/>
+            </a:prstGeom>
+            <a:solidFill>
+              <a:schemeClr val="bg1">
+                <a:lumMod val="75000"/>
+              </a:schemeClr>
+            </a:solidFill>
+            <a:ln w="25400" cap="flat">
+              <a:solidFill>
+                <a:srgbClr val="002060"/>
+              </a:solidFill>
+              <a:prstDash val="solid"/>
+              <a:round/>
+            </a:ln>
+            <a:effectLst>
+              <a:outerShdw blurRad="38100" dist="23000" dir="5400000" rotWithShape="0">
+                <a:srgbClr val="000000">
+                  <a:alpha val="35000"/>
+                </a:srgbClr>
+              </a:outerShdw>
+            </a:effectLst>
+            <a:sp3d/>
+          </p:spPr>
+          <p:style>
+            <a:lnRef idx="0">
+              <a:scrgbClr r="0" g="0" b="0"/>
+            </a:lnRef>
+            <a:fillRef idx="0">
+              <a:scrgbClr r="0" g="0" b="0"/>
+            </a:fillRef>
+            <a:effectRef idx="0">
+              <a:scrgbClr r="0" g="0" b="0"/>
+            </a:effectRef>
+            <a:fontRef idx="none"/>
+          </p:style>
+          <p:txBody>
+            <a:bodyPr rot="0" spcFirstLastPara="1" vertOverflow="overflow" horzOverflow="overflow" vert="horz" wrap="square" lIns="45719" tIns="45719" rIns="45719" bIns="45719" numCol="1" spcCol="38100" rtlCol="0" anchor="ctr">
+              <a:spAutoFit/>
+            </a:bodyPr>
+            <a:lstStyle/>
+            <a:p>
+              <a:pPr marL="0" marR="0" indent="0" algn="l" defTabSz="914400" rtl="0" fontAlgn="auto" latinLnBrk="0" hangingPunct="0">
+                <a:lnSpc>
+                  <a:spcPct val="100000"/>
+                </a:lnSpc>
+                <a:spcBef>
+                  <a:spcPts val="0"/>
+                </a:spcBef>
+                <a:spcAft>
+                  <a:spcPts val="0"/>
+                </a:spcAft>
+                <a:buClrTx/>
+                <a:buSzTx/>
+                <a:buFontTx/>
+                <a:buNone/>
+                <a:tabLst/>
+              </a:pPr>
+              <a:endParaRPr kumimoji="0" lang="en-GB" sz="1800" b="0" i="0" u="none" strike="noStrike" cap="none" spc="0" normalizeH="0" baseline="0">
+                <a:ln>
+                  <a:noFill/>
+                </a:ln>
+                <a:solidFill>
+                  <a:srgbClr val="000000"/>
+                </a:solidFill>
+                <a:effectLst/>
+                <a:uFillTx/>
+                <a:latin typeface="Trebuchet MS"/>
+                <a:ea typeface="Trebuchet MS"/>
+                <a:cs typeface="Trebuchet MS"/>
+                <a:sym typeface="Trebuchet MS"/>
+              </a:endParaRPr>
+            </a:p>
+          </p:txBody>
+        </p:sp>
+        <p:sp>
+          <p:nvSpPr>
+            <p:cNvPr id="14" name="Oval 13">
+              <a:extLst>
+                <a:ext uri="{FF2B5EF4-FFF2-40B4-BE49-F238E27FC236}">
+                  <a16:creationId xmlns:a16="http://schemas.microsoft.com/office/drawing/2014/main" id="{A108C3AB-BA3F-A1B7-2917-CDC02FE2C4A0}"/>
+                </a:ext>
+              </a:extLst>
+            </p:cNvPr>
+            <p:cNvSpPr/>
+            <p:nvPr/>
+          </p:nvSpPr>
+          <p:spPr>
+            <a:xfrm>
+              <a:off x="6267844" y="3265487"/>
+              <a:ext cx="360000" cy="360000"/>
+            </a:xfrm>
+            <a:prstGeom prst="ellipse">
+              <a:avLst/>
+            </a:prstGeom>
+            <a:solidFill>
+              <a:schemeClr val="bg1">
+                <a:lumMod val="75000"/>
+              </a:schemeClr>
+            </a:solidFill>
+            <a:ln w="25400" cap="flat">
+              <a:solidFill>
+                <a:srgbClr val="002060"/>
+              </a:solidFill>
+              <a:prstDash val="solid"/>
+              <a:round/>
+            </a:ln>
+            <a:effectLst>
+              <a:outerShdw blurRad="38100" dist="23000" dir="5400000" rotWithShape="0">
+                <a:srgbClr val="000000">
+                  <a:alpha val="35000"/>
+                </a:srgbClr>
+              </a:outerShdw>
+            </a:effectLst>
+            <a:sp3d/>
+          </p:spPr>
+          <p:style>
+            <a:lnRef idx="0">
+              <a:scrgbClr r="0" g="0" b="0"/>
+            </a:lnRef>
+            <a:fillRef idx="0">
+              <a:scrgbClr r="0" g="0" b="0"/>
+            </a:fillRef>
+            <a:effectRef idx="0">
+              <a:scrgbClr r="0" g="0" b="0"/>
+            </a:effectRef>
+            <a:fontRef idx="none"/>
+          </p:style>
+          <p:txBody>
+            <a:bodyPr rot="0" spcFirstLastPara="1" vertOverflow="overflow" horzOverflow="overflow" vert="horz" wrap="square" lIns="45719" tIns="45719" rIns="45719" bIns="45719" numCol="1" spcCol="38100" rtlCol="0" anchor="ctr">
+              <a:spAutoFit/>
+            </a:bodyPr>
+            <a:lstStyle/>
+            <a:p>
+              <a:pPr marL="0" marR="0" indent="0" algn="l" defTabSz="914400" rtl="0" fontAlgn="auto" latinLnBrk="0" hangingPunct="0">
+                <a:lnSpc>
+                  <a:spcPct val="100000"/>
+                </a:lnSpc>
+                <a:spcBef>
+                  <a:spcPts val="0"/>
+                </a:spcBef>
+                <a:spcAft>
+                  <a:spcPts val="0"/>
+                </a:spcAft>
+                <a:buClrTx/>
+                <a:buSzTx/>
+                <a:buFontTx/>
+                <a:buNone/>
+                <a:tabLst/>
+              </a:pPr>
+              <a:endParaRPr kumimoji="0" lang="en-GB" sz="1800" b="0" i="0" u="none" strike="noStrike" cap="none" spc="0" normalizeH="0" baseline="0">
+                <a:ln>
+                  <a:noFill/>
+                </a:ln>
+                <a:solidFill>
+                  <a:srgbClr val="000000"/>
+                </a:solidFill>
+                <a:effectLst/>
+                <a:uFillTx/>
+                <a:latin typeface="Trebuchet MS"/>
+                <a:ea typeface="Trebuchet MS"/>
+                <a:cs typeface="Trebuchet MS"/>
+                <a:sym typeface="Trebuchet MS"/>
+              </a:endParaRPr>
+            </a:p>
+          </p:txBody>
+        </p:sp>
+        <p:sp>
+          <p:nvSpPr>
+            <p:cNvPr id="15" name="Oval 14">
+              <a:extLst>
+                <a:ext uri="{FF2B5EF4-FFF2-40B4-BE49-F238E27FC236}">
+                  <a16:creationId xmlns:a16="http://schemas.microsoft.com/office/drawing/2014/main" id="{3CDB9DA9-8318-289B-92F2-51F1E0EFCF12}"/>
+                </a:ext>
+              </a:extLst>
+            </p:cNvPr>
+            <p:cNvSpPr/>
+            <p:nvPr/>
+          </p:nvSpPr>
+          <p:spPr>
+            <a:xfrm>
+              <a:off x="6268055" y="3753430"/>
+              <a:ext cx="360000" cy="360000"/>
+            </a:xfrm>
+            <a:prstGeom prst="ellipse">
+              <a:avLst/>
+            </a:prstGeom>
+            <a:solidFill>
+              <a:schemeClr val="bg1">
+                <a:lumMod val="75000"/>
+              </a:schemeClr>
+            </a:solidFill>
+            <a:ln w="25400" cap="flat">
+              <a:solidFill>
+                <a:srgbClr val="002060"/>
+              </a:solidFill>
+              <a:prstDash val="solid"/>
+              <a:round/>
+            </a:ln>
+            <a:effectLst>
+              <a:outerShdw blurRad="38100" dist="23000" dir="5400000" rotWithShape="0">
+                <a:srgbClr val="000000">
+                  <a:alpha val="35000"/>
+                </a:srgbClr>
+              </a:outerShdw>
+            </a:effectLst>
+            <a:sp3d/>
+          </p:spPr>
+          <p:style>
+            <a:lnRef idx="0">
+              <a:scrgbClr r="0" g="0" b="0"/>
+            </a:lnRef>
+            <a:fillRef idx="0">
+              <a:scrgbClr r="0" g="0" b="0"/>
+            </a:fillRef>
+            <a:effectRef idx="0">
+              <a:scrgbClr r="0" g="0" b="0"/>
+            </a:effectRef>
+            <a:fontRef idx="none"/>
+          </p:style>
+          <p:txBody>
+            <a:bodyPr rot="0" spcFirstLastPara="1" vertOverflow="overflow" horzOverflow="overflow" vert="horz" wrap="square" lIns="45719" tIns="45719" rIns="45719" bIns="45719" numCol="1" spcCol="38100" rtlCol="0" anchor="ctr">
+              <a:spAutoFit/>
+            </a:bodyPr>
+            <a:lstStyle/>
+            <a:p>
+              <a:pPr marL="0" marR="0" indent="0" algn="l" defTabSz="914400" rtl="0" fontAlgn="auto" latinLnBrk="0" hangingPunct="0">
+                <a:lnSpc>
+                  <a:spcPct val="100000"/>
+                </a:lnSpc>
+                <a:spcBef>
+                  <a:spcPts val="0"/>
+                </a:spcBef>
+                <a:spcAft>
+                  <a:spcPts val="0"/>
+                </a:spcAft>
+                <a:buClrTx/>
+                <a:buSzTx/>
+                <a:buFontTx/>
+                <a:buNone/>
+                <a:tabLst/>
+              </a:pPr>
+              <a:endParaRPr kumimoji="0" lang="en-GB" sz="1800" b="0" i="0" u="none" strike="noStrike" cap="none" spc="0" normalizeH="0" baseline="0">
+                <a:ln>
+                  <a:noFill/>
+                </a:ln>
+                <a:solidFill>
+                  <a:srgbClr val="000000"/>
+                </a:solidFill>
+                <a:effectLst/>
+                <a:uFillTx/>
+                <a:latin typeface="Trebuchet MS"/>
+                <a:ea typeface="Trebuchet MS"/>
+                <a:cs typeface="Trebuchet MS"/>
+                <a:sym typeface="Trebuchet MS"/>
+              </a:endParaRPr>
+            </a:p>
+          </p:txBody>
+        </p:sp>
+        <p:sp>
+          <p:nvSpPr>
+            <p:cNvPr id="16" name="Oval 15">
+              <a:extLst>
+                <a:ext uri="{FF2B5EF4-FFF2-40B4-BE49-F238E27FC236}">
+                  <a16:creationId xmlns:a16="http://schemas.microsoft.com/office/drawing/2014/main" id="{BAD6142D-A3F0-7570-C4D3-3AF390B4FF03}"/>
+                </a:ext>
+              </a:extLst>
+            </p:cNvPr>
+            <p:cNvSpPr/>
+            <p:nvPr/>
+          </p:nvSpPr>
+          <p:spPr>
+            <a:xfrm>
+              <a:off x="6262272" y="4225933"/>
+              <a:ext cx="360000" cy="360000"/>
+            </a:xfrm>
+            <a:prstGeom prst="ellipse">
+              <a:avLst/>
+            </a:prstGeom>
+            <a:solidFill>
+              <a:schemeClr val="bg1">
+                <a:lumMod val="75000"/>
+              </a:schemeClr>
+            </a:solidFill>
+            <a:ln w="25400" cap="flat">
+              <a:solidFill>
+                <a:srgbClr val="002060"/>
+              </a:solidFill>
+              <a:prstDash val="solid"/>
+              <a:round/>
+            </a:ln>
+            <a:effectLst>
+              <a:outerShdw blurRad="38100" dist="23000" dir="5400000" rotWithShape="0">
+                <a:srgbClr val="000000">
+                  <a:alpha val="35000"/>
+                </a:srgbClr>
+              </a:outerShdw>
+            </a:effectLst>
+            <a:sp3d/>
+          </p:spPr>
+          <p:style>
+            <a:lnRef idx="0">
+              <a:scrgbClr r="0" g="0" b="0"/>
+            </a:lnRef>
+            <a:fillRef idx="0">
+              <a:scrgbClr r="0" g="0" b="0"/>
+            </a:fillRef>
+            <a:effectRef idx="0">
+              <a:scrgbClr r="0" g="0" b="0"/>
+            </a:effectRef>
+            <a:fontRef idx="none"/>
+          </p:style>
+          <p:txBody>
+            <a:bodyPr rot="0" spcFirstLastPara="1" vertOverflow="overflow" horzOverflow="overflow" vert="horz" wrap="square" lIns="45719" tIns="45719" rIns="45719" bIns="45719" numCol="1" spcCol="38100" rtlCol="0" anchor="ctr">
+              <a:spAutoFit/>
+            </a:bodyPr>
+            <a:lstStyle/>
+            <a:p>
+              <a:pPr marL="0" marR="0" indent="0" algn="l" defTabSz="914400" rtl="0" fontAlgn="auto" latinLnBrk="0" hangingPunct="0">
+                <a:lnSpc>
+                  <a:spcPct val="100000"/>
+                </a:lnSpc>
+                <a:spcBef>
+                  <a:spcPts val="0"/>
+                </a:spcBef>
+                <a:spcAft>
+                  <a:spcPts val="0"/>
+                </a:spcAft>
+                <a:buClrTx/>
+                <a:buSzTx/>
+                <a:buFontTx/>
+                <a:buNone/>
+                <a:tabLst/>
+              </a:pPr>
+              <a:endParaRPr kumimoji="0" lang="en-GB" sz="1800" b="0" i="0" u="none" strike="noStrike" cap="none" spc="0" normalizeH="0" baseline="0">
+                <a:ln>
+                  <a:noFill/>
+                </a:ln>
+                <a:solidFill>
+                  <a:srgbClr val="000000"/>
+                </a:solidFill>
+                <a:effectLst/>
+                <a:uFillTx/>
+                <a:latin typeface="Trebuchet MS"/>
+                <a:ea typeface="Trebuchet MS"/>
+                <a:cs typeface="Trebuchet MS"/>
+                <a:sym typeface="Trebuchet MS"/>
+              </a:endParaRPr>
+            </a:p>
+          </p:txBody>
+        </p:sp>
+        <p:sp>
+          <p:nvSpPr>
+            <p:cNvPr id="17" name="Oval 16">
+              <a:extLst>
+                <a:ext uri="{FF2B5EF4-FFF2-40B4-BE49-F238E27FC236}">
+                  <a16:creationId xmlns:a16="http://schemas.microsoft.com/office/drawing/2014/main" id="{90D184F6-BBEB-0924-9D4E-BB40AA3A93DE}"/>
+                </a:ext>
+              </a:extLst>
+            </p:cNvPr>
+            <p:cNvSpPr/>
+            <p:nvPr/>
+          </p:nvSpPr>
+          <p:spPr>
+            <a:xfrm>
+              <a:off x="6267727" y="4701568"/>
+              <a:ext cx="360000" cy="360000"/>
+            </a:xfrm>
+            <a:prstGeom prst="ellipse">
+              <a:avLst/>
+            </a:prstGeom>
+            <a:solidFill>
+              <a:schemeClr val="bg1">
+                <a:lumMod val="75000"/>
+              </a:schemeClr>
+            </a:solidFill>
+            <a:ln w="25400" cap="flat">
+              <a:solidFill>
+                <a:srgbClr val="002060"/>
+              </a:solidFill>
+              <a:prstDash val="solid"/>
+              <a:round/>
+            </a:ln>
+            <a:effectLst>
+              <a:outerShdw blurRad="38100" dist="23000" dir="5400000" rotWithShape="0">
+                <a:srgbClr val="000000">
+                  <a:alpha val="35000"/>
+                </a:srgbClr>
+              </a:outerShdw>
+            </a:effectLst>
+            <a:sp3d/>
+          </p:spPr>
+          <p:style>
+            <a:lnRef idx="0">
+              <a:scrgbClr r="0" g="0" b="0"/>
+            </a:lnRef>
+            <a:fillRef idx="0">
+              <a:scrgbClr r="0" g="0" b="0"/>
+            </a:fillRef>
+            <a:effectRef idx="0">
+              <a:scrgbClr r="0" g="0" b="0"/>
+            </a:effectRef>
+            <a:fontRef idx="none"/>
+          </p:style>
+          <p:txBody>
+            <a:bodyPr rot="0" spcFirstLastPara="1" vertOverflow="overflow" horzOverflow="overflow" vert="horz" wrap="square" lIns="45719" tIns="45719" rIns="45719" bIns="45719" numCol="1" spcCol="38100" rtlCol="0" anchor="ctr">
+              <a:spAutoFit/>
+            </a:bodyPr>
+            <a:lstStyle/>
+            <a:p>
+              <a:pPr marL="0" marR="0" indent="0" algn="l" defTabSz="914400" rtl="0" fontAlgn="auto" latinLnBrk="0" hangingPunct="0">
+                <a:lnSpc>
+                  <a:spcPct val="100000"/>
+                </a:lnSpc>
+                <a:spcBef>
+                  <a:spcPts val="0"/>
+                </a:spcBef>
+                <a:spcAft>
+                  <a:spcPts val="0"/>
+                </a:spcAft>
+                <a:buClrTx/>
+                <a:buSzTx/>
+                <a:buFontTx/>
+                <a:buNone/>
+                <a:tabLst/>
+              </a:pPr>
+              <a:endParaRPr kumimoji="0" lang="en-GB" sz="1800" b="0" i="0" u="none" strike="noStrike" cap="none" spc="0" normalizeH="0" baseline="0">
+                <a:ln>
+                  <a:noFill/>
+                </a:ln>
+                <a:solidFill>
+                  <a:srgbClr val="000000"/>
+                </a:solidFill>
+                <a:effectLst/>
+                <a:uFillTx/>
+                <a:latin typeface="Trebuchet MS"/>
+                <a:ea typeface="Trebuchet MS"/>
+                <a:cs typeface="Trebuchet MS"/>
+                <a:sym typeface="Trebuchet MS"/>
+              </a:endParaRPr>
+            </a:p>
+          </p:txBody>
+        </p:sp>
+        <p:sp>
+          <p:nvSpPr>
+            <p:cNvPr id="18" name="Oval 17">
+              <a:extLst>
+                <a:ext uri="{FF2B5EF4-FFF2-40B4-BE49-F238E27FC236}">
+                  <a16:creationId xmlns:a16="http://schemas.microsoft.com/office/drawing/2014/main" id="{7021FA2E-41BD-0DD5-3320-CB22D367F895}"/>
+                </a:ext>
+              </a:extLst>
+            </p:cNvPr>
+            <p:cNvSpPr/>
+            <p:nvPr/>
+          </p:nvSpPr>
+          <p:spPr>
+            <a:xfrm>
+              <a:off x="7185823" y="2980158"/>
+              <a:ext cx="360000" cy="360000"/>
+            </a:xfrm>
+            <a:prstGeom prst="ellipse">
+              <a:avLst/>
+            </a:prstGeom>
+            <a:solidFill>
+              <a:schemeClr val="bg1">
+                <a:lumMod val="50000"/>
+              </a:schemeClr>
+            </a:solidFill>
+            <a:ln w="25400" cap="flat">
+              <a:solidFill>
+                <a:srgbClr val="002060"/>
+              </a:solidFill>
+              <a:prstDash val="solid"/>
+              <a:round/>
+            </a:ln>
+            <a:effectLst>
+              <a:outerShdw blurRad="38100" dist="23000" dir="5400000" rotWithShape="0">
+                <a:srgbClr val="000000">
+                  <a:alpha val="35000"/>
+                </a:srgbClr>
+              </a:outerShdw>
+            </a:effectLst>
+            <a:sp3d/>
+          </p:spPr>
+          <p:style>
+            <a:lnRef idx="0">
+              <a:scrgbClr r="0" g="0" b="0"/>
+            </a:lnRef>
+            <a:fillRef idx="0">
+              <a:scrgbClr r="0" g="0" b="0"/>
+            </a:fillRef>
+            <a:effectRef idx="0">
+              <a:scrgbClr r="0" g="0" b="0"/>
+            </a:effectRef>
+            <a:fontRef idx="none"/>
+          </p:style>
+          <p:txBody>
+            <a:bodyPr rot="0" spcFirstLastPara="1" vertOverflow="overflow" horzOverflow="overflow" vert="horz" wrap="square" lIns="45719" tIns="45719" rIns="45719" bIns="45719" numCol="1" spcCol="38100" rtlCol="0" anchor="ctr">
+              <a:spAutoFit/>
+            </a:bodyPr>
+            <a:lstStyle/>
+            <a:p>
+              <a:pPr marL="0" marR="0" indent="0" algn="l" defTabSz="914400" rtl="0" fontAlgn="auto" latinLnBrk="0" hangingPunct="0">
+                <a:lnSpc>
+                  <a:spcPct val="100000"/>
+                </a:lnSpc>
+                <a:spcBef>
+                  <a:spcPts val="0"/>
+                </a:spcBef>
+                <a:spcAft>
+                  <a:spcPts val="0"/>
+                </a:spcAft>
+                <a:buClrTx/>
+                <a:buSzTx/>
+                <a:buFontTx/>
+                <a:buNone/>
+                <a:tabLst/>
+              </a:pPr>
+              <a:endParaRPr kumimoji="0" lang="en-GB" sz="1800" b="0" i="0" u="none" strike="noStrike" cap="none" spc="0" normalizeH="0" baseline="0">
+                <a:ln>
+                  <a:noFill/>
+                </a:ln>
+                <a:solidFill>
+                  <a:srgbClr val="000000"/>
+                </a:solidFill>
+                <a:effectLst/>
+                <a:uFillTx/>
+                <a:latin typeface="Trebuchet MS"/>
+                <a:ea typeface="Trebuchet MS"/>
+                <a:cs typeface="Trebuchet MS"/>
+                <a:sym typeface="Trebuchet MS"/>
+              </a:endParaRPr>
+            </a:p>
+          </p:txBody>
+        </p:sp>
+        <p:sp>
+          <p:nvSpPr>
+            <p:cNvPr id="19" name="Oval 18">
+              <a:extLst>
+                <a:ext uri="{FF2B5EF4-FFF2-40B4-BE49-F238E27FC236}">
+                  <a16:creationId xmlns:a16="http://schemas.microsoft.com/office/drawing/2014/main" id="{3F655FFC-54C2-20CF-AB79-E08F2E77FAA6}"/>
+                </a:ext>
+              </a:extLst>
+            </p:cNvPr>
+            <p:cNvSpPr/>
+            <p:nvPr/>
+          </p:nvSpPr>
+          <p:spPr>
+            <a:xfrm>
+              <a:off x="7180736" y="3482511"/>
+              <a:ext cx="360000" cy="360000"/>
+            </a:xfrm>
+            <a:prstGeom prst="ellipse">
+              <a:avLst/>
+            </a:prstGeom>
+            <a:solidFill>
+              <a:schemeClr val="bg1">
+                <a:lumMod val="50000"/>
+              </a:schemeClr>
+            </a:solidFill>
+            <a:ln w="25400" cap="flat">
+              <a:solidFill>
+                <a:srgbClr val="002060"/>
+              </a:solidFill>
+              <a:prstDash val="solid"/>
+              <a:round/>
+            </a:ln>
+            <a:effectLst>
+              <a:outerShdw blurRad="38100" dist="23000" dir="5400000" rotWithShape="0">
+                <a:srgbClr val="000000">
+                  <a:alpha val="35000"/>
+                </a:srgbClr>
+              </a:outerShdw>
+            </a:effectLst>
+            <a:sp3d/>
+          </p:spPr>
+          <p:style>
+            <a:lnRef idx="0">
+              <a:scrgbClr r="0" g="0" b="0"/>
+            </a:lnRef>
+            <a:fillRef idx="0">
+              <a:scrgbClr r="0" g="0" b="0"/>
+            </a:fillRef>
+            <a:effectRef idx="0">
+              <a:scrgbClr r="0" g="0" b="0"/>
+            </a:effectRef>
+            <a:fontRef idx="none"/>
+          </p:style>
+          <p:txBody>
+            <a:bodyPr rot="0" spcFirstLastPara="1" vertOverflow="overflow" horzOverflow="overflow" vert="horz" wrap="square" lIns="45719" tIns="45719" rIns="45719" bIns="45719" numCol="1" spcCol="38100" rtlCol="0" anchor="ctr">
+              <a:spAutoFit/>
+            </a:bodyPr>
+            <a:lstStyle/>
+            <a:p>
+              <a:pPr marL="0" marR="0" indent="0" algn="l" defTabSz="914400" rtl="0" fontAlgn="auto" latinLnBrk="0" hangingPunct="0">
+                <a:lnSpc>
+                  <a:spcPct val="100000"/>
+                </a:lnSpc>
+                <a:spcBef>
+                  <a:spcPts val="0"/>
+                </a:spcBef>
+                <a:spcAft>
+                  <a:spcPts val="0"/>
+                </a:spcAft>
+                <a:buClrTx/>
+                <a:buSzTx/>
+                <a:buFontTx/>
+                <a:buNone/>
+                <a:tabLst/>
+              </a:pPr>
+              <a:endParaRPr kumimoji="0" lang="en-GB" sz="1800" b="0" i="0" u="none" strike="noStrike" cap="none" spc="0" normalizeH="0" baseline="0">
+                <a:ln>
+                  <a:noFill/>
+                </a:ln>
+                <a:solidFill>
+                  <a:srgbClr val="000000"/>
+                </a:solidFill>
+                <a:effectLst/>
+                <a:uFillTx/>
+                <a:latin typeface="Trebuchet MS"/>
+                <a:ea typeface="Trebuchet MS"/>
+                <a:cs typeface="Trebuchet MS"/>
+                <a:sym typeface="Trebuchet MS"/>
+              </a:endParaRPr>
+            </a:p>
+          </p:txBody>
+        </p:sp>
+        <p:sp>
+          <p:nvSpPr>
+            <p:cNvPr id="20" name="Oval 19">
+              <a:extLst>
+                <a:ext uri="{FF2B5EF4-FFF2-40B4-BE49-F238E27FC236}">
+                  <a16:creationId xmlns:a16="http://schemas.microsoft.com/office/drawing/2014/main" id="{5A61ED8E-0FAC-1791-C524-BB5F7B89F47B}"/>
+                </a:ext>
+              </a:extLst>
+            </p:cNvPr>
+            <p:cNvSpPr/>
+            <p:nvPr/>
+          </p:nvSpPr>
+          <p:spPr>
+            <a:xfrm>
+              <a:off x="7180736" y="4040784"/>
+              <a:ext cx="360000" cy="360000"/>
+            </a:xfrm>
+            <a:prstGeom prst="ellipse">
+              <a:avLst/>
+            </a:prstGeom>
+            <a:solidFill>
+              <a:schemeClr val="bg1">
+                <a:lumMod val="50000"/>
+              </a:schemeClr>
+            </a:solidFill>
+            <a:ln w="25400" cap="flat">
+              <a:solidFill>
+                <a:srgbClr val="002060"/>
+              </a:solidFill>
+              <a:prstDash val="solid"/>
+              <a:round/>
+            </a:ln>
+            <a:effectLst>
+              <a:outerShdw blurRad="38100" dist="23000" dir="5400000" rotWithShape="0">
+                <a:srgbClr val="000000">
+                  <a:alpha val="35000"/>
+                </a:srgbClr>
+              </a:outerShdw>
+            </a:effectLst>
+            <a:sp3d/>
+          </p:spPr>
+          <p:style>
+            <a:lnRef idx="0">
+              <a:scrgbClr r="0" g="0" b="0"/>
+            </a:lnRef>
+            <a:fillRef idx="0">
+              <a:scrgbClr r="0" g="0" b="0"/>
+            </a:fillRef>
+            <a:effectRef idx="0">
+              <a:scrgbClr r="0" g="0" b="0"/>
+            </a:effectRef>
+            <a:fontRef idx="none"/>
+          </p:style>
+          <p:txBody>
+            <a:bodyPr rot="0" spcFirstLastPara="1" vertOverflow="overflow" horzOverflow="overflow" vert="horz" wrap="square" lIns="45719" tIns="45719" rIns="45719" bIns="45719" numCol="1" spcCol="38100" rtlCol="0" anchor="ctr">
+              <a:spAutoFit/>
+            </a:bodyPr>
+            <a:lstStyle/>
+            <a:p>
+              <a:pPr marL="0" marR="0" indent="0" algn="l" defTabSz="914400" rtl="0" fontAlgn="auto" latinLnBrk="0" hangingPunct="0">
+                <a:lnSpc>
+                  <a:spcPct val="100000"/>
+                </a:lnSpc>
+                <a:spcBef>
+                  <a:spcPts val="0"/>
+                </a:spcBef>
+                <a:spcAft>
+                  <a:spcPts val="0"/>
+                </a:spcAft>
+                <a:buClrTx/>
+                <a:buSzTx/>
+                <a:buFontTx/>
+                <a:buNone/>
+                <a:tabLst/>
+              </a:pPr>
+              <a:endParaRPr kumimoji="0" lang="en-GB" sz="1800" b="0" i="0" u="none" strike="noStrike" cap="none" spc="0" normalizeH="0" baseline="0">
+                <a:ln>
+                  <a:noFill/>
+                </a:ln>
+                <a:solidFill>
+                  <a:srgbClr val="000000"/>
+                </a:solidFill>
+                <a:effectLst/>
+                <a:uFillTx/>
+                <a:latin typeface="Trebuchet MS"/>
+                <a:ea typeface="Trebuchet MS"/>
+                <a:cs typeface="Trebuchet MS"/>
+                <a:sym typeface="Trebuchet MS"/>
+              </a:endParaRPr>
+            </a:p>
+          </p:txBody>
+        </p:sp>
+        <p:sp>
+          <p:nvSpPr>
+            <p:cNvPr id="21" name="Oval 20">
+              <a:extLst>
+                <a:ext uri="{FF2B5EF4-FFF2-40B4-BE49-F238E27FC236}">
+                  <a16:creationId xmlns:a16="http://schemas.microsoft.com/office/drawing/2014/main" id="{20B938AB-78B4-B0BC-AC19-0D66D0DA088C}"/>
+                </a:ext>
+              </a:extLst>
+            </p:cNvPr>
+            <p:cNvSpPr/>
+            <p:nvPr/>
+          </p:nvSpPr>
+          <p:spPr>
+            <a:xfrm>
+              <a:off x="7180736" y="4553068"/>
+              <a:ext cx="360000" cy="360000"/>
+            </a:xfrm>
+            <a:prstGeom prst="ellipse">
+              <a:avLst/>
+            </a:prstGeom>
+            <a:solidFill>
+              <a:schemeClr val="bg1">
+                <a:lumMod val="50000"/>
+              </a:schemeClr>
+            </a:solidFill>
+            <a:ln w="25400" cap="flat">
+              <a:solidFill>
+                <a:srgbClr val="002060"/>
+              </a:solidFill>
+              <a:prstDash val="solid"/>
+              <a:round/>
+            </a:ln>
+            <a:effectLst>
+              <a:outerShdw blurRad="38100" dist="23000" dir="5400000" rotWithShape="0">
+                <a:srgbClr val="000000">
+                  <a:alpha val="35000"/>
+                </a:srgbClr>
+              </a:outerShdw>
+            </a:effectLst>
+            <a:sp3d/>
+          </p:spPr>
+          <p:style>
+            <a:lnRef idx="0">
+              <a:scrgbClr r="0" g="0" b="0"/>
+            </a:lnRef>
+            <a:fillRef idx="0">
+              <a:scrgbClr r="0" g="0" b="0"/>
+            </a:fillRef>
+            <a:effectRef idx="0">
+              <a:scrgbClr r="0" g="0" b="0"/>
+            </a:effectRef>
+            <a:fontRef idx="none"/>
+          </p:style>
+          <p:txBody>
+            <a:bodyPr rot="0" spcFirstLastPara="1" vertOverflow="overflow" horzOverflow="overflow" vert="horz" wrap="square" lIns="45719" tIns="45719" rIns="45719" bIns="45719" numCol="1" spcCol="38100" rtlCol="0" anchor="ctr">
+              <a:spAutoFit/>
+            </a:bodyPr>
+            <a:lstStyle/>
+            <a:p>
+              <a:pPr marL="0" marR="0" indent="0" algn="l" defTabSz="914400" rtl="0" fontAlgn="auto" latinLnBrk="0" hangingPunct="0">
+                <a:lnSpc>
+                  <a:spcPct val="100000"/>
+                </a:lnSpc>
+                <a:spcBef>
+                  <a:spcPts val="0"/>
+                </a:spcBef>
+                <a:spcAft>
+                  <a:spcPts val="0"/>
+                </a:spcAft>
+                <a:buClrTx/>
+                <a:buSzTx/>
+                <a:buFontTx/>
+                <a:buNone/>
+                <a:tabLst/>
+              </a:pPr>
+              <a:endParaRPr kumimoji="0" lang="en-GB" sz="1800" b="0" i="0" u="none" strike="noStrike" cap="none" spc="0" normalizeH="0" baseline="0">
+                <a:ln>
+                  <a:noFill/>
+                </a:ln>
+                <a:solidFill>
+                  <a:srgbClr val="000000"/>
+                </a:solidFill>
+                <a:effectLst/>
+                <a:uFillTx/>
+                <a:latin typeface="Trebuchet MS"/>
+                <a:ea typeface="Trebuchet MS"/>
+                <a:cs typeface="Trebuchet MS"/>
+                <a:sym typeface="Trebuchet MS"/>
+              </a:endParaRPr>
+            </a:p>
+          </p:txBody>
+        </p:sp>
+      </p:grpSp>
+      <p:pic>
+        <p:nvPicPr>
+          <p:cNvPr id="22" name="Picture 21">
+            <a:extLst>
+              <a:ext uri="{FF2B5EF4-FFF2-40B4-BE49-F238E27FC236}">
+                <a16:creationId xmlns:a16="http://schemas.microsoft.com/office/drawing/2014/main" id="{886BB054-70AF-89C4-D5E7-B01BACC671AD}"/>
+              </a:ext>
+            </a:extLst>
+          </p:cNvPr>
+          <p:cNvPicPr>
+            <a:picLocks noChangeAspect="1"/>
+          </p:cNvPicPr>
+          <p:nvPr/>
+        </p:nvPicPr>
+        <p:blipFill>
+          <a:blip r:embed="rId3"/>
+          <a:stretch>
+            <a:fillRect/>
+          </a:stretch>
+        </p:blipFill>
+        <p:spPr>
+          <a:xfrm>
+            <a:off x="6985825" y="3003610"/>
+            <a:ext cx="4753638" cy="3846110"/>
+          </a:xfrm>
+          <a:prstGeom prst="rect">
+            <a:avLst/>
+          </a:prstGeom>
+        </p:spPr>
+      </p:pic>
+      <p:sp>
+        <p:nvSpPr>
+          <p:cNvPr id="23" name="TextBox 11">
+            <a:extLst>
+              <a:ext uri="{FF2B5EF4-FFF2-40B4-BE49-F238E27FC236}">
+                <a16:creationId xmlns:a16="http://schemas.microsoft.com/office/drawing/2014/main" id="{F99D6451-F047-AF82-419B-643274EB3049}"/>
+              </a:ext>
+            </a:extLst>
+          </p:cNvPr>
+          <p:cNvSpPr txBox="1"/>
+          <p:nvPr/>
+        </p:nvSpPr>
+        <p:spPr>
+          <a:xfrm>
+            <a:off x="2683733" y="684904"/>
+            <a:ext cx="5254506" cy="738664"/>
+          </a:xfrm>
+          <a:prstGeom prst="rect">
+            <a:avLst/>
+          </a:prstGeom>
+          <a:ln w="12700">
+            <a:miter lim="400000"/>
+          </a:ln>
+          <a:extLst>
+            <a:ext uri="{C572A759-6A51-4108-AA02-DFA0A04FC94B}">
+              <ma14:wrappingTextBoxFlag xmlns:ma14="http://schemas.microsoft.com/office/mac/drawingml/2011/main" xmlns:a14="http://schemas.microsoft.com/office/drawing/2010/main" xmlns:m="http://schemas.openxmlformats.org/officeDocument/2006/math" xmlns="" val="1"/>
+            </a:ext>
+          </a:extLst>
+        </p:spPr>
+        <p:txBody>
+          <a:bodyPr wrap="square" lIns="45719" rIns="45719">
+            <a:spAutoFit/>
+          </a:bodyPr>
+          <a:lstStyle/>
+          <a:p>
+            <a:pPr>
+              <a:defRPr sz="2100" b="1">
+                <a:solidFill>
+                  <a:srgbClr val="FF6600"/>
+                </a:solidFill>
+                <a:latin typeface="+mj-lt"/>
+                <a:ea typeface="+mj-ea"/>
+                <a:cs typeface="+mj-cs"/>
+                <a:sym typeface="Calibri"/>
+              </a:defRPr>
+            </a:pPr>
+            <a:r>
+              <a:rPr sz="2200" dirty="0"/>
+              <a:t>MATLAB</a:t>
+            </a:r>
+            <a:r>
+              <a:rPr sz="2200" dirty="0">
+                <a:solidFill>
+                  <a:srgbClr val="212121"/>
+                </a:solidFill>
+              </a:rPr>
+              <a:t> Toolbox</a:t>
+            </a:r>
+            <a:r>
+              <a:rPr dirty="0">
+                <a:solidFill>
+                  <a:srgbClr val="212121"/>
+                </a:solidFill>
+              </a:rPr>
+              <a:t>: </a:t>
+            </a:r>
+            <a:endParaRPr lang="pl-PL" dirty="0">
+              <a:solidFill>
+                <a:srgbClr val="212121"/>
+              </a:solidFill>
+            </a:endParaRPr>
+          </a:p>
+          <a:p>
+            <a:pPr>
+              <a:defRPr sz="2100" b="1">
+                <a:solidFill>
+                  <a:srgbClr val="FF6600"/>
+                </a:solidFill>
+                <a:latin typeface="+mj-lt"/>
+                <a:ea typeface="+mj-ea"/>
+                <a:cs typeface="+mj-cs"/>
+                <a:sym typeface="Calibri"/>
+              </a:defRPr>
+            </a:pPr>
+            <a:r>
+              <a:rPr sz="2000" b="0" u="sng" dirty="0">
+                <a:solidFill>
+                  <a:srgbClr val="000000"/>
+                </a:solidFill>
+              </a:rPr>
+              <a:t>Statistics and Machine Learning</a:t>
+            </a:r>
+            <a:r>
+              <a:rPr sz="2000" b="0" dirty="0"/>
+              <a:t> </a:t>
+            </a:r>
+            <a:r>
+              <a:rPr sz="2000" b="0" dirty="0">
+                <a:solidFill>
+                  <a:srgbClr val="212121"/>
+                </a:solidFill>
+              </a:rPr>
+              <a:t>&amp; </a:t>
+            </a:r>
+            <a:r>
+              <a:rPr sz="2000" b="0" u="sng" dirty="0">
+                <a:solidFill>
+                  <a:srgbClr val="000000"/>
+                </a:solidFill>
+              </a:rPr>
+              <a:t>Deep Learning</a:t>
+            </a:r>
+          </a:p>
+        </p:txBody>
+      </p:sp>
+      <p:pic>
+        <p:nvPicPr>
+          <p:cNvPr id="24" name="Obraz 8" descr="Obraz 8">
+            <a:extLst>
+              <a:ext uri="{FF2B5EF4-FFF2-40B4-BE49-F238E27FC236}">
+                <a16:creationId xmlns:a16="http://schemas.microsoft.com/office/drawing/2014/main" id="{B9037830-A241-BAD0-0D93-4DE35C88A149}"/>
+              </a:ext>
+            </a:extLst>
+          </p:cNvPr>
+          <p:cNvPicPr>
+            <a:picLocks noChangeAspect="1"/>
+          </p:cNvPicPr>
+          <p:nvPr/>
+        </p:nvPicPr>
+        <p:blipFill>
+          <a:blip r:embed="rId4"/>
+          <a:srcRect l="3855"/>
+          <a:stretch>
+            <a:fillRect/>
+          </a:stretch>
+        </p:blipFill>
+        <p:spPr>
+          <a:xfrm>
+            <a:off x="1822351" y="1844563"/>
+            <a:ext cx="9917112" cy="735197"/>
+          </a:xfrm>
+          <a:prstGeom prst="rect">
+            <a:avLst/>
+          </a:prstGeom>
+          <a:ln w="12700">
+            <a:miter lim="400000"/>
+          </a:ln>
+        </p:spPr>
+      </p:pic>
+      <p:pic>
+        <p:nvPicPr>
+          <p:cNvPr id="25" name="Picture 18" descr="Picture 18">
+            <a:extLst>
+              <a:ext uri="{FF2B5EF4-FFF2-40B4-BE49-F238E27FC236}">
+                <a16:creationId xmlns:a16="http://schemas.microsoft.com/office/drawing/2014/main" id="{04475190-30E7-4001-4CD1-EBC768CE2C15}"/>
+              </a:ext>
+            </a:extLst>
+          </p:cNvPr>
+          <p:cNvPicPr>
+            <a:picLocks noChangeAspect="1"/>
+          </p:cNvPicPr>
+          <p:nvPr/>
+        </p:nvPicPr>
+        <p:blipFill>
+          <a:blip r:embed="rId5"/>
+          <a:stretch>
+            <a:fillRect/>
+          </a:stretch>
+        </p:blipFill>
+        <p:spPr>
+          <a:xfrm>
+            <a:off x="8089733" y="784080"/>
+            <a:ext cx="792560" cy="498501"/>
+          </a:xfrm>
+          <a:prstGeom prst="rect">
+            <a:avLst/>
+          </a:prstGeom>
+          <a:ln w="12700">
+            <a:miter lim="400000"/>
+          </a:ln>
+        </p:spPr>
+      </p:pic>
+      <p:pic>
+        <p:nvPicPr>
+          <p:cNvPr id="26" name="Picture 20" descr="Picture 20">
+            <a:extLst>
+              <a:ext uri="{FF2B5EF4-FFF2-40B4-BE49-F238E27FC236}">
+                <a16:creationId xmlns:a16="http://schemas.microsoft.com/office/drawing/2014/main" id="{5D29EAB3-7F92-5DE2-7D4A-E5281FADED6E}"/>
+              </a:ext>
+            </a:extLst>
+          </p:cNvPr>
+          <p:cNvPicPr>
+            <a:picLocks noChangeAspect="1"/>
+          </p:cNvPicPr>
+          <p:nvPr/>
+        </p:nvPicPr>
+        <p:blipFill>
+          <a:blip r:embed="rId6"/>
+          <a:srcRect l="14992" r="14759" b="6281"/>
+          <a:stretch>
+            <a:fillRect/>
+          </a:stretch>
+        </p:blipFill>
+        <p:spPr>
+          <a:xfrm>
+            <a:off x="1916869" y="829521"/>
+            <a:ext cx="639166" cy="477521"/>
+          </a:xfrm>
+          <a:prstGeom prst="rect">
+            <a:avLst/>
+          </a:prstGeom>
+          <a:ln w="12700">
+            <a:miter lim="400000"/>
+          </a:ln>
+        </p:spPr>
+      </p:pic>
+      <p:sp>
+        <p:nvSpPr>
+          <p:cNvPr id="27" name="TextBox 22">
+            <a:extLst>
+              <a:ext uri="{FF2B5EF4-FFF2-40B4-BE49-F238E27FC236}">
+                <a16:creationId xmlns:a16="http://schemas.microsoft.com/office/drawing/2014/main" id="{367D5F68-2343-AF9B-9E74-DE0EE2202728}"/>
+              </a:ext>
+            </a:extLst>
+          </p:cNvPr>
+          <p:cNvSpPr txBox="1"/>
+          <p:nvPr/>
+        </p:nvSpPr>
+        <p:spPr>
+          <a:xfrm>
+            <a:off x="8882293" y="849318"/>
+            <a:ext cx="2997002" cy="430887"/>
+          </a:xfrm>
+          <a:prstGeom prst="rect">
+            <a:avLst/>
+          </a:prstGeom>
+          <a:ln w="12700">
+            <a:miter lim="400000"/>
+          </a:ln>
+          <a:extLst>
+            <a:ext uri="{C572A759-6A51-4108-AA02-DFA0A04FC94B}">
+              <ma14:wrappingTextBoxFlag xmlns:ma14="http://schemas.microsoft.com/office/mac/drawingml/2011/main" xmlns:a14="http://schemas.microsoft.com/office/drawing/2010/main" xmlns:m="http://schemas.openxmlformats.org/officeDocument/2006/math" xmlns="" val="1"/>
+            </a:ext>
+          </a:extLst>
+        </p:spPr>
+        <p:txBody>
+          <a:bodyPr wrap="square" lIns="45719" rIns="45719">
+            <a:spAutoFit/>
+          </a:bodyPr>
+          <a:lstStyle/>
+          <a:p>
+            <a:pPr>
+              <a:defRPr sz="2000">
+                <a:latin typeface="+mj-lt"/>
+                <a:ea typeface="+mj-ea"/>
+                <a:cs typeface="+mj-cs"/>
+                <a:sym typeface="Calibri"/>
+              </a:defRPr>
+            </a:pPr>
+            <a:r>
+              <a:rPr sz="2200" b="1" dirty="0">
+                <a:solidFill>
+                  <a:srgbClr val="067F09"/>
+                </a:solidFill>
+              </a:rPr>
+              <a:t>EXCEL</a:t>
+            </a:r>
+            <a:r>
+              <a:rPr sz="2200" b="1" dirty="0"/>
+              <a:t> Dataset</a:t>
+            </a:r>
+            <a:endParaRPr dirty="0"/>
+          </a:p>
+        </p:txBody>
+      </p:sp>
+      <p:sp>
+        <p:nvSpPr>
+          <p:cNvPr id="28" name="TextBox 27">
+            <a:extLst>
+              <a:ext uri="{FF2B5EF4-FFF2-40B4-BE49-F238E27FC236}">
+                <a16:creationId xmlns:a16="http://schemas.microsoft.com/office/drawing/2014/main" id="{D8DA731B-A794-7881-4E2A-2072F9019278}"/>
+              </a:ext>
+            </a:extLst>
+          </p:cNvPr>
+          <p:cNvSpPr txBox="1"/>
+          <p:nvPr/>
+        </p:nvSpPr>
+        <p:spPr>
+          <a:xfrm>
+            <a:off x="2363249" y="2661179"/>
+            <a:ext cx="3732751" cy="369330"/>
+          </a:xfrm>
+          <a:prstGeom prst="rect">
+            <a:avLst/>
+          </a:prstGeom>
+          <a:noFill/>
+          <a:ln w="12700" cap="flat">
+            <a:noFill/>
+            <a:miter lim="400000"/>
+          </a:ln>
+          <a:effectLst/>
+          <a:sp3d/>
+        </p:spPr>
+        <p:style>
+          <a:lnRef idx="0">
+            <a:scrgbClr r="0" g="0" b="0"/>
+          </a:lnRef>
+          <a:fillRef idx="0">
+            <a:scrgbClr r="0" g="0" b="0"/>
+          </a:fillRef>
+          <a:effectRef idx="0">
+            <a:scrgbClr r="0" g="0" b="0"/>
+          </a:effectRef>
+          <a:fontRef idx="none"/>
+        </p:style>
+        <p:txBody>
+          <a:bodyPr rot="0" spcFirstLastPara="1" vertOverflow="overflow" horzOverflow="overflow" vert="horz" wrap="none" lIns="45719" tIns="45719" rIns="45719" bIns="45719" numCol="1" spcCol="38100" rtlCol="0" anchor="t">
+            <a:spAutoFit/>
+          </a:bodyPr>
+          <a:lstStyle/>
+          <a:p>
+            <a:pPr marL="0" marR="0" indent="0" algn="l" defTabSz="914400" rtl="0" fontAlgn="auto" latinLnBrk="0" hangingPunct="0">
+              <a:lnSpc>
+                <a:spcPct val="100000"/>
+              </a:lnSpc>
+              <a:spcBef>
+                <a:spcPts val="0"/>
+              </a:spcBef>
+              <a:spcAft>
+                <a:spcPts val="0"/>
+              </a:spcAft>
+              <a:buClrTx/>
+              <a:buSzTx/>
+              <a:buFontTx/>
+              <a:buNone/>
+              <a:tabLst/>
+            </a:pPr>
+            <a:r>
+              <a:rPr kumimoji="0" lang="pl-PL" sz="1800" b="1" i="0" u="none" strike="noStrike" cap="none" spc="0" normalizeH="0" baseline="0" dirty="0">
+                <a:ln>
+                  <a:noFill/>
+                </a:ln>
+                <a:solidFill>
+                  <a:srgbClr val="FF0000"/>
+                </a:solidFill>
+                <a:effectLst/>
+                <a:uFillTx/>
+                <a:latin typeface="Trebuchet MS"/>
+                <a:ea typeface="Trebuchet MS"/>
+                <a:cs typeface="Trebuchet MS"/>
+                <a:sym typeface="Trebuchet MS"/>
+              </a:rPr>
+              <a:t>BUILD MULTILAYER-PERCEPTRON:</a:t>
+            </a:r>
+            <a:endParaRPr kumimoji="0" lang="en-GB" sz="1800" b="1" i="0" u="none" strike="noStrike" cap="none" spc="0" normalizeH="0" baseline="0" dirty="0">
+              <a:ln>
+                <a:noFill/>
+              </a:ln>
+              <a:solidFill>
+                <a:srgbClr val="FF0000"/>
+              </a:solidFill>
+              <a:effectLst/>
+              <a:uFillTx/>
+              <a:latin typeface="Trebuchet MS"/>
+              <a:ea typeface="Trebuchet MS"/>
+              <a:cs typeface="Trebuchet MS"/>
+              <a:sym typeface="Trebuchet MS"/>
+            </a:endParaRPr>
+          </a:p>
+        </p:txBody>
+      </p:sp>
+      <p:sp>
+        <p:nvSpPr>
+          <p:cNvPr id="29" name="TextBox 28">
+            <a:extLst>
+              <a:ext uri="{FF2B5EF4-FFF2-40B4-BE49-F238E27FC236}">
+                <a16:creationId xmlns:a16="http://schemas.microsoft.com/office/drawing/2014/main" id="{46C6317D-452F-78D0-BC5E-54679621D1B3}"/>
+              </a:ext>
+            </a:extLst>
+          </p:cNvPr>
+          <p:cNvSpPr txBox="1"/>
+          <p:nvPr/>
+        </p:nvSpPr>
+        <p:spPr>
+          <a:xfrm>
+            <a:off x="7700955" y="2655880"/>
+            <a:ext cx="3386502" cy="369330"/>
+          </a:xfrm>
+          <a:prstGeom prst="rect">
+            <a:avLst/>
+          </a:prstGeom>
+          <a:noFill/>
+          <a:ln w="12700" cap="flat">
+            <a:noFill/>
+            <a:miter lim="400000"/>
+          </a:ln>
+          <a:effectLst/>
+          <a:sp3d/>
+        </p:spPr>
+        <p:style>
+          <a:lnRef idx="0">
+            <a:scrgbClr r="0" g="0" b="0"/>
+          </a:lnRef>
+          <a:fillRef idx="0">
+            <a:scrgbClr r="0" g="0" b="0"/>
+          </a:fillRef>
+          <a:effectRef idx="0">
+            <a:scrgbClr r="0" g="0" b="0"/>
+          </a:effectRef>
+          <a:fontRef idx="none"/>
+        </p:style>
+        <p:txBody>
+          <a:bodyPr rot="0" spcFirstLastPara="1" vertOverflow="overflow" horzOverflow="overflow" vert="horz" wrap="none" lIns="45719" tIns="45719" rIns="45719" bIns="45719" numCol="1" spcCol="38100" rtlCol="0" anchor="t">
+            <a:spAutoFit/>
+          </a:bodyPr>
+          <a:lstStyle/>
+          <a:p>
+            <a:pPr marL="0" marR="0" indent="0" algn="l" defTabSz="914400" rtl="0" fontAlgn="auto" latinLnBrk="0" hangingPunct="0">
+              <a:lnSpc>
+                <a:spcPct val="100000"/>
+              </a:lnSpc>
+              <a:spcBef>
+                <a:spcPts val="0"/>
+              </a:spcBef>
+              <a:spcAft>
+                <a:spcPts val="0"/>
+              </a:spcAft>
+              <a:buClrTx/>
+              <a:buSzTx/>
+              <a:buFontTx/>
+              <a:buNone/>
+              <a:tabLst/>
+            </a:pPr>
+            <a:r>
+              <a:rPr lang="pl-PL" b="1" dirty="0">
+                <a:solidFill>
+                  <a:srgbClr val="FF0000"/>
+                </a:solidFill>
+              </a:rPr>
+              <a:t>CHECK IMPORTANT FEATURES:</a:t>
+            </a:r>
+            <a:endParaRPr kumimoji="0" lang="en-GB" sz="1800" b="1" i="0" u="none" strike="noStrike" cap="none" spc="0" normalizeH="0" baseline="0" dirty="0">
+              <a:ln>
+                <a:noFill/>
+              </a:ln>
+              <a:solidFill>
+                <a:srgbClr val="FF0000"/>
+              </a:solidFill>
+              <a:effectLst/>
+              <a:uFillTx/>
+              <a:latin typeface="Trebuchet MS"/>
+              <a:ea typeface="Trebuchet MS"/>
+              <a:cs typeface="Trebuchet MS"/>
+              <a:sym typeface="Trebuchet MS"/>
+            </a:endParaRPr>
+          </a:p>
+        </p:txBody>
+      </p:sp>
+      <p:sp>
+        <p:nvSpPr>
+          <p:cNvPr id="30" name="TextBox 29">
+            <a:extLst>
+              <a:ext uri="{FF2B5EF4-FFF2-40B4-BE49-F238E27FC236}">
+                <a16:creationId xmlns:a16="http://schemas.microsoft.com/office/drawing/2014/main" id="{FF7A1F9C-5DB9-E817-FDB5-505CD3EAF3D2}"/>
+              </a:ext>
+            </a:extLst>
+          </p:cNvPr>
+          <p:cNvSpPr txBox="1"/>
+          <p:nvPr/>
+        </p:nvSpPr>
+        <p:spPr>
+          <a:xfrm>
+            <a:off x="2387715" y="1475794"/>
+            <a:ext cx="2453555" cy="369330"/>
+          </a:xfrm>
+          <a:prstGeom prst="rect">
+            <a:avLst/>
+          </a:prstGeom>
+          <a:noFill/>
+          <a:ln w="12700" cap="flat">
+            <a:noFill/>
+            <a:miter lim="400000"/>
+          </a:ln>
+          <a:effectLst/>
+          <a:sp3d/>
+        </p:spPr>
+        <p:style>
+          <a:lnRef idx="0">
+            <a:scrgbClr r="0" g="0" b="0"/>
+          </a:lnRef>
+          <a:fillRef idx="0">
+            <a:scrgbClr r="0" g="0" b="0"/>
+          </a:fillRef>
+          <a:effectRef idx="0">
+            <a:scrgbClr r="0" g="0" b="0"/>
+          </a:effectRef>
+          <a:fontRef idx="none"/>
+        </p:style>
+        <p:txBody>
+          <a:bodyPr rot="0" spcFirstLastPara="1" vertOverflow="overflow" horzOverflow="overflow" vert="horz" wrap="none" lIns="45719" tIns="45719" rIns="45719" bIns="45719" numCol="1" spcCol="38100" rtlCol="0" anchor="t">
+            <a:spAutoFit/>
+          </a:bodyPr>
+          <a:lstStyle/>
+          <a:p>
+            <a:pPr marL="0" marR="0" indent="0" algn="l" defTabSz="914400" rtl="0" fontAlgn="auto" latinLnBrk="0" hangingPunct="0">
+              <a:lnSpc>
+                <a:spcPct val="100000"/>
+              </a:lnSpc>
+              <a:spcBef>
+                <a:spcPts val="0"/>
+              </a:spcBef>
+              <a:spcAft>
+                <a:spcPts val="0"/>
+              </a:spcAft>
+              <a:buClrTx/>
+              <a:buSzTx/>
+              <a:buFontTx/>
+              <a:buNone/>
+              <a:tabLst/>
+            </a:pPr>
+            <a:r>
+              <a:rPr kumimoji="0" lang="pl-PL" sz="1800" b="1" i="0" u="none" strike="noStrike" cap="none" spc="0" normalizeH="0" baseline="0" dirty="0">
+                <a:ln>
+                  <a:noFill/>
+                </a:ln>
+                <a:solidFill>
+                  <a:srgbClr val="FF0000"/>
+                </a:solidFill>
+                <a:effectLst/>
+                <a:uFillTx/>
+                <a:latin typeface="Trebuchet MS"/>
+                <a:ea typeface="Trebuchet MS"/>
+                <a:cs typeface="Trebuchet MS"/>
+                <a:sym typeface="Trebuchet MS"/>
+              </a:rPr>
+              <a:t>NUMERICAL DATASET:</a:t>
+            </a:r>
+            <a:endParaRPr kumimoji="0" lang="en-GB" sz="1800" b="1" i="0" u="none" strike="noStrike" cap="none" spc="0" normalizeH="0" baseline="0" dirty="0">
+              <a:ln>
+                <a:noFill/>
+              </a:ln>
+              <a:solidFill>
+                <a:srgbClr val="FF0000"/>
+              </a:solidFill>
+              <a:effectLst/>
+              <a:uFillTx/>
+              <a:latin typeface="Trebuchet MS"/>
+              <a:ea typeface="Trebuchet MS"/>
+              <a:cs typeface="Trebuchet MS"/>
+              <a:sym typeface="Trebuchet MS"/>
+            </a:endParaRPr>
+          </a:p>
+        </p:txBody>
+      </p:sp>
+    </p:spTree>
+    <p:extLst>
+      <p:ext uri="{BB962C8B-B14F-4D97-AF65-F5344CB8AC3E}">
+        <p14:creationId xmlns:p14="http://schemas.microsoft.com/office/powerpoint/2010/main" val="365678261"/>
+      </p:ext>
+    </p:extLst>
+  </p:cSld>
+  <p:clrMapOvr>
+    <a:masterClrMapping/>
+  </p:clrMapOvr>
+  <p:transition spd="med"/>
+</p:sld>
+</file>
+
+<file path=ppt/slides/slide29.xml><?xml version="1.0" encoding="utf-8"?>
+<p:sld xmlns:a="http://schemas.openxmlformats.org/drawingml/2006/main" xmlns:r="http://schemas.openxmlformats.org/officeDocument/2006/relationships" xmlns:p="http://schemas.openxmlformats.org/presentationml/2006/main">
+  <p:cSld>
+    <p:spTree>
+      <p:nvGrpSpPr>
+        <p:cNvPr id="1" name="">
+          <a:extLst>
+            <a:ext uri="{FF2B5EF4-FFF2-40B4-BE49-F238E27FC236}">
+              <a16:creationId xmlns:a16="http://schemas.microsoft.com/office/drawing/2014/main" id="{CC6145FB-9220-E312-CCB1-6E90F10E7C74}"/>
+            </a:ext>
+          </a:extLst>
+        </p:cNvPr>
+        <p:cNvGrpSpPr/>
+        <p:nvPr/>
+      </p:nvGrpSpPr>
+      <p:grpSpPr>
+        <a:xfrm>
+          <a:off x="0" y="0"/>
+          <a:ext cx="0" cy="0"/>
+          <a:chOff x="0" y="0"/>
+          <a:chExt cx="0" cy="0"/>
+        </a:xfrm>
+      </p:grpSpPr>
+      <p:sp>
+        <p:nvSpPr>
+          <p:cNvPr id="4" name="Text Placeholder 3">
+            <a:extLst>
+              <a:ext uri="{FF2B5EF4-FFF2-40B4-BE49-F238E27FC236}">
+                <a16:creationId xmlns:a16="http://schemas.microsoft.com/office/drawing/2014/main" id="{E60BB87E-0012-41CA-6A3F-8AF18BE6A6C2}"/>
+              </a:ext>
+            </a:extLst>
+          </p:cNvPr>
+          <p:cNvSpPr>
+            <a:spLocks noGrp="1"/>
+          </p:cNvSpPr>
+          <p:nvPr>
+            <p:ph type="body" sz="quarter" idx="22"/>
+          </p:nvPr>
+        </p:nvSpPr>
+        <p:spPr>
+          <a:xfrm>
+            <a:off x="1743456" y="116631"/>
+            <a:ext cx="10280612" cy="946599"/>
+          </a:xfrm>
+        </p:spPr>
+        <p:txBody>
+          <a:bodyPr>
+            <a:normAutofit fontScale="85000" lnSpcReduction="10000"/>
+          </a:bodyPr>
+          <a:lstStyle/>
+          <a:p>
+            <a:r>
+              <a:rPr lang="en-GB" dirty="0"/>
+              <a:t>If the points on the PCA graph overlap, it means that the method does not distinguish well between classes and is not suitable for effective recognition.</a:t>
+            </a:r>
+          </a:p>
+        </p:txBody>
+      </p:sp>
+      <p:pic>
+        <p:nvPicPr>
+          <p:cNvPr id="6" name="Picture 5">
+            <a:extLst>
+              <a:ext uri="{FF2B5EF4-FFF2-40B4-BE49-F238E27FC236}">
+                <a16:creationId xmlns:a16="http://schemas.microsoft.com/office/drawing/2014/main" id="{500B4189-42C0-B7A6-FF10-8FE56F29D102}"/>
+              </a:ext>
+            </a:extLst>
+          </p:cNvPr>
+          <p:cNvPicPr>
+            <a:picLocks noChangeAspect="1"/>
+          </p:cNvPicPr>
+          <p:nvPr/>
+        </p:nvPicPr>
+        <p:blipFill>
+          <a:blip r:embed="rId2"/>
+          <a:srcRect l="5841" t="5999" r="6052" b="3334"/>
+          <a:stretch>
+            <a:fillRect/>
+          </a:stretch>
+        </p:blipFill>
+        <p:spPr>
+          <a:xfrm>
+            <a:off x="6988772" y="1653780"/>
+            <a:ext cx="5035296" cy="5181600"/>
+          </a:xfrm>
+          <a:prstGeom prst="rect">
+            <a:avLst/>
+          </a:prstGeom>
+        </p:spPr>
+      </p:pic>
+      <p:pic>
+        <p:nvPicPr>
+          <p:cNvPr id="8" name="Picture 7">
+            <a:extLst>
+              <a:ext uri="{FF2B5EF4-FFF2-40B4-BE49-F238E27FC236}">
+                <a16:creationId xmlns:a16="http://schemas.microsoft.com/office/drawing/2014/main" id="{BA90C450-8BA8-0A04-9072-35939F5C5123}"/>
+              </a:ext>
+            </a:extLst>
+          </p:cNvPr>
+          <p:cNvPicPr>
+            <a:picLocks noChangeAspect="1"/>
+          </p:cNvPicPr>
+          <p:nvPr/>
+        </p:nvPicPr>
+        <p:blipFill>
+          <a:blip r:embed="rId3"/>
+          <a:stretch>
+            <a:fillRect/>
+          </a:stretch>
+        </p:blipFill>
+        <p:spPr>
+          <a:xfrm>
+            <a:off x="1549762" y="2613660"/>
+            <a:ext cx="5334000" cy="4000500"/>
+          </a:xfrm>
+          <a:prstGeom prst="rect">
+            <a:avLst/>
+          </a:prstGeom>
+        </p:spPr>
+      </p:pic>
+      <p:sp>
+        <p:nvSpPr>
+          <p:cNvPr id="9" name="TextBox 8">
+            <a:extLst>
+              <a:ext uri="{FF2B5EF4-FFF2-40B4-BE49-F238E27FC236}">
+                <a16:creationId xmlns:a16="http://schemas.microsoft.com/office/drawing/2014/main" id="{C82CA65C-D9FD-D144-0414-997D10742499}"/>
+              </a:ext>
+            </a:extLst>
+          </p:cNvPr>
+          <p:cNvSpPr txBox="1"/>
+          <p:nvPr/>
+        </p:nvSpPr>
+        <p:spPr>
+          <a:xfrm>
+            <a:off x="2175359" y="2300958"/>
+            <a:ext cx="3352839" cy="369330"/>
+          </a:xfrm>
+          <a:prstGeom prst="rect">
+            <a:avLst/>
+          </a:prstGeom>
+          <a:noFill/>
+          <a:ln w="12700" cap="flat">
+            <a:noFill/>
+            <a:miter lim="400000"/>
+          </a:ln>
+          <a:effectLst/>
+          <a:sp3d/>
+        </p:spPr>
+        <p:style>
+          <a:lnRef idx="0">
+            <a:scrgbClr r="0" g="0" b="0"/>
+          </a:lnRef>
+          <a:fillRef idx="0">
+            <a:scrgbClr r="0" g="0" b="0"/>
+          </a:fillRef>
+          <a:effectRef idx="0">
+            <a:scrgbClr r="0" g="0" b="0"/>
+          </a:effectRef>
+          <a:fontRef idx="none"/>
+        </p:style>
+        <p:txBody>
+          <a:bodyPr rot="0" spcFirstLastPara="1" vertOverflow="overflow" horzOverflow="overflow" vert="horz" wrap="none" lIns="45719" tIns="45719" rIns="45719" bIns="45719" numCol="1" spcCol="38100" rtlCol="0" anchor="t">
+            <a:spAutoFit/>
+          </a:bodyPr>
+          <a:lstStyle/>
+          <a:p>
+            <a:pPr marL="0" marR="0" indent="0" algn="l" defTabSz="914400" rtl="0" fontAlgn="auto" latinLnBrk="0" hangingPunct="0">
+              <a:lnSpc>
+                <a:spcPct val="100000"/>
+              </a:lnSpc>
+              <a:spcBef>
+                <a:spcPts val="0"/>
+              </a:spcBef>
+              <a:spcAft>
+                <a:spcPts val="0"/>
+              </a:spcAft>
+              <a:buClrTx/>
+              <a:buSzTx/>
+              <a:buFontTx/>
+              <a:buNone/>
+              <a:tabLst/>
+            </a:pPr>
+            <a:r>
+              <a:rPr kumimoji="0" lang="pl-PL" sz="1800" b="1" i="0" u="none" strike="noStrike" cap="none" spc="0" normalizeH="0" baseline="0" dirty="0">
+                <a:ln>
+                  <a:noFill/>
+                </a:ln>
+                <a:solidFill>
+                  <a:srgbClr val="FF0000"/>
+                </a:solidFill>
+                <a:effectLst/>
+                <a:uFillTx/>
+                <a:latin typeface="Trebuchet MS"/>
+                <a:ea typeface="Trebuchet MS"/>
+                <a:cs typeface="Trebuchet MS"/>
+                <a:sym typeface="Trebuchet MS"/>
+              </a:rPr>
+              <a:t>PCA – EXTRACTION FEATURES:</a:t>
+            </a:r>
+            <a:endParaRPr kumimoji="0" lang="en-GB" sz="1800" b="1" i="0" u="none" strike="noStrike" cap="none" spc="0" normalizeH="0" baseline="0" dirty="0">
+              <a:ln>
+                <a:noFill/>
+              </a:ln>
+              <a:solidFill>
+                <a:srgbClr val="FF0000"/>
+              </a:solidFill>
+              <a:effectLst/>
+              <a:uFillTx/>
+              <a:latin typeface="Trebuchet MS"/>
+              <a:ea typeface="Trebuchet MS"/>
+              <a:cs typeface="Trebuchet MS"/>
+              <a:sym typeface="Trebuchet MS"/>
+            </a:endParaRPr>
+          </a:p>
+        </p:txBody>
+      </p:sp>
+      <p:sp>
+        <p:nvSpPr>
+          <p:cNvPr id="10" name="TextBox 9">
+            <a:extLst>
+              <a:ext uri="{FF2B5EF4-FFF2-40B4-BE49-F238E27FC236}">
+                <a16:creationId xmlns:a16="http://schemas.microsoft.com/office/drawing/2014/main" id="{AE8E5546-C7FE-7CC3-CBB0-C66625CE0E78}"/>
+              </a:ext>
+            </a:extLst>
+          </p:cNvPr>
+          <p:cNvSpPr txBox="1"/>
+          <p:nvPr/>
+        </p:nvSpPr>
+        <p:spPr>
+          <a:xfrm>
+            <a:off x="8247304" y="1284450"/>
+            <a:ext cx="3054680" cy="369330"/>
+          </a:xfrm>
+          <a:prstGeom prst="rect">
+            <a:avLst/>
+          </a:prstGeom>
+          <a:noFill/>
+          <a:ln w="12700" cap="flat">
+            <a:noFill/>
+            <a:miter lim="400000"/>
+          </a:ln>
+          <a:effectLst/>
+          <a:sp3d/>
+        </p:spPr>
+        <p:style>
+          <a:lnRef idx="0">
+            <a:scrgbClr r="0" g="0" b="0"/>
+          </a:lnRef>
+          <a:fillRef idx="0">
+            <a:scrgbClr r="0" g="0" b="0"/>
+          </a:fillRef>
+          <a:effectRef idx="0">
+            <a:scrgbClr r="0" g="0" b="0"/>
+          </a:effectRef>
+          <a:fontRef idx="none"/>
+        </p:style>
+        <p:txBody>
+          <a:bodyPr rot="0" spcFirstLastPara="1" vertOverflow="overflow" horzOverflow="overflow" vert="horz" wrap="none" lIns="45719" tIns="45719" rIns="45719" bIns="45719" numCol="1" spcCol="38100" rtlCol="0" anchor="t">
+            <a:spAutoFit/>
+          </a:bodyPr>
+          <a:lstStyle/>
+          <a:p>
+            <a:pPr marL="0" marR="0" indent="0" algn="l" defTabSz="914400" rtl="0" fontAlgn="auto" latinLnBrk="0" hangingPunct="0">
+              <a:lnSpc>
+                <a:spcPct val="100000"/>
+              </a:lnSpc>
+              <a:spcBef>
+                <a:spcPts val="0"/>
+              </a:spcBef>
+              <a:spcAft>
+                <a:spcPts val="0"/>
+              </a:spcAft>
+              <a:buClrTx/>
+              <a:buSzTx/>
+              <a:buFontTx/>
+              <a:buNone/>
+              <a:tabLst/>
+            </a:pPr>
+            <a:r>
+              <a:rPr kumimoji="0" lang="pl-PL" sz="1800" b="1" i="0" u="none" strike="noStrike" cap="none" spc="0" normalizeH="0" baseline="0" dirty="0">
+                <a:ln>
+                  <a:noFill/>
+                </a:ln>
+                <a:solidFill>
+                  <a:srgbClr val="FF0000"/>
+                </a:solidFill>
+                <a:effectLst/>
+                <a:uFillTx/>
+                <a:latin typeface="Trebuchet MS"/>
+                <a:ea typeface="Trebuchet MS"/>
+                <a:cs typeface="Trebuchet MS"/>
+                <a:sym typeface="Trebuchet MS"/>
+              </a:rPr>
+              <a:t>FINAL CONFUSION MATRIX:</a:t>
+            </a:r>
+            <a:endParaRPr kumimoji="0" lang="en-GB" sz="1800" b="1" i="0" u="none" strike="noStrike" cap="none" spc="0" normalizeH="0" baseline="0" dirty="0">
+              <a:ln>
+                <a:noFill/>
+              </a:ln>
+              <a:solidFill>
+                <a:srgbClr val="FF0000"/>
+              </a:solidFill>
+              <a:effectLst/>
+              <a:uFillTx/>
+              <a:latin typeface="Trebuchet MS"/>
+              <a:ea typeface="Trebuchet MS"/>
+              <a:cs typeface="Trebuchet MS"/>
+              <a:sym typeface="Trebuchet MS"/>
+            </a:endParaRPr>
+          </a:p>
+        </p:txBody>
+      </p:sp>
+      <p:sp>
+        <p:nvSpPr>
+          <p:cNvPr id="2" name="TextBox 1">
+            <a:extLst>
+              <a:ext uri="{FF2B5EF4-FFF2-40B4-BE49-F238E27FC236}">
+                <a16:creationId xmlns:a16="http://schemas.microsoft.com/office/drawing/2014/main" id="{21F485F2-59F2-D30A-7251-FAC3BF83449E}"/>
+              </a:ext>
+            </a:extLst>
+          </p:cNvPr>
+          <p:cNvSpPr txBox="1"/>
+          <p:nvPr/>
+        </p:nvSpPr>
+        <p:spPr>
+          <a:xfrm>
+            <a:off x="2063401" y="1375932"/>
+            <a:ext cx="4523031" cy="830995"/>
+          </a:xfrm>
+          <a:prstGeom prst="rect">
+            <a:avLst/>
+          </a:prstGeom>
+          <a:noFill/>
+          <a:ln w="12700" cap="flat">
+            <a:noFill/>
+            <a:miter lim="400000"/>
+          </a:ln>
+          <a:effectLst/>
+          <a:sp3d/>
+        </p:spPr>
+        <p:style>
+          <a:lnRef idx="0">
+            <a:scrgbClr r="0" g="0" b="0"/>
+          </a:lnRef>
+          <a:fillRef idx="0">
+            <a:scrgbClr r="0" g="0" b="0"/>
+          </a:fillRef>
+          <a:effectRef idx="0">
+            <a:scrgbClr r="0" g="0" b="0"/>
+          </a:effectRef>
+          <a:fontRef idx="none"/>
+        </p:style>
+        <p:txBody>
+          <a:bodyPr rot="0" spcFirstLastPara="1" vertOverflow="overflow" horzOverflow="overflow" vert="horz" wrap="none" lIns="45719" tIns="45719" rIns="45719" bIns="45719" numCol="1" spcCol="38100" rtlCol="0" anchor="t">
+            <a:spAutoFit/>
+          </a:bodyPr>
+          <a:lstStyle/>
+          <a:p>
+            <a:r>
+              <a:rPr lang="en-GB" sz="2400" dirty="0">
+                <a:latin typeface="+mj-lt"/>
+              </a:rPr>
+              <a:t>Here</a:t>
+            </a:r>
+            <a:r>
+              <a:rPr lang="pl-PL" sz="2400" dirty="0">
+                <a:latin typeface="+mj-lt"/>
+              </a:rPr>
+              <a:t>,</a:t>
+            </a:r>
+            <a:r>
+              <a:rPr lang="en-GB" sz="2400" dirty="0">
+                <a:latin typeface="+mj-lt"/>
+              </a:rPr>
+              <a:t> the difficulty in distinguishing</a:t>
+            </a:r>
+            <a:endParaRPr lang="pl-PL" sz="2400" dirty="0">
+              <a:latin typeface="+mj-lt"/>
+            </a:endParaRPr>
+          </a:p>
+          <a:p>
+            <a:r>
+              <a:rPr lang="en-GB" sz="2400" dirty="0">
+                <a:latin typeface="+mj-lt"/>
+              </a:rPr>
+              <a:t>between features 5,6,7</a:t>
+            </a:r>
+            <a:endParaRPr kumimoji="0" lang="en-GB" sz="2400" b="0" i="0" u="none" strike="noStrike" cap="none" spc="0" normalizeH="0" baseline="0" dirty="0">
+              <a:ln>
+                <a:noFill/>
+              </a:ln>
+              <a:solidFill>
+                <a:srgbClr val="000000"/>
+              </a:solidFill>
+              <a:effectLst/>
+              <a:uFillTx/>
+              <a:latin typeface="+mj-lt"/>
+              <a:ea typeface="Trebuchet MS"/>
+              <a:cs typeface="Trebuchet MS"/>
+              <a:sym typeface="Trebuchet MS"/>
+            </a:endParaRPr>
+          </a:p>
+        </p:txBody>
+      </p:sp>
+    </p:spTree>
+    <p:extLst>
+      <p:ext uri="{BB962C8B-B14F-4D97-AF65-F5344CB8AC3E}">
+        <p14:creationId xmlns:p14="http://schemas.microsoft.com/office/powerpoint/2010/main" val="3102466011"/>
+      </p:ext>
+    </p:extLst>
+  </p:cSld>
+  <p:clrMapOvr>
+    <a:masterClrMapping/>
+  </p:clrMapOvr>
+  <p:transition spd="med"/>
+</p:sld>
+</file>
+
 <file path=ppt/slides/slide3.xml><?xml version="1.0" encoding="utf-8"?>
 <p:sld xmlns:a="http://schemas.openxmlformats.org/drawingml/2006/main" xmlns:r="http://schemas.openxmlformats.org/officeDocument/2006/relationships" xmlns:p="http://schemas.openxmlformats.org/presentationml/2006/main">
   <p:cSld>
@@ -33580,7 +36092,7 @@
           </a:ln>
           <a:extLst>
             <a:ext uri="{C572A759-6A51-4108-AA02-DFA0A04FC94B}">
-              <ma14:wrappingTextBoxFlag xmlns="" xmlns:m="http://schemas.openxmlformats.org/officeDocument/2006/math" xmlns:a14="http://schemas.microsoft.com/office/drawing/2010/main" xmlns:ma14="http://schemas.microsoft.com/office/mac/drawingml/2011/main" val="1"/>
+              <ma14:wrappingTextBoxFlag xmlns:ma14="http://schemas.microsoft.com/office/mac/drawingml/2011/main" xmlns:a14="http://schemas.microsoft.com/office/drawing/2010/main" xmlns:m="http://schemas.openxmlformats.org/officeDocument/2006/math" xmlns="" val="1"/>
             </a:ext>
           </a:extLst>
         </p:spPr>
@@ -33673,7 +36185,7 @@
           </a:ln>
           <a:extLst>
             <a:ext uri="{C572A759-6A51-4108-AA02-DFA0A04FC94B}">
-              <ma14:wrappingTextBoxFlag xmlns="" xmlns:m="http://schemas.openxmlformats.org/officeDocument/2006/math" xmlns:a14="http://schemas.microsoft.com/office/drawing/2010/main" xmlns:ma14="http://schemas.microsoft.com/office/mac/drawingml/2011/main" val="1"/>
+              <ma14:wrappingTextBoxFlag xmlns:ma14="http://schemas.microsoft.com/office/mac/drawingml/2011/main" xmlns:a14="http://schemas.microsoft.com/office/drawing/2010/main" xmlns:m="http://schemas.openxmlformats.org/officeDocument/2006/math" xmlns="" val="1"/>
             </a:ext>
           </a:extLst>
         </p:spPr>
@@ -33902,7 +36414,7 @@
           </a:ln>
           <a:extLst>
             <a:ext uri="{C572A759-6A51-4108-AA02-DFA0A04FC94B}">
-              <ma14:wrappingTextBoxFlag xmlns="" xmlns:m="http://schemas.openxmlformats.org/officeDocument/2006/math" xmlns:a14="http://schemas.microsoft.com/office/drawing/2010/main" xmlns:ma14="http://schemas.microsoft.com/office/mac/drawingml/2011/main" val="1"/>
+              <ma14:wrappingTextBoxFlag xmlns:ma14="http://schemas.microsoft.com/office/mac/drawingml/2011/main" xmlns:a14="http://schemas.microsoft.com/office/drawing/2010/main" xmlns:m="http://schemas.openxmlformats.org/officeDocument/2006/math" xmlns="" val="1"/>
             </a:ext>
           </a:extLst>
         </p:spPr>
@@ -33921,7 +36433,7 @@
               </a:defRPr>
             </a:pPr>
             <a:r>
-              <a:rPr sz="2200" b="1">
+              <a:rPr sz="2200" b="1" dirty="0">
                 <a:solidFill>
                   <a:srgbClr val="067F09"/>
                 </a:solidFill>
@@ -33929,17 +36441,19 @@
               <a:t>EXCEL</a:t>
             </a:r>
             <a:r>
-              <a:rPr sz="2200" b="1"/>
+              <a:rPr sz="2200" b="1" dirty="0"/>
               <a:t> Dataset : </a:t>
             </a:r>
             <a:r>
+              <a:rPr dirty="0"/>
               <a:t>We train our model using </a:t>
             </a:r>
             <a:r>
-              <a:rPr u="sng"/>
+              <a:rPr u="sng" dirty="0"/>
               <a:t>DATASET</a:t>
             </a:r>
             <a:r>
+              <a:rPr dirty="0"/>
               <a:t> (with numerous variables) containing various wine sample with features.</a:t>
             </a:r>
           </a:p>
@@ -33992,7 +36506,7 @@
           </a:ln>
           <a:extLst>
             <a:ext uri="{C572A759-6A51-4108-AA02-DFA0A04FC94B}">
-              <ma14:wrappingTextBoxFlag xmlns="" xmlns:m="http://schemas.openxmlformats.org/officeDocument/2006/math" xmlns:a14="http://schemas.microsoft.com/office/drawing/2010/main" xmlns:ma14="http://schemas.microsoft.com/office/mac/drawingml/2011/main" val="1"/>
+              <ma14:wrappingTextBoxFlag xmlns:ma14="http://schemas.microsoft.com/office/mac/drawingml/2011/main" xmlns:a14="http://schemas.microsoft.com/office/drawing/2010/main" xmlns:m="http://schemas.openxmlformats.org/officeDocument/2006/math" xmlns="" val="1"/>
             </a:ext>
           </a:extLst>
         </p:spPr>
@@ -34054,7 +36568,7 @@
           </a:ln>
           <a:extLst>
             <a:ext uri="{C572A759-6A51-4108-AA02-DFA0A04FC94B}">
-              <ma14:wrappingTextBoxFlag xmlns="" xmlns:m="http://schemas.openxmlformats.org/officeDocument/2006/math" xmlns:a14="http://schemas.microsoft.com/office/drawing/2010/main" xmlns:ma14="http://schemas.microsoft.com/office/mac/drawingml/2011/main" val="1"/>
+              <ma14:wrappingTextBoxFlag xmlns:ma14="http://schemas.microsoft.com/office/mac/drawingml/2011/main" xmlns:a14="http://schemas.microsoft.com/office/drawing/2010/main" xmlns:m="http://schemas.openxmlformats.org/officeDocument/2006/math" xmlns="" val="1"/>
             </a:ext>
           </a:extLst>
         </p:spPr>
@@ -34108,12 +36622,2177 @@
         <p:fade/>
       </p:transition>
     </mc:Choice>
-    <mc:Fallback xmlns="" xmlns:m="http://schemas.openxmlformats.org/officeDocument/2006/math" xmlns:a14="http://schemas.microsoft.com/office/drawing/2010/main">
+    <mc:Fallback xmlns:a14="http://schemas.microsoft.com/office/drawing/2010/main" xmlns:m="http://schemas.openxmlformats.org/officeDocument/2006/math" xmlns="">
       <p:transition spd="med">
         <p:fade/>
       </p:transition>
     </mc:Fallback>
   </mc:AlternateContent>
+</p:sld>
+</file>
+
+<file path=ppt/slides/slide30.xml><?xml version="1.0" encoding="utf-8"?>
+<p:sld xmlns:a="http://schemas.openxmlformats.org/drawingml/2006/main" xmlns:r="http://schemas.openxmlformats.org/officeDocument/2006/relationships" xmlns:p="http://schemas.openxmlformats.org/presentationml/2006/main">
+  <p:cSld>
+    <p:spTree>
+      <p:nvGrpSpPr>
+        <p:cNvPr id="1" name="">
+          <a:extLst>
+            <a:ext uri="{FF2B5EF4-FFF2-40B4-BE49-F238E27FC236}">
+              <a16:creationId xmlns:a16="http://schemas.microsoft.com/office/drawing/2014/main" id="{87954666-3B9A-98AA-1B79-BE2C1901D50A}"/>
+            </a:ext>
+          </a:extLst>
+        </p:cNvPr>
+        <p:cNvGrpSpPr/>
+        <p:nvPr/>
+      </p:nvGrpSpPr>
+      <p:grpSpPr>
+        <a:xfrm>
+          <a:off x="0" y="0"/>
+          <a:ext cx="0" cy="0"/>
+          <a:chOff x="0" y="0"/>
+          <a:chExt cx="0" cy="0"/>
+        </a:xfrm>
+      </p:grpSpPr>
+      <p:sp>
+        <p:nvSpPr>
+          <p:cNvPr id="4" name="Text Placeholder 3">
+            <a:extLst>
+              <a:ext uri="{FF2B5EF4-FFF2-40B4-BE49-F238E27FC236}">
+                <a16:creationId xmlns:a16="http://schemas.microsoft.com/office/drawing/2014/main" id="{D73825D9-254A-DC66-A0AB-DE3B266286BE}"/>
+              </a:ext>
+            </a:extLst>
+          </p:cNvPr>
+          <p:cNvSpPr>
+            <a:spLocks noGrp="1"/>
+          </p:cNvSpPr>
+          <p:nvPr>
+            <p:ph type="body" sz="quarter" idx="22"/>
+          </p:nvPr>
+        </p:nvSpPr>
+        <p:spPr>
+          <a:xfrm>
+            <a:off x="1809134" y="116632"/>
+            <a:ext cx="10214933" cy="674390"/>
+          </a:xfrm>
+        </p:spPr>
+        <p:txBody>
+          <a:bodyPr/>
+          <a:lstStyle/>
+          <a:p>
+            <a:pPr marL="0" indent="0">
+              <a:buNone/>
+            </a:pPr>
+            <a:r>
+              <a:rPr lang="pl-PL" b="1" dirty="0"/>
+              <a:t>A</a:t>
+            </a:r>
+            <a:r>
+              <a:rPr lang="en-GB" b="1" dirty="0" err="1"/>
+              <a:t>ll</a:t>
+            </a:r>
+            <a:r>
+              <a:rPr lang="en-GB" b="1" dirty="0"/>
+              <a:t> tasks have been completed</a:t>
+            </a:r>
+            <a:r>
+              <a:rPr lang="pl-PL" b="1" dirty="0"/>
+              <a:t>.</a:t>
+            </a:r>
+            <a:endParaRPr lang="en-GB" b="1" dirty="0"/>
+          </a:p>
+        </p:txBody>
+      </p:sp>
+      <p:sp>
+        <p:nvSpPr>
+          <p:cNvPr id="2" name="Symbol zastępczy tekstu 3">
+            <a:extLst>
+              <a:ext uri="{FF2B5EF4-FFF2-40B4-BE49-F238E27FC236}">
+                <a16:creationId xmlns:a16="http://schemas.microsoft.com/office/drawing/2014/main" id="{8EF325D7-FAC4-9294-2C8A-C344E7E4E375}"/>
+              </a:ext>
+            </a:extLst>
+          </p:cNvPr>
+          <p:cNvSpPr txBox="1">
+            <a:spLocks noGrp="1"/>
+          </p:cNvSpPr>
+          <p:nvPr>
+            <p:ph type="body" sz="half" idx="1"/>
+          </p:nvPr>
+        </p:nvSpPr>
+        <p:spPr>
+          <a:xfrm>
+            <a:off x="2801986" y="2348881"/>
+            <a:ext cx="8416620" cy="3536258"/>
+          </a:xfrm>
+          <a:prstGeom prst="rect">
+            <a:avLst/>
+          </a:prstGeom>
+          <a:noFill/>
+        </p:spPr>
+        <p:txBody>
+          <a:bodyPr lIns="0" tIns="0" rIns="0" bIns="0">
+            <a:normAutofit/>
+          </a:bodyPr>
+          <a:lstStyle/>
+          <a:p>
+            <a:pPr marL="200024" indent="-200024">
+              <a:spcBef>
+                <a:spcPts val="2100"/>
+              </a:spcBef>
+              <a:buSzPct val="100000"/>
+              <a:buFont typeface="Arial"/>
+              <a:buChar char="•"/>
+              <a:defRPr sz="2300">
+                <a:solidFill>
+                  <a:srgbClr val="000000"/>
+                </a:solidFill>
+              </a:defRPr>
+            </a:pPr>
+            <a:r>
+              <a:rPr b="1" dirty="0"/>
+              <a:t>Presentation 1 </a:t>
+            </a:r>
+            <a:r>
+              <a:rPr dirty="0">
+                <a:solidFill>
+                  <a:srgbClr val="A22D1B"/>
+                </a:solidFill>
+              </a:rPr>
+              <a:t>(25.03.2025) </a:t>
+            </a:r>
+            <a:r>
+              <a:rPr dirty="0"/>
+              <a:t>Topic - Wine quality classification using ANN.</a:t>
+            </a:r>
+          </a:p>
+          <a:p>
+            <a:pPr marL="200024" indent="-200024">
+              <a:spcBef>
+                <a:spcPts val="2100"/>
+              </a:spcBef>
+              <a:buSzPct val="100000"/>
+              <a:buFont typeface="Arial"/>
+              <a:buChar char="•"/>
+              <a:defRPr sz="2300">
+                <a:solidFill>
+                  <a:srgbClr val="000000"/>
+                </a:solidFill>
+              </a:defRPr>
+            </a:pPr>
+            <a:r>
+              <a:rPr dirty="0">
+                <a:solidFill>
+                  <a:srgbClr val="A22D1B"/>
+                </a:solidFill>
+              </a:rPr>
+              <a:t>(8.04.2025/6.05.2025)</a:t>
+            </a:r>
+            <a:r>
+              <a:rPr b="1" dirty="0"/>
+              <a:t> </a:t>
+            </a:r>
+            <a:r>
+              <a:rPr dirty="0"/>
+              <a:t>Prepare code to next presentation.</a:t>
+            </a:r>
+          </a:p>
+          <a:p>
+            <a:pPr marL="200024" indent="-200024">
+              <a:spcBef>
+                <a:spcPts val="2100"/>
+              </a:spcBef>
+              <a:buSzPct val="100000"/>
+              <a:buFont typeface="Arial"/>
+              <a:buChar char="•"/>
+              <a:defRPr sz="2300">
+                <a:solidFill>
+                  <a:srgbClr val="000000"/>
+                </a:solidFill>
+              </a:defRPr>
+            </a:pPr>
+            <a:r>
+              <a:rPr b="1" dirty="0"/>
+              <a:t>Presentation 2 </a:t>
+            </a:r>
+            <a:r>
+              <a:rPr dirty="0">
+                <a:solidFill>
+                  <a:srgbClr val="A22D1B"/>
+                </a:solidFill>
+              </a:rPr>
+              <a:t>(20.05.2025)</a:t>
+            </a:r>
+            <a:r>
+              <a:rPr dirty="0"/>
+              <a:t> Multilayer prescription, function, back propagation etc</a:t>
+            </a:r>
+            <a:r>
+              <a:rPr b="1" dirty="0"/>
+              <a:t>.</a:t>
+            </a:r>
+          </a:p>
+          <a:p>
+            <a:pPr marL="200024" indent="-200024">
+              <a:spcBef>
+                <a:spcPts val="2100"/>
+              </a:spcBef>
+              <a:buSzPct val="100000"/>
+              <a:buFont typeface="Arial"/>
+              <a:buChar char="•"/>
+              <a:defRPr sz="2300">
+                <a:solidFill>
+                  <a:srgbClr val="000000"/>
+                </a:solidFill>
+              </a:defRPr>
+            </a:pPr>
+            <a:r>
+              <a:rPr dirty="0">
+                <a:solidFill>
+                  <a:srgbClr val="A22D1B"/>
+                </a:solidFill>
+              </a:rPr>
+              <a:t>(20.05.2-25/3.06.2025) </a:t>
+            </a:r>
+            <a:r>
+              <a:rPr dirty="0"/>
+              <a:t>Preprocessing set Test/Train/Validation.</a:t>
+            </a:r>
+            <a:endParaRPr dirty="0">
+              <a:solidFill>
+                <a:srgbClr val="FF0000"/>
+              </a:solidFill>
+            </a:endParaRPr>
+          </a:p>
+          <a:p>
+            <a:pPr marL="200024" indent="-200024">
+              <a:spcBef>
+                <a:spcPts val="2100"/>
+              </a:spcBef>
+              <a:buSzPct val="100000"/>
+              <a:buFont typeface="Arial"/>
+              <a:buChar char="•"/>
+              <a:defRPr sz="2300">
+                <a:solidFill>
+                  <a:srgbClr val="000000"/>
+                </a:solidFill>
+              </a:defRPr>
+            </a:pPr>
+            <a:r>
+              <a:rPr b="1" dirty="0"/>
+              <a:t>Presentation 3</a:t>
+            </a:r>
+            <a:r>
+              <a:rPr dirty="0"/>
+              <a:t> </a:t>
+            </a:r>
+            <a:r>
+              <a:rPr dirty="0">
+                <a:solidFill>
+                  <a:srgbClr val="A22D1B"/>
+                </a:solidFill>
+              </a:rPr>
+              <a:t>(17.06.2025)</a:t>
+            </a:r>
+            <a:r>
+              <a:rPr dirty="0"/>
+              <a:t>  Project - Solution.</a:t>
+            </a:r>
+            <a:r>
+              <a:rPr lang="pl-PL" dirty="0"/>
+              <a:t> </a:t>
+            </a:r>
+            <a:r>
+              <a:rPr lang="pl-PL" b="1" dirty="0">
+                <a:solidFill>
+                  <a:srgbClr val="00B050"/>
+                </a:solidFill>
+              </a:rPr>
+              <a:t>+ GUI </a:t>
+            </a:r>
+            <a:r>
+              <a:rPr lang="pl-PL" b="1" dirty="0" err="1">
+                <a:solidFill>
+                  <a:srgbClr val="00B050"/>
+                </a:solidFill>
+              </a:rPr>
+              <a:t>app</a:t>
+            </a:r>
+            <a:r>
+              <a:rPr lang="pl-PL" b="1" dirty="0">
+                <a:solidFill>
+                  <a:srgbClr val="00B050"/>
+                </a:solidFill>
+              </a:rPr>
+              <a:t> designer</a:t>
+            </a:r>
+            <a:endParaRPr b="1" dirty="0">
+              <a:solidFill>
+                <a:srgbClr val="00B050"/>
+              </a:solidFill>
+            </a:endParaRPr>
+          </a:p>
+        </p:txBody>
+      </p:sp>
+      <p:sp>
+        <p:nvSpPr>
+          <p:cNvPr id="3" name="Milestone">
+            <a:extLst>
+              <a:ext uri="{FF2B5EF4-FFF2-40B4-BE49-F238E27FC236}">
+                <a16:creationId xmlns:a16="http://schemas.microsoft.com/office/drawing/2014/main" id="{8F93D711-2BA8-6586-D15B-B8BDB08763E9}"/>
+              </a:ext>
+            </a:extLst>
+          </p:cNvPr>
+          <p:cNvSpPr txBox="1"/>
+          <p:nvPr/>
+        </p:nvSpPr>
+        <p:spPr>
+          <a:xfrm>
+            <a:off x="5131606" y="1340110"/>
+            <a:ext cx="2964544" cy="790983"/>
+          </a:xfrm>
+          <a:prstGeom prst="rect">
+            <a:avLst/>
+          </a:prstGeom>
+          <a:ln w="12700">
+            <a:miter lim="400000"/>
+          </a:ln>
+          <a:extLst>
+            <a:ext uri="{C572A759-6A51-4108-AA02-DFA0A04FC94B}">
+              <ma14:wrappingTextBoxFlag xmlns:ma14="http://schemas.microsoft.com/office/mac/drawingml/2011/main" xmlns:a14="http://schemas.microsoft.com/office/drawing/2010/main" xmlns:m="http://schemas.openxmlformats.org/officeDocument/2006/math" xmlns="" val="1"/>
+            </a:ext>
+          </a:extLst>
+        </p:spPr>
+        <p:txBody>
+          <a:bodyPr wrap="none" lIns="45719" rIns="45719">
+            <a:spAutoFit/>
+          </a:bodyPr>
+          <a:lstStyle>
+            <a:lvl1pPr>
+              <a:spcBef>
+                <a:spcPts val="500"/>
+              </a:spcBef>
+              <a:defRPr sz="5400" b="1">
+                <a:solidFill>
+                  <a:srgbClr val="A22D1B"/>
+                </a:solidFill>
+                <a:latin typeface="+mj-lt"/>
+                <a:ea typeface="+mj-ea"/>
+                <a:cs typeface="+mj-cs"/>
+                <a:sym typeface="Calibri"/>
+              </a:defRPr>
+            </a:lvl1pPr>
+          </a:lstStyle>
+          <a:p>
+            <a:r>
+              <a:rPr dirty="0"/>
+              <a:t>Milestone</a:t>
+            </a:r>
+          </a:p>
+        </p:txBody>
+      </p:sp>
+      <p:pic>
+        <p:nvPicPr>
+          <p:cNvPr id="8" name="Graphic 7" descr="Badge Tick1 with solid fill">
+            <a:extLst>
+              <a:ext uri="{FF2B5EF4-FFF2-40B4-BE49-F238E27FC236}">
+                <a16:creationId xmlns:a16="http://schemas.microsoft.com/office/drawing/2014/main" id="{0046E870-1149-0E94-5EA1-266A5B9A921E}"/>
+              </a:ext>
+            </a:extLst>
+          </p:cNvPr>
+          <p:cNvPicPr>
+            <a:picLocks noChangeAspect="1"/>
+          </p:cNvPicPr>
+          <p:nvPr/>
+        </p:nvPicPr>
+        <p:blipFill>
+          <a:blip r:embed="rId2">
+            <a:extLst>
+              <a:ext uri="{96DAC541-7B7A-43D3-8B79-37D633B846F1}">
+                <asvg:svgBlip xmlns:asvg="http://schemas.microsoft.com/office/drawing/2016/SVG/main" r:embed="rId3"/>
+              </a:ext>
+            </a:extLst>
+          </a:blip>
+          <a:stretch>
+            <a:fillRect/>
+          </a:stretch>
+        </p:blipFill>
+        <p:spPr>
+          <a:xfrm>
+            <a:off x="2524226" y="2280057"/>
+            <a:ext cx="457200" cy="457200"/>
+          </a:xfrm>
+          <a:prstGeom prst="rect">
+            <a:avLst/>
+          </a:prstGeom>
+        </p:spPr>
+      </p:pic>
+      <p:pic>
+        <p:nvPicPr>
+          <p:cNvPr id="9" name="Graphic 8" descr="Badge Tick1 with solid fill">
+            <a:extLst>
+              <a:ext uri="{FF2B5EF4-FFF2-40B4-BE49-F238E27FC236}">
+                <a16:creationId xmlns:a16="http://schemas.microsoft.com/office/drawing/2014/main" id="{8F721426-A6E2-4C78-B6CB-AC73609546A8}"/>
+              </a:ext>
+            </a:extLst>
+          </p:cNvPr>
+          <p:cNvPicPr>
+            <a:picLocks noChangeAspect="1"/>
+          </p:cNvPicPr>
+          <p:nvPr/>
+        </p:nvPicPr>
+        <p:blipFill>
+          <a:blip r:embed="rId2">
+            <a:extLst>
+              <a:ext uri="{96DAC541-7B7A-43D3-8B79-37D633B846F1}">
+                <asvg:svgBlip xmlns:asvg="http://schemas.microsoft.com/office/drawing/2016/SVG/main" r:embed="rId3"/>
+              </a:ext>
+            </a:extLst>
+          </a:blip>
+          <a:stretch>
+            <a:fillRect/>
+          </a:stretch>
+        </p:blipFill>
+        <p:spPr>
+          <a:xfrm>
+            <a:off x="2503125" y="3286346"/>
+            <a:ext cx="457200" cy="457200"/>
+          </a:xfrm>
+          <a:prstGeom prst="rect">
+            <a:avLst/>
+          </a:prstGeom>
+        </p:spPr>
+      </p:pic>
+      <p:pic>
+        <p:nvPicPr>
+          <p:cNvPr id="10" name="Graphic 9" descr="Badge Tick1 with solid fill">
+            <a:extLst>
+              <a:ext uri="{FF2B5EF4-FFF2-40B4-BE49-F238E27FC236}">
+                <a16:creationId xmlns:a16="http://schemas.microsoft.com/office/drawing/2014/main" id="{62CF40DC-8068-12C2-58A4-60298F0EECC6}"/>
+              </a:ext>
+            </a:extLst>
+          </p:cNvPr>
+          <p:cNvPicPr>
+            <a:picLocks noChangeAspect="1"/>
+          </p:cNvPicPr>
+          <p:nvPr/>
+        </p:nvPicPr>
+        <p:blipFill>
+          <a:blip r:embed="rId2">
+            <a:extLst>
+              <a:ext uri="{96DAC541-7B7A-43D3-8B79-37D633B846F1}">
+                <asvg:svgBlip xmlns:asvg="http://schemas.microsoft.com/office/drawing/2016/SVG/main" r:embed="rId3"/>
+              </a:ext>
+            </a:extLst>
+          </a:blip>
+          <a:stretch>
+            <a:fillRect/>
+          </a:stretch>
+        </p:blipFill>
+        <p:spPr>
+          <a:xfrm>
+            <a:off x="2504355" y="3886968"/>
+            <a:ext cx="457200" cy="457200"/>
+          </a:xfrm>
+          <a:prstGeom prst="rect">
+            <a:avLst/>
+          </a:prstGeom>
+        </p:spPr>
+      </p:pic>
+      <p:pic>
+        <p:nvPicPr>
+          <p:cNvPr id="11" name="Graphic 10" descr="Badge Tick1 with solid fill">
+            <a:extLst>
+              <a:ext uri="{FF2B5EF4-FFF2-40B4-BE49-F238E27FC236}">
+                <a16:creationId xmlns:a16="http://schemas.microsoft.com/office/drawing/2014/main" id="{7A99B65C-1B30-8099-7218-FF8FA9BE1AB9}"/>
+              </a:ext>
+            </a:extLst>
+          </p:cNvPr>
+          <p:cNvPicPr>
+            <a:picLocks noChangeAspect="1"/>
+          </p:cNvPicPr>
+          <p:nvPr/>
+        </p:nvPicPr>
+        <p:blipFill>
+          <a:blip r:embed="rId2">
+            <a:extLst>
+              <a:ext uri="{96DAC541-7B7A-43D3-8B79-37D633B846F1}">
+                <asvg:svgBlip xmlns:asvg="http://schemas.microsoft.com/office/drawing/2016/SVG/main" r:embed="rId3"/>
+              </a:ext>
+            </a:extLst>
+          </a:blip>
+          <a:stretch>
+            <a:fillRect/>
+          </a:stretch>
+        </p:blipFill>
+        <p:spPr>
+          <a:xfrm>
+            <a:off x="2504562" y="4866389"/>
+            <a:ext cx="457200" cy="457200"/>
+          </a:xfrm>
+          <a:prstGeom prst="rect">
+            <a:avLst/>
+          </a:prstGeom>
+        </p:spPr>
+      </p:pic>
+      <p:pic>
+        <p:nvPicPr>
+          <p:cNvPr id="12" name="Graphic 11" descr="Badge Tick1 with solid fill">
+            <a:extLst>
+              <a:ext uri="{FF2B5EF4-FFF2-40B4-BE49-F238E27FC236}">
+                <a16:creationId xmlns:a16="http://schemas.microsoft.com/office/drawing/2014/main" id="{834408D6-0DDD-165E-48E2-A7852D614125}"/>
+              </a:ext>
+            </a:extLst>
+          </p:cNvPr>
+          <p:cNvPicPr>
+            <a:picLocks noChangeAspect="1"/>
+          </p:cNvPicPr>
+          <p:nvPr/>
+        </p:nvPicPr>
+        <p:blipFill>
+          <a:blip r:embed="rId2">
+            <a:extLst>
+              <a:ext uri="{96DAC541-7B7A-43D3-8B79-37D633B846F1}">
+                <asvg:svgBlip xmlns:asvg="http://schemas.microsoft.com/office/drawing/2016/SVG/main" r:embed="rId3"/>
+              </a:ext>
+            </a:extLst>
+          </a:blip>
+          <a:stretch>
+            <a:fillRect/>
+          </a:stretch>
+        </p:blipFill>
+        <p:spPr>
+          <a:xfrm>
+            <a:off x="2503125" y="5460449"/>
+            <a:ext cx="457200" cy="457200"/>
+          </a:xfrm>
+          <a:prstGeom prst="rect">
+            <a:avLst/>
+          </a:prstGeom>
+        </p:spPr>
+      </p:pic>
+    </p:spTree>
+    <p:extLst>
+      <p:ext uri="{BB962C8B-B14F-4D97-AF65-F5344CB8AC3E}">
+        <p14:creationId xmlns:p14="http://schemas.microsoft.com/office/powerpoint/2010/main" val="3289575359"/>
+      </p:ext>
+    </p:extLst>
+  </p:cSld>
+  <p:clrMapOvr>
+    <a:masterClrMapping/>
+  </p:clrMapOvr>
+  <p:transition spd="med"/>
+</p:sld>
+</file>
+
+<file path=ppt/slides/slide31.xml><?xml version="1.0" encoding="utf-8"?>
+<p:sld xmlns:a="http://schemas.openxmlformats.org/drawingml/2006/main" xmlns:r="http://schemas.openxmlformats.org/officeDocument/2006/relationships" xmlns:p="http://schemas.openxmlformats.org/presentationml/2006/main">
+  <p:cSld>
+    <p:spTree>
+      <p:nvGrpSpPr>
+        <p:cNvPr id="1" name="">
+          <a:extLst>
+            <a:ext uri="{FF2B5EF4-FFF2-40B4-BE49-F238E27FC236}">
+              <a16:creationId xmlns:a16="http://schemas.microsoft.com/office/drawing/2014/main" id="{F5E9F72D-C0AB-7A68-0265-76F21D69340C}"/>
+            </a:ext>
+          </a:extLst>
+        </p:cNvPr>
+        <p:cNvGrpSpPr/>
+        <p:nvPr/>
+      </p:nvGrpSpPr>
+      <p:grpSpPr>
+        <a:xfrm>
+          <a:off x="0" y="0"/>
+          <a:ext cx="0" cy="0"/>
+          <a:chOff x="0" y="0"/>
+          <a:chExt cx="0" cy="0"/>
+        </a:xfrm>
+      </p:grpSpPr>
+      <p:sp>
+        <p:nvSpPr>
+          <p:cNvPr id="4" name="Text Placeholder 3">
+            <a:extLst>
+              <a:ext uri="{FF2B5EF4-FFF2-40B4-BE49-F238E27FC236}">
+                <a16:creationId xmlns:a16="http://schemas.microsoft.com/office/drawing/2014/main" id="{96C446B4-15E6-16A5-9272-89339C66989B}"/>
+              </a:ext>
+            </a:extLst>
+          </p:cNvPr>
+          <p:cNvSpPr>
+            <a:spLocks noGrp="1"/>
+          </p:cNvSpPr>
+          <p:nvPr>
+            <p:ph type="body" sz="quarter" idx="22"/>
+          </p:nvPr>
+        </p:nvSpPr>
+        <p:spPr>
+          <a:xfrm>
+            <a:off x="1887004" y="377952"/>
+            <a:ext cx="10280612" cy="5796706"/>
+          </a:xfrm>
+        </p:spPr>
+        <p:txBody>
+          <a:bodyPr>
+            <a:normAutofit fontScale="92500" lnSpcReduction="10000"/>
+          </a:bodyPr>
+          <a:lstStyle/>
+          <a:p>
+            <a:pPr marL="0" indent="0">
+              <a:buNone/>
+            </a:pPr>
+            <a:r>
+              <a:rPr lang="pl-PL" b="1" dirty="0" err="1"/>
+              <a:t>Surprises</a:t>
+            </a:r>
+            <a:r>
+              <a:rPr lang="pl-PL" b="1" dirty="0"/>
+              <a:t> in </a:t>
+            </a:r>
+            <a:r>
+              <a:rPr lang="pl-PL" b="1" dirty="0" err="1"/>
+              <a:t>Matlab</a:t>
+            </a:r>
+            <a:r>
+              <a:rPr lang="pl-PL" b="1" dirty="0"/>
+              <a:t>:</a:t>
+            </a:r>
+          </a:p>
+          <a:p>
+            <a:r>
+              <a:rPr lang="en-GB" dirty="0"/>
+              <a:t>Some functions don’t display their variables in the Workspace.</a:t>
+            </a:r>
+          </a:p>
+          <a:p>
+            <a:endParaRPr lang="en-GB" dirty="0"/>
+          </a:p>
+          <a:p>
+            <a:r>
+              <a:rPr lang="en-GB" dirty="0"/>
+              <a:t>The flexibility of the network architecture allows using a greater number of neurons in the hidden layers: net = </a:t>
+            </a:r>
+            <a:r>
+              <a:rPr lang="en-GB" dirty="0" err="1"/>
+              <a:t>patternnet</a:t>
+            </a:r>
+            <a:r>
+              <a:rPr lang="en-GB" dirty="0"/>
+              <a:t>([128 64 32 8]);</a:t>
+            </a:r>
+          </a:p>
+          <a:p>
+            <a:endParaRPr lang="en-GB" dirty="0"/>
+          </a:p>
+          <a:p>
+            <a:r>
+              <a:rPr lang="en-GB" dirty="0"/>
+              <a:t>The Threshold Designer tool allows selecting the most important features to use in the model.</a:t>
+            </a:r>
+          </a:p>
+          <a:p>
+            <a:endParaRPr lang="en-GB" dirty="0"/>
+          </a:p>
+          <a:p>
+            <a:r>
+              <a:rPr lang="en-GB" dirty="0"/>
+              <a:t>Using the Deep Learning Toolbox, the designer doesn’t have to access or manage many variables manually.</a:t>
+            </a:r>
+          </a:p>
+          <a:p>
+            <a:endParaRPr lang="en-GB" dirty="0"/>
+          </a:p>
+          <a:p>
+            <a:r>
+              <a:rPr lang="en-GB" dirty="0"/>
+              <a:t>MATLAB is faster in calculations and matrix operations.</a:t>
+            </a:r>
+            <a:endParaRPr lang="nl-NL" dirty="0"/>
+          </a:p>
+        </p:txBody>
+      </p:sp>
+    </p:spTree>
+    <p:extLst>
+      <p:ext uri="{BB962C8B-B14F-4D97-AF65-F5344CB8AC3E}">
+        <p14:creationId xmlns:p14="http://schemas.microsoft.com/office/powerpoint/2010/main" val="3978718755"/>
+      </p:ext>
+    </p:extLst>
+  </p:cSld>
+  <p:clrMapOvr>
+    <a:masterClrMapping/>
+  </p:clrMapOvr>
+  <p:transition spd="med"/>
+</p:sld>
+</file>
+
+<file path=ppt/slides/slide32.xml><?xml version="1.0" encoding="utf-8"?>
+<p:sld xmlns:a="http://schemas.openxmlformats.org/drawingml/2006/main" xmlns:r="http://schemas.openxmlformats.org/officeDocument/2006/relationships" xmlns:p="http://schemas.openxmlformats.org/presentationml/2006/main">
+  <p:cSld>
+    <p:spTree>
+      <p:nvGrpSpPr>
+        <p:cNvPr id="1" name="">
+          <a:extLst>
+            <a:ext uri="{FF2B5EF4-FFF2-40B4-BE49-F238E27FC236}">
+              <a16:creationId xmlns:a16="http://schemas.microsoft.com/office/drawing/2014/main" id="{279446A4-7014-DC14-439F-086818018820}"/>
+            </a:ext>
+          </a:extLst>
+        </p:cNvPr>
+        <p:cNvGrpSpPr/>
+        <p:nvPr/>
+      </p:nvGrpSpPr>
+      <p:grpSpPr>
+        <a:xfrm>
+          <a:off x="0" y="0"/>
+          <a:ext cx="0" cy="0"/>
+          <a:chOff x="0" y="0"/>
+          <a:chExt cx="0" cy="0"/>
+        </a:xfrm>
+      </p:grpSpPr>
+      <p:sp>
+        <p:nvSpPr>
+          <p:cNvPr id="4" name="Text Placeholder 3">
+            <a:extLst>
+              <a:ext uri="{FF2B5EF4-FFF2-40B4-BE49-F238E27FC236}">
+                <a16:creationId xmlns:a16="http://schemas.microsoft.com/office/drawing/2014/main" id="{435E1C11-145D-7AC2-8FEE-E34AB83864A9}"/>
+              </a:ext>
+            </a:extLst>
+          </p:cNvPr>
+          <p:cNvSpPr>
+            <a:spLocks noGrp="1"/>
+          </p:cNvSpPr>
+          <p:nvPr>
+            <p:ph type="body" sz="quarter" idx="22"/>
+          </p:nvPr>
+        </p:nvSpPr>
+        <p:spPr>
+          <a:xfrm>
+            <a:off x="1743456" y="116631"/>
+            <a:ext cx="10280612" cy="533609"/>
+          </a:xfrm>
+        </p:spPr>
+        <p:txBody>
+          <a:bodyPr/>
+          <a:lstStyle/>
+          <a:p>
+            <a:pPr marL="0" indent="0">
+              <a:buNone/>
+            </a:pPr>
+            <a:r>
+              <a:rPr lang="pl-PL" b="1" dirty="0"/>
+              <a:t>GUI APPDESIGNER</a:t>
+            </a:r>
+            <a:endParaRPr lang="en-GB" b="1" dirty="0"/>
+          </a:p>
+        </p:txBody>
+      </p:sp>
+      <p:pic>
+        <p:nvPicPr>
+          <p:cNvPr id="6" name="Picture 5">
+            <a:extLst>
+              <a:ext uri="{FF2B5EF4-FFF2-40B4-BE49-F238E27FC236}">
+                <a16:creationId xmlns:a16="http://schemas.microsoft.com/office/drawing/2014/main" id="{1D24EEB0-6A7B-6788-F9BC-E3957DF75913}"/>
+              </a:ext>
+            </a:extLst>
+          </p:cNvPr>
+          <p:cNvPicPr>
+            <a:picLocks noChangeAspect="1"/>
+          </p:cNvPicPr>
+          <p:nvPr/>
+        </p:nvPicPr>
+        <p:blipFill>
+          <a:blip r:embed="rId2"/>
+          <a:stretch>
+            <a:fillRect/>
+          </a:stretch>
+        </p:blipFill>
+        <p:spPr>
+          <a:xfrm>
+            <a:off x="6652755" y="1592826"/>
+            <a:ext cx="5539245" cy="4812890"/>
+          </a:xfrm>
+          <a:prstGeom prst="rect">
+            <a:avLst/>
+          </a:prstGeom>
+        </p:spPr>
+      </p:pic>
+      <p:sp>
+        <p:nvSpPr>
+          <p:cNvPr id="9" name="TextBox 8">
+            <a:extLst>
+              <a:ext uri="{FF2B5EF4-FFF2-40B4-BE49-F238E27FC236}">
+                <a16:creationId xmlns:a16="http://schemas.microsoft.com/office/drawing/2014/main" id="{64241818-351C-10AA-2CDC-35DD8F1D91DD}"/>
+              </a:ext>
+            </a:extLst>
+          </p:cNvPr>
+          <p:cNvSpPr txBox="1"/>
+          <p:nvPr/>
+        </p:nvSpPr>
+        <p:spPr>
+          <a:xfrm>
+            <a:off x="2952108" y="1105512"/>
+            <a:ext cx="2533705" cy="369330"/>
+          </a:xfrm>
+          <a:prstGeom prst="rect">
+            <a:avLst/>
+          </a:prstGeom>
+          <a:noFill/>
+          <a:ln w="12700" cap="flat">
+            <a:noFill/>
+            <a:miter lim="400000"/>
+          </a:ln>
+          <a:effectLst/>
+          <a:sp3d/>
+        </p:spPr>
+        <p:style>
+          <a:lnRef idx="0">
+            <a:scrgbClr r="0" g="0" b="0"/>
+          </a:lnRef>
+          <a:fillRef idx="0">
+            <a:scrgbClr r="0" g="0" b="0"/>
+          </a:fillRef>
+          <a:effectRef idx="0">
+            <a:scrgbClr r="0" g="0" b="0"/>
+          </a:effectRef>
+          <a:fontRef idx="none"/>
+        </p:style>
+        <p:txBody>
+          <a:bodyPr rot="0" spcFirstLastPara="1" vertOverflow="overflow" horzOverflow="overflow" vert="horz" wrap="none" lIns="45719" tIns="45719" rIns="45719" bIns="45719" numCol="1" spcCol="38100" rtlCol="0" anchor="t">
+            <a:spAutoFit/>
+          </a:bodyPr>
+          <a:lstStyle/>
+          <a:p>
+            <a:pPr marL="0" marR="0" indent="0" algn="l" defTabSz="914400" rtl="0" fontAlgn="auto" latinLnBrk="0" hangingPunct="0">
+              <a:lnSpc>
+                <a:spcPct val="100000"/>
+              </a:lnSpc>
+              <a:spcBef>
+                <a:spcPts val="0"/>
+              </a:spcBef>
+              <a:spcAft>
+                <a:spcPts val="0"/>
+              </a:spcAft>
+              <a:buClrTx/>
+              <a:buSzTx/>
+              <a:buFontTx/>
+              <a:buNone/>
+              <a:tabLst/>
+            </a:pPr>
+            <a:r>
+              <a:rPr kumimoji="0" lang="pl-PL" sz="1800" b="1" i="0" u="none" strike="noStrike" cap="none" spc="0" normalizeH="0" baseline="0" dirty="0">
+                <a:ln>
+                  <a:noFill/>
+                </a:ln>
+                <a:solidFill>
+                  <a:srgbClr val="FF0000"/>
+                </a:solidFill>
+                <a:effectLst/>
+                <a:uFillTx/>
+                <a:latin typeface="Trebuchet MS"/>
+                <a:ea typeface="Trebuchet MS"/>
+                <a:cs typeface="Trebuchet MS"/>
+                <a:sym typeface="Trebuchet MS"/>
+              </a:rPr>
+              <a:t>DESIGN VIEW: </a:t>
+            </a:r>
+            <a:r>
+              <a:rPr kumimoji="0" lang="pl-PL" sz="1800" b="1" i="0" u="none" strike="noStrike" cap="none" spc="0" normalizeH="0" baseline="0" dirty="0">
+                <a:ln>
+                  <a:noFill/>
+                </a:ln>
+                <a:solidFill>
+                  <a:schemeClr val="tx1"/>
+                </a:solidFill>
+                <a:effectLst/>
+                <a:uFillTx/>
+                <a:latin typeface="Trebuchet MS"/>
+                <a:ea typeface="Trebuchet MS"/>
+                <a:cs typeface="Trebuchet MS"/>
+                <a:sym typeface="Trebuchet MS"/>
+              </a:rPr>
+              <a:t>MANUAL</a:t>
+            </a:r>
+            <a:endParaRPr kumimoji="0" lang="en-GB" sz="1800" b="1" i="0" u="none" strike="noStrike" cap="none" spc="0" normalizeH="0" baseline="0" dirty="0">
+              <a:ln>
+                <a:noFill/>
+              </a:ln>
+              <a:solidFill>
+                <a:schemeClr val="tx1"/>
+              </a:solidFill>
+              <a:effectLst/>
+              <a:uFillTx/>
+              <a:latin typeface="Trebuchet MS"/>
+              <a:ea typeface="Trebuchet MS"/>
+              <a:cs typeface="Trebuchet MS"/>
+              <a:sym typeface="Trebuchet MS"/>
+            </a:endParaRPr>
+          </a:p>
+        </p:txBody>
+      </p:sp>
+      <p:pic>
+        <p:nvPicPr>
+          <p:cNvPr id="11" name="Picture 10">
+            <a:extLst>
+              <a:ext uri="{FF2B5EF4-FFF2-40B4-BE49-F238E27FC236}">
+                <a16:creationId xmlns:a16="http://schemas.microsoft.com/office/drawing/2014/main" id="{C809DACF-5EE9-E13F-FE85-C570CE69A18E}"/>
+              </a:ext>
+            </a:extLst>
+          </p:cNvPr>
+          <p:cNvPicPr>
+            <a:picLocks noChangeAspect="1"/>
+          </p:cNvPicPr>
+          <p:nvPr/>
+        </p:nvPicPr>
+        <p:blipFill>
+          <a:blip r:embed="rId3"/>
+          <a:stretch>
+            <a:fillRect/>
+          </a:stretch>
+        </p:blipFill>
+        <p:spPr>
+          <a:xfrm>
+            <a:off x="1651819" y="1592826"/>
+            <a:ext cx="5000936" cy="5265174"/>
+          </a:xfrm>
+          <a:prstGeom prst="rect">
+            <a:avLst/>
+          </a:prstGeom>
+        </p:spPr>
+      </p:pic>
+      <p:sp>
+        <p:nvSpPr>
+          <p:cNvPr id="12" name="TextBox 11">
+            <a:extLst>
+              <a:ext uri="{FF2B5EF4-FFF2-40B4-BE49-F238E27FC236}">
+                <a16:creationId xmlns:a16="http://schemas.microsoft.com/office/drawing/2014/main" id="{5AF51B3C-5EC7-78E9-515A-A5BD8E3EA134}"/>
+              </a:ext>
+            </a:extLst>
+          </p:cNvPr>
+          <p:cNvSpPr txBox="1"/>
+          <p:nvPr/>
+        </p:nvSpPr>
+        <p:spPr>
+          <a:xfrm>
+            <a:off x="7427936" y="1105512"/>
+            <a:ext cx="4131898" cy="369330"/>
+          </a:xfrm>
+          <a:prstGeom prst="rect">
+            <a:avLst/>
+          </a:prstGeom>
+          <a:noFill/>
+          <a:ln w="12700" cap="flat">
+            <a:noFill/>
+            <a:miter lim="400000"/>
+          </a:ln>
+          <a:effectLst/>
+          <a:sp3d/>
+        </p:spPr>
+        <p:style>
+          <a:lnRef idx="0">
+            <a:scrgbClr r="0" g="0" b="0"/>
+          </a:lnRef>
+          <a:fillRef idx="0">
+            <a:scrgbClr r="0" g="0" b="0"/>
+          </a:fillRef>
+          <a:effectRef idx="0">
+            <a:scrgbClr r="0" g="0" b="0"/>
+          </a:effectRef>
+          <a:fontRef idx="none"/>
+        </p:style>
+        <p:txBody>
+          <a:bodyPr rot="0" spcFirstLastPara="1" vertOverflow="overflow" horzOverflow="overflow" vert="horz" wrap="none" lIns="45719" tIns="45719" rIns="45719" bIns="45719" numCol="1" spcCol="38100" rtlCol="0" anchor="t">
+            <a:spAutoFit/>
+          </a:bodyPr>
+          <a:lstStyle/>
+          <a:p>
+            <a:pPr marL="0" marR="0" indent="0" algn="l" defTabSz="914400" rtl="0" fontAlgn="auto" latinLnBrk="0" hangingPunct="0">
+              <a:lnSpc>
+                <a:spcPct val="100000"/>
+              </a:lnSpc>
+              <a:spcBef>
+                <a:spcPts val="0"/>
+              </a:spcBef>
+              <a:spcAft>
+                <a:spcPts val="0"/>
+              </a:spcAft>
+              <a:buClrTx/>
+              <a:buSzTx/>
+              <a:buFontTx/>
+              <a:buNone/>
+              <a:tabLst/>
+            </a:pPr>
+            <a:r>
+              <a:rPr lang="pl-PL" b="1" dirty="0">
+                <a:solidFill>
+                  <a:srgbClr val="FF0000"/>
+                </a:solidFill>
+              </a:rPr>
+              <a:t>CODE VIEW</a:t>
+            </a:r>
+            <a:r>
+              <a:rPr kumimoji="0" lang="pl-PL" sz="1800" b="1" i="0" u="none" strike="noStrike" cap="none" spc="0" normalizeH="0" baseline="0" dirty="0">
+                <a:ln>
+                  <a:noFill/>
+                </a:ln>
+                <a:solidFill>
+                  <a:srgbClr val="FF0000"/>
+                </a:solidFill>
+                <a:effectLst/>
+                <a:uFillTx/>
+                <a:latin typeface="Trebuchet MS"/>
+                <a:ea typeface="Trebuchet MS"/>
+                <a:cs typeface="Trebuchet MS"/>
+                <a:sym typeface="Trebuchet MS"/>
+              </a:rPr>
+              <a:t>: </a:t>
+            </a:r>
+            <a:r>
+              <a:rPr kumimoji="0" lang="pl-PL" sz="1800" b="1" i="0" u="none" strike="noStrike" cap="none" spc="0" normalizeH="0" baseline="0" dirty="0">
+                <a:ln>
+                  <a:noFill/>
+                </a:ln>
+                <a:solidFill>
+                  <a:schemeClr val="tx1"/>
+                </a:solidFill>
+                <a:effectLst/>
+                <a:uFillTx/>
+                <a:latin typeface="Trebuchet MS"/>
+                <a:ea typeface="Trebuchet MS"/>
+                <a:cs typeface="Trebuchet MS"/>
+                <a:sym typeface="Trebuchet MS"/>
+              </a:rPr>
+              <a:t>RED DATA FROM MATLAB</a:t>
+            </a:r>
+            <a:endParaRPr kumimoji="0" lang="en-GB" sz="1800" b="1" i="0" u="none" strike="noStrike" cap="none" spc="0" normalizeH="0" baseline="0" dirty="0">
+              <a:ln>
+                <a:noFill/>
+              </a:ln>
+              <a:solidFill>
+                <a:schemeClr val="tx1"/>
+              </a:solidFill>
+              <a:effectLst/>
+              <a:uFillTx/>
+              <a:latin typeface="Trebuchet MS"/>
+              <a:ea typeface="Trebuchet MS"/>
+              <a:cs typeface="Trebuchet MS"/>
+              <a:sym typeface="Trebuchet MS"/>
+            </a:endParaRPr>
+          </a:p>
+        </p:txBody>
+      </p:sp>
+    </p:spTree>
+    <p:extLst>
+      <p:ext uri="{BB962C8B-B14F-4D97-AF65-F5344CB8AC3E}">
+        <p14:creationId xmlns:p14="http://schemas.microsoft.com/office/powerpoint/2010/main" val="1133067322"/>
+      </p:ext>
+    </p:extLst>
+  </p:cSld>
+  <p:clrMapOvr>
+    <a:masterClrMapping/>
+  </p:clrMapOvr>
+  <p:transition spd="med"/>
+</p:sld>
+</file>
+
+<file path=ppt/slides/slide33.xml><?xml version="1.0" encoding="utf-8"?>
+<p:sld xmlns:a="http://schemas.openxmlformats.org/drawingml/2006/main" xmlns:r="http://schemas.openxmlformats.org/officeDocument/2006/relationships" xmlns:p="http://schemas.openxmlformats.org/presentationml/2006/main">
+  <p:cSld>
+    <p:spTree>
+      <p:nvGrpSpPr>
+        <p:cNvPr id="1" name="">
+          <a:extLst>
+            <a:ext uri="{FF2B5EF4-FFF2-40B4-BE49-F238E27FC236}">
+              <a16:creationId xmlns:a16="http://schemas.microsoft.com/office/drawing/2014/main" id="{A2DC820B-51E6-E7CC-BEDA-D46C427AC060}"/>
+            </a:ext>
+          </a:extLst>
+        </p:cNvPr>
+        <p:cNvGrpSpPr/>
+        <p:nvPr/>
+      </p:nvGrpSpPr>
+      <p:grpSpPr>
+        <a:xfrm>
+          <a:off x="0" y="0"/>
+          <a:ext cx="0" cy="0"/>
+          <a:chOff x="0" y="0"/>
+          <a:chExt cx="0" cy="0"/>
+        </a:xfrm>
+      </p:grpSpPr>
+      <p:sp>
+        <p:nvSpPr>
+          <p:cNvPr id="4" name="Text Placeholder 3">
+            <a:extLst>
+              <a:ext uri="{FF2B5EF4-FFF2-40B4-BE49-F238E27FC236}">
+                <a16:creationId xmlns:a16="http://schemas.microsoft.com/office/drawing/2014/main" id="{DA31EDAD-4E8A-65F5-5C23-588F31FF9B2D}"/>
+              </a:ext>
+            </a:extLst>
+          </p:cNvPr>
+          <p:cNvSpPr>
+            <a:spLocks noGrp="1"/>
+          </p:cNvSpPr>
+          <p:nvPr>
+            <p:ph type="body" sz="quarter" idx="22"/>
+          </p:nvPr>
+        </p:nvSpPr>
+        <p:spPr>
+          <a:xfrm>
+            <a:off x="1743456" y="116631"/>
+            <a:ext cx="10280612" cy="533609"/>
+          </a:xfrm>
+        </p:spPr>
+        <p:txBody>
+          <a:bodyPr/>
+          <a:lstStyle/>
+          <a:p>
+            <a:r>
+              <a:rPr lang="pl-PL" dirty="0"/>
+              <a:t>GUI APPDESIGNER</a:t>
+            </a:r>
+            <a:endParaRPr lang="en-GB" dirty="0"/>
+          </a:p>
+        </p:txBody>
+      </p:sp>
+      <p:pic>
+        <p:nvPicPr>
+          <p:cNvPr id="3" name="Picture 2">
+            <a:extLst>
+              <a:ext uri="{FF2B5EF4-FFF2-40B4-BE49-F238E27FC236}">
+                <a16:creationId xmlns:a16="http://schemas.microsoft.com/office/drawing/2014/main" id="{8934C848-0DA6-E514-13EC-C6B954E604B5}"/>
+              </a:ext>
+            </a:extLst>
+          </p:cNvPr>
+          <p:cNvPicPr>
+            <a:picLocks noChangeAspect="1"/>
+          </p:cNvPicPr>
+          <p:nvPr/>
+        </p:nvPicPr>
+        <p:blipFill>
+          <a:blip r:embed="rId2"/>
+          <a:stretch>
+            <a:fillRect/>
+          </a:stretch>
+        </p:blipFill>
+        <p:spPr>
+          <a:xfrm>
+            <a:off x="3972232" y="717072"/>
+            <a:ext cx="8051836" cy="5965305"/>
+          </a:xfrm>
+          <a:prstGeom prst="rect">
+            <a:avLst/>
+          </a:prstGeom>
+        </p:spPr>
+      </p:pic>
+      <p:pic>
+        <p:nvPicPr>
+          <p:cNvPr id="5" name="Picture 4">
+            <a:extLst>
+              <a:ext uri="{FF2B5EF4-FFF2-40B4-BE49-F238E27FC236}">
+                <a16:creationId xmlns:a16="http://schemas.microsoft.com/office/drawing/2014/main" id="{8F18E30B-A1EC-61EA-905F-9ED731302D4D}"/>
+              </a:ext>
+            </a:extLst>
+          </p:cNvPr>
+          <p:cNvPicPr>
+            <a:picLocks noChangeAspect="1"/>
+          </p:cNvPicPr>
+          <p:nvPr/>
+        </p:nvPicPr>
+        <p:blipFill>
+          <a:blip r:embed="rId3"/>
+          <a:srcRect l="16882"/>
+          <a:stretch>
+            <a:fillRect/>
+          </a:stretch>
+        </p:blipFill>
+        <p:spPr>
+          <a:xfrm>
+            <a:off x="1828799" y="1525714"/>
+            <a:ext cx="2025445" cy="2628343"/>
+          </a:xfrm>
+          <a:prstGeom prst="rect">
+            <a:avLst/>
+          </a:prstGeom>
+        </p:spPr>
+      </p:pic>
+      <p:pic>
+        <p:nvPicPr>
+          <p:cNvPr id="6" name="Picture 18" descr="Picture 18">
+            <a:extLst>
+              <a:ext uri="{FF2B5EF4-FFF2-40B4-BE49-F238E27FC236}">
+                <a16:creationId xmlns:a16="http://schemas.microsoft.com/office/drawing/2014/main" id="{F300A30D-D4D9-2671-962E-4BE75F0C0C21}"/>
+              </a:ext>
+            </a:extLst>
+          </p:cNvPr>
+          <p:cNvPicPr>
+            <a:picLocks noChangeAspect="1"/>
+          </p:cNvPicPr>
+          <p:nvPr/>
+        </p:nvPicPr>
+        <p:blipFill>
+          <a:blip r:embed="rId4"/>
+          <a:stretch>
+            <a:fillRect/>
+          </a:stretch>
+        </p:blipFill>
+        <p:spPr>
+          <a:xfrm>
+            <a:off x="1569940" y="880368"/>
+            <a:ext cx="792560" cy="498501"/>
+          </a:xfrm>
+          <a:prstGeom prst="rect">
+            <a:avLst/>
+          </a:prstGeom>
+          <a:ln w="12700">
+            <a:miter lim="400000"/>
+          </a:ln>
+        </p:spPr>
+      </p:pic>
+      <p:sp>
+        <p:nvSpPr>
+          <p:cNvPr id="7" name="TextBox 6">
+            <a:extLst>
+              <a:ext uri="{FF2B5EF4-FFF2-40B4-BE49-F238E27FC236}">
+                <a16:creationId xmlns:a16="http://schemas.microsoft.com/office/drawing/2014/main" id="{69113556-B4F3-9E86-CF62-AAFC758679F5}"/>
+              </a:ext>
+            </a:extLst>
+          </p:cNvPr>
+          <p:cNvSpPr txBox="1"/>
+          <p:nvPr/>
+        </p:nvSpPr>
+        <p:spPr>
+          <a:xfrm>
+            <a:off x="2241305" y="967856"/>
+            <a:ext cx="1642435" cy="369330"/>
+          </a:xfrm>
+          <a:prstGeom prst="rect">
+            <a:avLst/>
+          </a:prstGeom>
+          <a:noFill/>
+          <a:ln w="12700" cap="flat">
+            <a:noFill/>
+            <a:miter lim="400000"/>
+          </a:ln>
+          <a:effectLst/>
+          <a:sp3d/>
+        </p:spPr>
+        <p:style>
+          <a:lnRef idx="0">
+            <a:scrgbClr r="0" g="0" b="0"/>
+          </a:lnRef>
+          <a:fillRef idx="0">
+            <a:scrgbClr r="0" g="0" b="0"/>
+          </a:fillRef>
+          <a:effectRef idx="0">
+            <a:scrgbClr r="0" g="0" b="0"/>
+          </a:effectRef>
+          <a:fontRef idx="none"/>
+        </p:style>
+        <p:txBody>
+          <a:bodyPr rot="0" spcFirstLastPara="1" vertOverflow="overflow" horzOverflow="overflow" vert="horz" wrap="none" lIns="45719" tIns="45719" rIns="45719" bIns="45719" numCol="1" spcCol="38100" rtlCol="0" anchor="t">
+            <a:spAutoFit/>
+          </a:bodyPr>
+          <a:lstStyle/>
+          <a:p>
+            <a:r>
+              <a:rPr lang="en-GB" b="1" dirty="0">
+                <a:solidFill>
+                  <a:srgbClr val="067F09"/>
+                </a:solidFill>
+              </a:rPr>
+              <a:t>EXCEL</a:t>
+            </a:r>
+            <a:r>
+              <a:rPr lang="en-GB" b="1" dirty="0"/>
+              <a:t> Dataset</a:t>
+            </a:r>
+            <a:endParaRPr kumimoji="0" lang="en-GB" sz="1800" b="0" i="0" u="none" strike="noStrike" cap="none" spc="0" normalizeH="0" baseline="0" dirty="0">
+              <a:ln>
+                <a:noFill/>
+              </a:ln>
+              <a:solidFill>
+                <a:srgbClr val="000000"/>
+              </a:solidFill>
+              <a:effectLst/>
+              <a:uFillTx/>
+              <a:latin typeface="Trebuchet MS"/>
+              <a:ea typeface="Trebuchet MS"/>
+              <a:cs typeface="Trebuchet MS"/>
+              <a:sym typeface="Trebuchet MS"/>
+            </a:endParaRPr>
+          </a:p>
+        </p:txBody>
+      </p:sp>
+      <p:sp>
+        <p:nvSpPr>
+          <p:cNvPr id="8" name="TextBox 7">
+            <a:extLst>
+              <a:ext uri="{FF2B5EF4-FFF2-40B4-BE49-F238E27FC236}">
+                <a16:creationId xmlns:a16="http://schemas.microsoft.com/office/drawing/2014/main" id="{095FB534-DC14-85DB-F261-CC89B3754614}"/>
+              </a:ext>
+            </a:extLst>
+          </p:cNvPr>
+          <p:cNvSpPr txBox="1"/>
+          <p:nvPr/>
+        </p:nvSpPr>
+        <p:spPr>
+          <a:xfrm>
+            <a:off x="1723063" y="4408958"/>
+            <a:ext cx="2209898" cy="923328"/>
+          </a:xfrm>
+          <a:prstGeom prst="rect">
+            <a:avLst/>
+          </a:prstGeom>
+          <a:noFill/>
+          <a:ln w="12700" cap="flat">
+            <a:noFill/>
+            <a:miter lim="400000"/>
+          </a:ln>
+          <a:effectLst/>
+          <a:sp3d/>
+        </p:spPr>
+        <p:style>
+          <a:lnRef idx="0">
+            <a:scrgbClr r="0" g="0" b="0"/>
+          </a:lnRef>
+          <a:fillRef idx="0">
+            <a:scrgbClr r="0" g="0" b="0"/>
+          </a:fillRef>
+          <a:effectRef idx="0">
+            <a:scrgbClr r="0" g="0" b="0"/>
+          </a:effectRef>
+          <a:fontRef idx="none"/>
+        </p:style>
+        <p:txBody>
+          <a:bodyPr rot="0" spcFirstLastPara="1" vertOverflow="overflow" horzOverflow="overflow" vert="horz" wrap="none" lIns="45719" tIns="45719" rIns="45719" bIns="45719" numCol="1" spcCol="38100" rtlCol="0" anchor="t">
+            <a:spAutoFit/>
+          </a:bodyPr>
+          <a:lstStyle/>
+          <a:p>
+            <a:pPr algn="ctr"/>
+            <a:r>
+              <a:rPr lang="en-GB" b="1" dirty="0">
+                <a:solidFill>
+                  <a:srgbClr val="FF0000"/>
+                </a:solidFill>
+              </a:rPr>
+              <a:t>Samples can be </a:t>
+            </a:r>
+            <a:endParaRPr lang="pl-PL" b="1" dirty="0">
+              <a:solidFill>
+                <a:srgbClr val="FF0000"/>
+              </a:solidFill>
+            </a:endParaRPr>
+          </a:p>
+          <a:p>
+            <a:pPr algn="ctr"/>
+            <a:r>
+              <a:rPr lang="en-GB" b="1" dirty="0">
+                <a:solidFill>
+                  <a:srgbClr val="FF0000"/>
+                </a:solidFill>
+              </a:rPr>
+              <a:t>compared </a:t>
+            </a:r>
+            <a:r>
+              <a:rPr lang="pl-PL" b="1" dirty="0" err="1">
+                <a:solidFill>
+                  <a:srgbClr val="FF0000"/>
+                </a:solidFill>
+              </a:rPr>
+              <a:t>manually</a:t>
+            </a:r>
+            <a:endParaRPr lang="pl-PL" b="1" dirty="0">
+              <a:solidFill>
+                <a:srgbClr val="FF0000"/>
+              </a:solidFill>
+            </a:endParaRPr>
+          </a:p>
+          <a:p>
+            <a:pPr algn="ctr"/>
+            <a:r>
+              <a:rPr lang="en-GB" b="1" dirty="0">
+                <a:solidFill>
+                  <a:srgbClr val="FF0000"/>
+                </a:solidFill>
+              </a:rPr>
+              <a:t>using the model.</a:t>
+            </a:r>
+            <a:endParaRPr kumimoji="0" lang="en-GB" sz="1800" b="1" i="0" u="none" strike="noStrike" cap="none" spc="0" normalizeH="0" baseline="0" dirty="0">
+              <a:ln>
+                <a:noFill/>
+              </a:ln>
+              <a:solidFill>
+                <a:srgbClr val="FF0000"/>
+              </a:solidFill>
+              <a:effectLst/>
+              <a:uFillTx/>
+              <a:latin typeface="Trebuchet MS"/>
+              <a:ea typeface="Trebuchet MS"/>
+              <a:cs typeface="Trebuchet MS"/>
+              <a:sym typeface="Trebuchet MS"/>
+            </a:endParaRPr>
+          </a:p>
+        </p:txBody>
+      </p:sp>
+    </p:spTree>
+    <p:extLst>
+      <p:ext uri="{BB962C8B-B14F-4D97-AF65-F5344CB8AC3E}">
+        <p14:creationId xmlns:p14="http://schemas.microsoft.com/office/powerpoint/2010/main" val="1054636403"/>
+      </p:ext>
+    </p:extLst>
+  </p:cSld>
+  <p:clrMapOvr>
+    <a:masterClrMapping/>
+  </p:clrMapOvr>
+  <p:transition spd="med"/>
+</p:sld>
+</file>
+
+<file path=ppt/slides/slide34.xml><?xml version="1.0" encoding="utf-8"?>
+<p:sld xmlns:a="http://schemas.openxmlformats.org/drawingml/2006/main" xmlns:r="http://schemas.openxmlformats.org/officeDocument/2006/relationships" xmlns:p="http://schemas.openxmlformats.org/presentationml/2006/main">
+  <p:cSld>
+    <p:spTree>
+      <p:nvGrpSpPr>
+        <p:cNvPr id="1" name="">
+          <a:extLst>
+            <a:ext uri="{FF2B5EF4-FFF2-40B4-BE49-F238E27FC236}">
+              <a16:creationId xmlns:a16="http://schemas.microsoft.com/office/drawing/2014/main" id="{8429698F-5600-0588-8F71-7879783FBADA}"/>
+            </a:ext>
+          </a:extLst>
+        </p:cNvPr>
+        <p:cNvGrpSpPr/>
+        <p:nvPr/>
+      </p:nvGrpSpPr>
+      <p:grpSpPr>
+        <a:xfrm>
+          <a:off x="0" y="0"/>
+          <a:ext cx="0" cy="0"/>
+          <a:chOff x="0" y="0"/>
+          <a:chExt cx="0" cy="0"/>
+        </a:xfrm>
+      </p:grpSpPr>
+      <p:sp>
+        <p:nvSpPr>
+          <p:cNvPr id="4" name="Text Placeholder 3">
+            <a:extLst>
+              <a:ext uri="{FF2B5EF4-FFF2-40B4-BE49-F238E27FC236}">
+                <a16:creationId xmlns:a16="http://schemas.microsoft.com/office/drawing/2014/main" id="{E7BCE321-C607-C33B-45DA-97B3277922AA}"/>
+              </a:ext>
+            </a:extLst>
+          </p:cNvPr>
+          <p:cNvSpPr>
+            <a:spLocks noGrp="1"/>
+          </p:cNvSpPr>
+          <p:nvPr>
+            <p:ph type="body" sz="quarter" idx="22"/>
+          </p:nvPr>
+        </p:nvSpPr>
+        <p:spPr>
+          <a:xfrm>
+            <a:off x="1743456" y="116631"/>
+            <a:ext cx="10280612" cy="768272"/>
+          </a:xfrm>
+        </p:spPr>
+        <p:txBody>
+          <a:bodyPr/>
+          <a:lstStyle/>
+          <a:p>
+            <a:pPr marL="0" indent="0">
+              <a:buNone/>
+            </a:pPr>
+            <a:r>
+              <a:rPr lang="pl-PL" dirty="0"/>
+              <a:t>Was</a:t>
+            </a:r>
+            <a:r>
+              <a:rPr lang="en-GB" dirty="0"/>
+              <a:t> the </a:t>
+            </a:r>
+            <a:r>
+              <a:rPr lang="en-GB" b="1" dirty="0"/>
+              <a:t>neural</a:t>
+            </a:r>
+            <a:r>
+              <a:rPr lang="en-GB" dirty="0"/>
+              <a:t> network the best solution?</a:t>
+            </a:r>
+          </a:p>
+        </p:txBody>
+      </p:sp>
+      <p:sp>
+        <p:nvSpPr>
+          <p:cNvPr id="2" name="TextBox 1">
+            <a:extLst>
+              <a:ext uri="{FF2B5EF4-FFF2-40B4-BE49-F238E27FC236}">
+                <a16:creationId xmlns:a16="http://schemas.microsoft.com/office/drawing/2014/main" id="{E58F0B4D-9F43-23A7-A18B-CDA4AA22E096}"/>
+              </a:ext>
+            </a:extLst>
+          </p:cNvPr>
+          <p:cNvSpPr txBox="1"/>
+          <p:nvPr/>
+        </p:nvSpPr>
+        <p:spPr>
+          <a:xfrm>
+            <a:off x="1743456" y="1438750"/>
+            <a:ext cx="9956931" cy="2308322"/>
+          </a:xfrm>
+          <a:prstGeom prst="rect">
+            <a:avLst/>
+          </a:prstGeom>
+          <a:noFill/>
+          <a:ln w="12700" cap="flat">
+            <a:noFill/>
+            <a:miter lim="400000"/>
+          </a:ln>
+          <a:effectLst/>
+          <a:sp3d/>
+        </p:spPr>
+        <p:style>
+          <a:lnRef idx="0">
+            <a:scrgbClr r="0" g="0" b="0"/>
+          </a:lnRef>
+          <a:fillRef idx="0">
+            <a:scrgbClr r="0" g="0" b="0"/>
+          </a:fillRef>
+          <a:effectRef idx="0">
+            <a:scrgbClr r="0" g="0" b="0"/>
+          </a:effectRef>
+          <a:fontRef idx="none"/>
+        </p:style>
+        <p:txBody>
+          <a:bodyPr rot="0" spcFirstLastPara="1" vertOverflow="overflow" horzOverflow="overflow" vert="horz" wrap="square" lIns="45719" tIns="45719" rIns="45719" bIns="45719" numCol="1" spcCol="38100" rtlCol="0" anchor="t">
+            <a:spAutoFit/>
+          </a:bodyPr>
+          <a:lstStyle/>
+          <a:p>
+            <a:r>
+              <a:rPr lang="en-GB" sz="2400" dirty="0">
+                <a:latin typeface="+mj-lt"/>
+              </a:rPr>
+              <a:t>MLP (Multilayer Perceptron) network can work well for simple or moderately complex classification tasks</a:t>
+            </a:r>
+            <a:r>
+              <a:rPr lang="pl-PL" sz="2400" dirty="0">
+                <a:latin typeface="+mj-lt"/>
+              </a:rPr>
+              <a:t>.</a:t>
+            </a:r>
+          </a:p>
+          <a:p>
+            <a:r>
+              <a:rPr lang="en-GB" sz="2400" dirty="0">
+                <a:latin typeface="+mj-lt"/>
+              </a:rPr>
+              <a:t>The data are highly non-linear or exhibit temporal and spatial structures (e.g., images, audio, text).</a:t>
+            </a:r>
+            <a:endParaRPr lang="pl-PL" sz="2400" dirty="0">
+              <a:latin typeface="+mj-lt"/>
+            </a:endParaRPr>
+          </a:p>
+          <a:p>
+            <a:r>
+              <a:rPr lang="en-GB" sz="2400" dirty="0">
+                <a:latin typeface="+mj-lt"/>
+              </a:rPr>
+              <a:t>MLP does not use local dependencies like CNNs or temporal dependencies like RNN/LSTM.</a:t>
+            </a:r>
+            <a:endParaRPr kumimoji="0" lang="en-GB" sz="2400" b="0" i="0" u="none" strike="noStrike" cap="none" spc="0" normalizeH="0" baseline="0" dirty="0">
+              <a:ln>
+                <a:noFill/>
+              </a:ln>
+              <a:solidFill>
+                <a:srgbClr val="000000"/>
+              </a:solidFill>
+              <a:effectLst/>
+              <a:uFillTx/>
+              <a:latin typeface="+mj-lt"/>
+              <a:ea typeface="Trebuchet MS"/>
+              <a:cs typeface="Trebuchet MS"/>
+              <a:sym typeface="Trebuchet MS"/>
+            </a:endParaRPr>
+          </a:p>
+        </p:txBody>
+      </p:sp>
+    </p:spTree>
+    <p:extLst>
+      <p:ext uri="{BB962C8B-B14F-4D97-AF65-F5344CB8AC3E}">
+        <p14:creationId xmlns:p14="http://schemas.microsoft.com/office/powerpoint/2010/main" val="1721888919"/>
+      </p:ext>
+    </p:extLst>
+  </p:cSld>
+  <p:clrMapOvr>
+    <a:masterClrMapping/>
+  </p:clrMapOvr>
+  <p:transition spd="med"/>
+</p:sld>
+</file>
+
+<file path=ppt/slides/slide35.xml><?xml version="1.0" encoding="utf-8"?>
+<p:sld xmlns:a="http://schemas.openxmlformats.org/drawingml/2006/main" xmlns:r="http://schemas.openxmlformats.org/officeDocument/2006/relationships" xmlns:p="http://schemas.openxmlformats.org/presentationml/2006/main">
+  <p:cSld>
+    <p:spTree>
+      <p:nvGrpSpPr>
+        <p:cNvPr id="1" name="">
+          <a:extLst>
+            <a:ext uri="{FF2B5EF4-FFF2-40B4-BE49-F238E27FC236}">
+              <a16:creationId xmlns:a16="http://schemas.microsoft.com/office/drawing/2014/main" id="{BF09B061-C015-8314-10D8-40A472AA3F64}"/>
+            </a:ext>
+          </a:extLst>
+        </p:cNvPr>
+        <p:cNvGrpSpPr/>
+        <p:nvPr/>
+      </p:nvGrpSpPr>
+      <p:grpSpPr>
+        <a:xfrm>
+          <a:off x="0" y="0"/>
+          <a:ext cx="0" cy="0"/>
+          <a:chOff x="0" y="0"/>
+          <a:chExt cx="0" cy="0"/>
+        </a:xfrm>
+      </p:grpSpPr>
+      <p:sp>
+        <p:nvSpPr>
+          <p:cNvPr id="4" name="Text Placeholder 3">
+            <a:extLst>
+              <a:ext uri="{FF2B5EF4-FFF2-40B4-BE49-F238E27FC236}">
+                <a16:creationId xmlns:a16="http://schemas.microsoft.com/office/drawing/2014/main" id="{1FE134CC-F88F-4053-67CF-84362AD972C5}"/>
+              </a:ext>
+            </a:extLst>
+          </p:cNvPr>
+          <p:cNvSpPr>
+            <a:spLocks noGrp="1"/>
+          </p:cNvSpPr>
+          <p:nvPr>
+            <p:ph type="body" sz="quarter" idx="22"/>
+          </p:nvPr>
+        </p:nvSpPr>
+        <p:spPr>
+          <a:xfrm>
+            <a:off x="1936954" y="116630"/>
+            <a:ext cx="10087113" cy="2754389"/>
+          </a:xfrm>
+        </p:spPr>
+        <p:txBody>
+          <a:bodyPr>
+            <a:noAutofit/>
+          </a:bodyPr>
+          <a:lstStyle/>
+          <a:p>
+            <a:pPr marL="0" indent="0">
+              <a:spcBef>
+                <a:spcPts val="0"/>
+              </a:spcBef>
+              <a:buNone/>
+            </a:pPr>
+            <a:r>
+              <a:rPr lang="pl-PL" sz="1800" b="1" dirty="0"/>
+              <a:t>Upgrade </a:t>
+            </a:r>
+            <a:r>
+              <a:rPr lang="pl-PL" sz="1800" b="1" dirty="0">
+                <a:solidFill>
+                  <a:srgbClr val="FF9900"/>
+                </a:solidFill>
+              </a:rPr>
+              <a:t>„</a:t>
+            </a:r>
+            <a:r>
+              <a:rPr lang="en-GB" sz="1800" b="1" dirty="0">
+                <a:solidFill>
+                  <a:srgbClr val="FF9900"/>
+                </a:solidFill>
+              </a:rPr>
+              <a:t>Wine quality classification using Artificial Neural Network</a:t>
+            </a:r>
+            <a:r>
+              <a:rPr lang="pl-PL" sz="1800" b="1" dirty="0">
+                <a:solidFill>
+                  <a:srgbClr val="FF9900"/>
+                </a:solidFill>
+              </a:rPr>
+              <a:t>„ </a:t>
+            </a:r>
+            <a:r>
+              <a:rPr lang="pl-PL" sz="1800" b="1" dirty="0"/>
+              <a:t>Project:</a:t>
+            </a:r>
+          </a:p>
+          <a:p>
+            <a:pPr>
+              <a:spcBef>
+                <a:spcPts val="0"/>
+              </a:spcBef>
+            </a:pPr>
+            <a:r>
+              <a:rPr lang="en-GB" sz="1800" dirty="0"/>
+              <a:t>Predicting wine price using regression models.</a:t>
+            </a:r>
+          </a:p>
+          <a:p>
+            <a:pPr>
+              <a:spcBef>
+                <a:spcPts val="0"/>
+              </a:spcBef>
+            </a:pPr>
+            <a:r>
+              <a:rPr lang="en-GB" sz="1800" dirty="0"/>
+              <a:t>Classifying wine type (e.g., white vs. red) separately.</a:t>
+            </a:r>
+          </a:p>
+          <a:p>
+            <a:pPr>
+              <a:spcBef>
+                <a:spcPts val="0"/>
+              </a:spcBef>
+            </a:pPr>
+            <a:r>
+              <a:rPr lang="en-GB" sz="1800" dirty="0"/>
+              <a:t>Adding origin information (region or country) for classification or analysis.</a:t>
+            </a:r>
+          </a:p>
+          <a:p>
+            <a:pPr>
+              <a:spcBef>
+                <a:spcPts val="0"/>
+              </a:spcBef>
+            </a:pPr>
+            <a:r>
+              <a:rPr lang="en-GB" sz="1800" dirty="0"/>
+              <a:t>Including additional indicators like acidity or sugar levels for better insights.</a:t>
+            </a:r>
+          </a:p>
+          <a:p>
+            <a:pPr>
+              <a:spcBef>
+                <a:spcPts val="0"/>
+              </a:spcBef>
+            </a:pPr>
+            <a:r>
+              <a:rPr lang="en-GB" sz="1800" dirty="0"/>
+              <a:t>Creating market segmentation or personalized wine recommendations.</a:t>
+            </a:r>
+          </a:p>
+          <a:p>
+            <a:pPr>
+              <a:spcBef>
+                <a:spcPts val="0"/>
+              </a:spcBef>
+            </a:pPr>
+            <a:r>
+              <a:rPr lang="en-GB" sz="1800" dirty="0"/>
+              <a:t>Implementing multitask learning to predict quality, type, and price simultaneously</a:t>
+            </a:r>
+            <a:endParaRPr lang="pl-PL" sz="1800" dirty="0"/>
+          </a:p>
+        </p:txBody>
+      </p:sp>
+      <p:sp>
+        <p:nvSpPr>
+          <p:cNvPr id="6" name="TextBox 5">
+            <a:extLst>
+              <a:ext uri="{FF2B5EF4-FFF2-40B4-BE49-F238E27FC236}">
+                <a16:creationId xmlns:a16="http://schemas.microsoft.com/office/drawing/2014/main" id="{00B4D5AC-A13E-E23C-02AC-833F6654ED94}"/>
+              </a:ext>
+            </a:extLst>
+          </p:cNvPr>
+          <p:cNvSpPr txBox="1"/>
+          <p:nvPr/>
+        </p:nvSpPr>
+        <p:spPr>
+          <a:xfrm>
+            <a:off x="1936954" y="2673069"/>
+            <a:ext cx="8686030" cy="3970316"/>
+          </a:xfrm>
+          <a:prstGeom prst="rect">
+            <a:avLst/>
+          </a:prstGeom>
+          <a:noFill/>
+          <a:ln w="12700" cap="flat">
+            <a:noFill/>
+            <a:miter lim="400000"/>
+          </a:ln>
+          <a:effectLst/>
+          <a:sp3d/>
+        </p:spPr>
+        <p:style>
+          <a:lnRef idx="0">
+            <a:scrgbClr r="0" g="0" b="0"/>
+          </a:lnRef>
+          <a:fillRef idx="0">
+            <a:scrgbClr r="0" g="0" b="0"/>
+          </a:fillRef>
+          <a:effectRef idx="0">
+            <a:scrgbClr r="0" g="0" b="0"/>
+          </a:effectRef>
+          <a:fontRef idx="none"/>
+        </p:style>
+        <p:txBody>
+          <a:bodyPr rot="0" spcFirstLastPara="1" vertOverflow="overflow" horzOverflow="overflow" vert="horz" wrap="none" lIns="45719" tIns="45719" rIns="45719" bIns="45719" numCol="1" spcCol="38100" rtlCol="0" anchor="t">
+            <a:spAutoFit/>
+          </a:bodyPr>
+          <a:lstStyle/>
+          <a:p>
+            <a:r>
+              <a:rPr lang="pl-PL" b="1" dirty="0" err="1">
+                <a:latin typeface="+mj-lt"/>
+              </a:rPr>
+              <a:t>Next</a:t>
+            </a:r>
+            <a:r>
+              <a:rPr lang="pl-PL" b="1" dirty="0">
+                <a:latin typeface="+mj-lt"/>
+              </a:rPr>
+              <a:t> </a:t>
+            </a:r>
+            <a:r>
+              <a:rPr lang="pl-PL" b="1" dirty="0" err="1">
+                <a:latin typeface="+mj-lt"/>
+              </a:rPr>
+              <a:t>different</a:t>
+            </a:r>
+            <a:r>
+              <a:rPr lang="pl-PL" b="1" dirty="0">
+                <a:latin typeface="+mj-lt"/>
+              </a:rPr>
+              <a:t> </a:t>
+            </a:r>
+            <a:r>
+              <a:rPr lang="en-GB" b="1" dirty="0">
+                <a:latin typeface="+mj-lt"/>
+              </a:rPr>
+              <a:t>Project</a:t>
+            </a:r>
+            <a:r>
+              <a:rPr lang="pl-PL" b="1" dirty="0">
+                <a:latin typeface="+mj-lt"/>
+              </a:rPr>
+              <a:t> </a:t>
+            </a:r>
+            <a:r>
+              <a:rPr lang="pl-PL" b="1" dirty="0">
+                <a:solidFill>
+                  <a:srgbClr val="FF9900"/>
+                </a:solidFill>
+                <a:latin typeface="+mj-lt"/>
+              </a:rPr>
+              <a:t>„</a:t>
+            </a:r>
+            <a:r>
+              <a:rPr lang="en-GB" b="1" dirty="0">
+                <a:solidFill>
+                  <a:srgbClr val="FF9900"/>
+                </a:solidFill>
+                <a:latin typeface="+mj-lt"/>
+              </a:rPr>
+              <a:t>Trajectory Stabilization System for an Electric Motorcycle</a:t>
+            </a:r>
+            <a:r>
+              <a:rPr lang="pl-PL" b="1" dirty="0">
+                <a:solidFill>
+                  <a:srgbClr val="FF9900"/>
+                </a:solidFill>
+                <a:latin typeface="+mj-lt"/>
+              </a:rPr>
+              <a:t>”</a:t>
+            </a:r>
+            <a:endParaRPr lang="en-GB" b="1" dirty="0">
+              <a:solidFill>
+                <a:srgbClr val="FF9900"/>
+              </a:solidFill>
+              <a:latin typeface="+mj-lt"/>
+            </a:endParaRPr>
+          </a:p>
+          <a:p>
+            <a:r>
+              <a:rPr lang="en-GB" b="1" dirty="0">
+                <a:latin typeface="+mj-lt"/>
+              </a:rPr>
+              <a:t>Goal:</a:t>
+            </a:r>
+            <a:r>
+              <a:rPr lang="en-GB" dirty="0">
+                <a:latin typeface="+mj-lt"/>
+              </a:rPr>
+              <a:t> Develop a control system that keeps the electric motorcycle on a stable path </a:t>
+            </a:r>
+            <a:endParaRPr lang="pl-PL" dirty="0">
+              <a:latin typeface="+mj-lt"/>
+            </a:endParaRPr>
+          </a:p>
+          <a:p>
+            <a:r>
+              <a:rPr lang="en-GB" dirty="0">
+                <a:latin typeface="+mj-lt"/>
+              </a:rPr>
+              <a:t>by correcting deviations in real-time.</a:t>
+            </a:r>
+          </a:p>
+          <a:p>
+            <a:r>
+              <a:rPr lang="en-GB" b="1" dirty="0">
+                <a:latin typeface="+mj-lt"/>
+              </a:rPr>
+              <a:t>Key Components:</a:t>
+            </a:r>
+            <a:endParaRPr lang="en-GB" dirty="0">
+              <a:latin typeface="+mj-lt"/>
+            </a:endParaRPr>
+          </a:p>
+          <a:p>
+            <a:pPr lvl="1"/>
+            <a:r>
+              <a:rPr lang="en-GB" dirty="0">
+                <a:latin typeface="+mj-lt"/>
+              </a:rPr>
+              <a:t>Motion sensors (e.g., MPU6050 gyro + accelerometer) to measure tilt and acceleration</a:t>
+            </a:r>
+          </a:p>
+          <a:p>
+            <a:pPr lvl="1"/>
+            <a:r>
+              <a:rPr lang="en-GB" dirty="0">
+                <a:latin typeface="+mj-lt"/>
+              </a:rPr>
+              <a:t>Motor controller (ESC) to adjust speed and torque</a:t>
+            </a:r>
+          </a:p>
+          <a:p>
+            <a:pPr lvl="1"/>
+            <a:r>
+              <a:rPr lang="en-GB" dirty="0">
+                <a:latin typeface="+mj-lt"/>
+              </a:rPr>
+              <a:t>Control algorithm (PID or adaptive controller) for trajectory correction</a:t>
+            </a:r>
+          </a:p>
+          <a:p>
+            <a:pPr lvl="1"/>
+            <a:r>
+              <a:rPr lang="en-GB" dirty="0">
+                <a:latin typeface="+mj-lt"/>
+              </a:rPr>
+              <a:t>Navigation system (GPS or other sensors) to track position and heading</a:t>
+            </a:r>
+          </a:p>
+          <a:p>
+            <a:pPr lvl="1"/>
+            <a:r>
+              <a:rPr lang="en-GB" dirty="0">
+                <a:latin typeface="+mj-lt"/>
+              </a:rPr>
+              <a:t>User interface for monitoring and parameter tuning</a:t>
+            </a:r>
+          </a:p>
+          <a:p>
+            <a:r>
+              <a:rPr lang="en-GB" b="1" dirty="0">
+                <a:latin typeface="+mj-lt"/>
+              </a:rPr>
+              <a:t>Possible Extensions:</a:t>
+            </a:r>
+            <a:endParaRPr lang="en-GB" dirty="0">
+              <a:latin typeface="+mj-lt"/>
+            </a:endParaRPr>
+          </a:p>
+          <a:p>
+            <a:pPr lvl="1"/>
+            <a:r>
+              <a:rPr lang="en-GB" dirty="0">
+                <a:latin typeface="+mj-lt"/>
+              </a:rPr>
+              <a:t>Obstacle detection and automatic path correction</a:t>
+            </a:r>
+          </a:p>
+          <a:p>
+            <a:pPr lvl="1"/>
+            <a:r>
+              <a:rPr lang="en-GB" dirty="0">
+                <a:latin typeface="+mj-lt"/>
+              </a:rPr>
+              <a:t>Machine learning to optimize control under various conditions</a:t>
+            </a:r>
+          </a:p>
+          <a:p>
+            <a:pPr lvl="1"/>
+            <a:r>
+              <a:rPr lang="en-GB" dirty="0">
+                <a:latin typeface="+mj-lt"/>
+              </a:rPr>
+              <a:t>Remote monitoring and control via a mobile app</a:t>
+            </a:r>
+          </a:p>
+          <a:p>
+            <a:pPr marL="0" marR="0" indent="0" algn="l" defTabSz="914400" rtl="0" fontAlgn="auto" latinLnBrk="0" hangingPunct="0">
+              <a:lnSpc>
+                <a:spcPct val="100000"/>
+              </a:lnSpc>
+              <a:spcBef>
+                <a:spcPts val="0"/>
+              </a:spcBef>
+              <a:spcAft>
+                <a:spcPts val="0"/>
+              </a:spcAft>
+              <a:buClrTx/>
+              <a:buSzTx/>
+              <a:buFontTx/>
+              <a:buNone/>
+              <a:tabLst/>
+            </a:pPr>
+            <a:endParaRPr kumimoji="0" lang="en-GB" sz="1800" b="0" i="0" u="none" strike="noStrike" cap="none" spc="0" normalizeH="0" baseline="0" dirty="0">
+              <a:ln>
+                <a:noFill/>
+              </a:ln>
+              <a:solidFill>
+                <a:srgbClr val="000000"/>
+              </a:solidFill>
+              <a:effectLst/>
+              <a:uFillTx/>
+              <a:latin typeface="+mj-lt"/>
+              <a:ea typeface="Trebuchet MS"/>
+              <a:cs typeface="Trebuchet MS"/>
+              <a:sym typeface="Trebuchet MS"/>
+            </a:endParaRPr>
+          </a:p>
+        </p:txBody>
+      </p:sp>
+    </p:spTree>
+    <p:extLst>
+      <p:ext uri="{BB962C8B-B14F-4D97-AF65-F5344CB8AC3E}">
+        <p14:creationId xmlns:p14="http://schemas.microsoft.com/office/powerpoint/2010/main" val="868689914"/>
+      </p:ext>
+    </p:extLst>
+  </p:cSld>
+  <p:clrMapOvr>
+    <a:masterClrMapping/>
+  </p:clrMapOvr>
+  <p:transition spd="med"/>
+</p:sld>
+</file>
+
+<file path=ppt/slides/slide36.xml><?xml version="1.0" encoding="utf-8"?>
+<p:sld xmlns:a="http://schemas.openxmlformats.org/drawingml/2006/main" xmlns:r="http://schemas.openxmlformats.org/officeDocument/2006/relationships" xmlns:p="http://schemas.openxmlformats.org/presentationml/2006/main">
+  <p:cSld>
+    <p:spTree>
+      <p:nvGrpSpPr>
+        <p:cNvPr id="1" name="">
+          <a:extLst>
+            <a:ext uri="{FF2B5EF4-FFF2-40B4-BE49-F238E27FC236}">
+              <a16:creationId xmlns:a16="http://schemas.microsoft.com/office/drawing/2014/main" id="{B216FFA1-D73F-CCA6-B4A3-633B5009446F}"/>
+            </a:ext>
+          </a:extLst>
+        </p:cNvPr>
+        <p:cNvGrpSpPr/>
+        <p:nvPr/>
+      </p:nvGrpSpPr>
+      <p:grpSpPr>
+        <a:xfrm>
+          <a:off x="0" y="0"/>
+          <a:ext cx="0" cy="0"/>
+          <a:chOff x="0" y="0"/>
+          <a:chExt cx="0" cy="0"/>
+        </a:xfrm>
+      </p:grpSpPr>
+      <p:sp>
+        <p:nvSpPr>
+          <p:cNvPr id="6" name="TextBox 5">
+            <a:extLst>
+              <a:ext uri="{FF2B5EF4-FFF2-40B4-BE49-F238E27FC236}">
+                <a16:creationId xmlns:a16="http://schemas.microsoft.com/office/drawing/2014/main" id="{7C349226-2A59-39CD-46D7-25159CAE3C9C}"/>
+              </a:ext>
+            </a:extLst>
+          </p:cNvPr>
+          <p:cNvSpPr txBox="1"/>
+          <p:nvPr/>
+        </p:nvSpPr>
+        <p:spPr>
+          <a:xfrm>
+            <a:off x="6459794" y="3023326"/>
+            <a:ext cx="663000" cy="477052"/>
+          </a:xfrm>
+          <a:prstGeom prst="rect">
+            <a:avLst/>
+          </a:prstGeom>
+          <a:noFill/>
+          <a:ln w="12700" cap="flat">
+            <a:noFill/>
+            <a:miter lim="400000"/>
+          </a:ln>
+          <a:effectLst/>
+          <a:sp3d/>
+        </p:spPr>
+        <p:style>
+          <a:lnRef idx="0">
+            <a:scrgbClr r="0" g="0" b="0"/>
+          </a:lnRef>
+          <a:fillRef idx="0">
+            <a:scrgbClr r="0" g="0" b="0"/>
+          </a:fillRef>
+          <a:effectRef idx="0">
+            <a:scrgbClr r="0" g="0" b="0"/>
+          </a:effectRef>
+          <a:fontRef idx="none"/>
+        </p:style>
+        <p:txBody>
+          <a:bodyPr rot="0" spcFirstLastPara="1" vertOverflow="overflow" horzOverflow="overflow" vert="horz" wrap="none" lIns="45719" tIns="45719" rIns="45719" bIns="45719" numCol="1" spcCol="38100" rtlCol="0" anchor="t">
+            <a:spAutoFit/>
+          </a:bodyPr>
+          <a:lstStyle/>
+          <a:p>
+            <a:pPr marL="0" marR="0" indent="0" algn="ctr" defTabSz="914400" rtl="0" fontAlgn="auto" latinLnBrk="0" hangingPunct="0">
+              <a:lnSpc>
+                <a:spcPct val="100000"/>
+              </a:lnSpc>
+              <a:spcBef>
+                <a:spcPts val="0"/>
+              </a:spcBef>
+              <a:spcAft>
+                <a:spcPts val="0"/>
+              </a:spcAft>
+              <a:buClrTx/>
+              <a:buSzTx/>
+              <a:buFontTx/>
+              <a:buNone/>
+              <a:tabLst/>
+            </a:pPr>
+            <a:r>
+              <a:rPr kumimoji="0" lang="pl-PL" sz="2500" b="1" i="0" u="none" strike="noStrike" cap="none" spc="0" normalizeH="0" baseline="0" dirty="0">
+                <a:ln>
+                  <a:noFill/>
+                </a:ln>
+                <a:solidFill>
+                  <a:srgbClr val="000000"/>
+                </a:solidFill>
+                <a:effectLst/>
+                <a:uFillTx/>
+                <a:latin typeface="+mj-lt"/>
+                <a:ea typeface="Trebuchet MS"/>
+                <a:cs typeface="Trebuchet MS"/>
+                <a:sym typeface="Trebuchet MS"/>
+              </a:rPr>
+              <a:t>END</a:t>
+            </a:r>
+            <a:endParaRPr kumimoji="0" lang="en-GB" sz="2500" b="1" i="0" u="none" strike="noStrike" cap="none" spc="0" normalizeH="0" baseline="0" dirty="0">
+              <a:ln>
+                <a:noFill/>
+              </a:ln>
+              <a:solidFill>
+                <a:srgbClr val="000000"/>
+              </a:solidFill>
+              <a:effectLst/>
+              <a:uFillTx/>
+              <a:latin typeface="+mj-lt"/>
+              <a:ea typeface="Trebuchet MS"/>
+              <a:cs typeface="Trebuchet MS"/>
+              <a:sym typeface="Trebuchet MS"/>
+            </a:endParaRPr>
+          </a:p>
+        </p:txBody>
+      </p:sp>
+    </p:spTree>
+    <p:extLst>
+      <p:ext uri="{BB962C8B-B14F-4D97-AF65-F5344CB8AC3E}">
+        <p14:creationId xmlns:p14="http://schemas.microsoft.com/office/powerpoint/2010/main" val="3082062695"/>
+      </p:ext>
+    </p:extLst>
+  </p:cSld>
+  <p:clrMapOvr>
+    <a:masterClrMapping/>
+  </p:clrMapOvr>
+  <p:transition spd="med"/>
 </p:sld>
 </file>
 
@@ -34330,7 +39009,7 @@
           </a:ln>
           <a:extLst>
             <a:ext uri="{C572A759-6A51-4108-AA02-DFA0A04FC94B}">
-              <ma14:wrappingTextBoxFlag xmlns="" xmlns:m="http://schemas.openxmlformats.org/officeDocument/2006/math" xmlns:a14="http://schemas.microsoft.com/office/drawing/2010/main" xmlns:ma14="http://schemas.microsoft.com/office/mac/drawingml/2011/main" val="1"/>
+              <ma14:wrappingTextBoxFlag xmlns:ma14="http://schemas.microsoft.com/office/mac/drawingml/2011/main" xmlns:a14="http://schemas.microsoft.com/office/drawing/2010/main" xmlns:m="http://schemas.openxmlformats.org/officeDocument/2006/math" xmlns="" val="1"/>
             </a:ext>
           </a:extLst>
         </p:spPr>
@@ -34471,7 +39150,7 @@
           </a:ln>
           <a:extLst>
             <a:ext uri="{C572A759-6A51-4108-AA02-DFA0A04FC94B}">
-              <ma14:wrappingTextBoxFlag xmlns="" xmlns:m="http://schemas.openxmlformats.org/officeDocument/2006/math" xmlns:a14="http://schemas.microsoft.com/office/drawing/2010/main" xmlns:ma14="http://schemas.microsoft.com/office/mac/drawingml/2011/main" val="1"/>
+              <ma14:wrappingTextBoxFlag xmlns:ma14="http://schemas.microsoft.com/office/mac/drawingml/2011/main" xmlns:a14="http://schemas.microsoft.com/office/drawing/2010/main" xmlns:m="http://schemas.openxmlformats.org/officeDocument/2006/math" xmlns="" val="1"/>
             </a:ext>
           </a:extLst>
         </p:spPr>
@@ -34545,7 +39224,7 @@
           </a:ln>
           <a:extLst>
             <a:ext uri="{C572A759-6A51-4108-AA02-DFA0A04FC94B}">
-              <ma14:wrappingTextBoxFlag xmlns="" xmlns:m="http://schemas.openxmlformats.org/officeDocument/2006/math" xmlns:a14="http://schemas.microsoft.com/office/drawing/2010/main" xmlns:ma14="http://schemas.microsoft.com/office/mac/drawingml/2011/main" val="1"/>
+              <ma14:wrappingTextBoxFlag xmlns:ma14="http://schemas.microsoft.com/office/mac/drawingml/2011/main" xmlns:a14="http://schemas.microsoft.com/office/drawing/2010/main" xmlns:m="http://schemas.openxmlformats.org/officeDocument/2006/math" xmlns="" val="1"/>
             </a:ext>
           </a:extLst>
         </p:spPr>
@@ -34665,7 +39344,7 @@
           </a:ln>
           <a:extLst>
             <a:ext uri="{C572A759-6A51-4108-AA02-DFA0A04FC94B}">
-              <ma14:wrappingTextBoxFlag xmlns="" xmlns:m="http://schemas.openxmlformats.org/officeDocument/2006/math" xmlns:a14="http://schemas.microsoft.com/office/drawing/2010/main" xmlns:ma14="http://schemas.microsoft.com/office/mac/drawingml/2011/main" val="1"/>
+              <ma14:wrappingTextBoxFlag xmlns:ma14="http://schemas.microsoft.com/office/mac/drawingml/2011/main" xmlns:a14="http://schemas.microsoft.com/office/drawing/2010/main" xmlns:m="http://schemas.openxmlformats.org/officeDocument/2006/math" xmlns="" val="1"/>
             </a:ext>
           </a:extLst>
         </p:spPr>
@@ -34852,7 +39531,7 @@
         <p:fade/>
       </p:transition>
     </mc:Choice>
-    <mc:Fallback xmlns="" xmlns:m="http://schemas.openxmlformats.org/officeDocument/2006/math" xmlns:a14="http://schemas.microsoft.com/office/drawing/2010/main">
+    <mc:Fallback xmlns:a14="http://schemas.microsoft.com/office/drawing/2010/main" xmlns:m="http://schemas.openxmlformats.org/officeDocument/2006/math" xmlns="">
       <p:transition spd="med">
         <p:fade/>
       </p:transition>
@@ -35677,7 +40356,7 @@
           </a:ln>
           <a:extLst>
             <a:ext uri="{C572A759-6A51-4108-AA02-DFA0A04FC94B}">
-              <ma14:wrappingTextBoxFlag xmlns="" xmlns:m="http://schemas.openxmlformats.org/officeDocument/2006/math" xmlns:a14="http://schemas.microsoft.com/office/drawing/2010/main" xmlns:ma14="http://schemas.microsoft.com/office/mac/drawingml/2011/main" val="1"/>
+              <ma14:wrappingTextBoxFlag xmlns:ma14="http://schemas.microsoft.com/office/mac/drawingml/2011/main" xmlns:a14="http://schemas.microsoft.com/office/drawing/2010/main" xmlns:m="http://schemas.openxmlformats.org/officeDocument/2006/math" xmlns="" val="1"/>
             </a:ext>
           </a:extLst>
         </p:spPr>
@@ -37219,7 +41898,7 @@
           </a:ln>
           <a:extLst>
             <a:ext uri="{C572A759-6A51-4108-AA02-DFA0A04FC94B}">
-              <ma14:wrappingTextBoxFlag xmlns="" xmlns:m="http://schemas.openxmlformats.org/officeDocument/2006/math" xmlns:a14="http://schemas.microsoft.com/office/drawing/2010/main" xmlns:ma14="http://schemas.microsoft.com/office/mac/drawingml/2011/main" val="1"/>
+              <ma14:wrappingTextBoxFlag xmlns:ma14="http://schemas.microsoft.com/office/mac/drawingml/2011/main" xmlns:a14="http://schemas.microsoft.com/office/drawing/2010/main" xmlns:m="http://schemas.openxmlformats.org/officeDocument/2006/math" xmlns="" val="1"/>
             </a:ext>
           </a:extLst>
         </p:spPr>
@@ -40611,7 +45290,7 @@
         <p:fade/>
       </p:transition>
     </mc:Choice>
-    <mc:Fallback xmlns="" xmlns:m="http://schemas.openxmlformats.org/officeDocument/2006/math" xmlns:a14="http://schemas.microsoft.com/office/drawing/2010/main">
+    <mc:Fallback xmlns:a14="http://schemas.microsoft.com/office/drawing/2010/main" xmlns:m="http://schemas.openxmlformats.org/officeDocument/2006/math" xmlns="">
       <p:transition spd="med">
         <p:fade/>
       </p:transition>
@@ -40778,7 +45457,7 @@
           </a:ln>
           <a:extLst>
             <a:ext uri="{C572A759-6A51-4108-AA02-DFA0A04FC94B}">
-              <ma14:wrappingTextBoxFlag xmlns="" xmlns:m="http://schemas.openxmlformats.org/officeDocument/2006/math" xmlns:a14="http://schemas.microsoft.com/office/drawing/2010/main" xmlns:ma14="http://schemas.microsoft.com/office/mac/drawingml/2011/main" val="1"/>
+              <ma14:wrappingTextBoxFlag xmlns:ma14="http://schemas.microsoft.com/office/mac/drawingml/2011/main" xmlns:a14="http://schemas.microsoft.com/office/drawing/2010/main" xmlns:m="http://schemas.openxmlformats.org/officeDocument/2006/math" xmlns="" val="1"/>
             </a:ext>
           </a:extLst>
         </p:spPr>
